--- a/GUImockUp/UImockUp.pptx
+++ b/GUImockUp/UImockUp.pptx
@@ -241,7 +241,7 @@
           <a:p>
             <a:fld id="{41358CCC-6F56-43DD-8E6C-EA1D04BE9FE9}" type="datetimeFigureOut">
               <a:rPr lang="en-GB" smtClean="0"/>
-              <a:t>22/04/2018</a:t>
+              <a:t>27/04/2018</a:t>
             </a:fld>
             <a:endParaRPr lang="en-GB"/>
           </a:p>
@@ -406,7 +406,7 @@
           <a:p>
             <a:fld id="{2B48A068-4DD0-45F4-94E7-C55B9B1640CE}" type="datetimeFigureOut">
               <a:rPr lang="en-GB" smtClean="0"/>
-              <a:t>22/04/2018</a:t>
+              <a:t>27/04/2018</a:t>
             </a:fld>
             <a:endParaRPr lang="en-GB"/>
           </a:p>
@@ -674,6 +674,90 @@
 </p:notesMaster>
 </file>
 
+<file path=ppt/notesSlides/notesSlide1.xml><?xml version="1.0" encoding="utf-8"?>
+<p:notes xmlns:a="http://schemas.openxmlformats.org/drawingml/2006/main" xmlns:r="http://schemas.openxmlformats.org/officeDocument/2006/relationships" xmlns:p="http://schemas.openxmlformats.org/presentationml/2006/main">
+  <p:cSld>
+    <p:spTree>
+      <p:nvGrpSpPr>
+        <p:cNvPr id="1" name=""/>
+        <p:cNvGrpSpPr/>
+        <p:nvPr/>
+      </p:nvGrpSpPr>
+      <p:grpSpPr>
+        <a:xfrm>
+          <a:off x="0" y="0"/>
+          <a:ext cx="0" cy="0"/>
+          <a:chOff x="0" y="0"/>
+          <a:chExt cx="0" cy="0"/>
+        </a:xfrm>
+      </p:grpSpPr>
+      <p:sp>
+        <p:nvSpPr>
+          <p:cNvPr id="2" name="Slide Image Placeholder 1"/>
+          <p:cNvSpPr>
+            <a:spLocks noGrp="1" noRot="1" noChangeAspect="1"/>
+          </p:cNvSpPr>
+          <p:nvPr>
+            <p:ph type="sldImg"/>
+          </p:nvPr>
+        </p:nvSpPr>
+        <p:spPr/>
+      </p:sp>
+      <p:sp>
+        <p:nvSpPr>
+          <p:cNvPr id="3" name="Notes Placeholder 2"/>
+          <p:cNvSpPr>
+            <a:spLocks noGrp="1"/>
+          </p:cNvSpPr>
+          <p:nvPr>
+            <p:ph type="body" idx="1"/>
+          </p:nvPr>
+        </p:nvSpPr>
+        <p:spPr/>
+        <p:txBody>
+          <a:bodyPr/>
+          <a:lstStyle/>
+          <a:p>
+            <a:endParaRPr lang="da-DK" dirty="0"/>
+          </a:p>
+        </p:txBody>
+      </p:sp>
+      <p:sp>
+        <p:nvSpPr>
+          <p:cNvPr id="4" name="Slide Number Placeholder 3"/>
+          <p:cNvSpPr>
+            <a:spLocks noGrp="1"/>
+          </p:cNvSpPr>
+          <p:nvPr>
+            <p:ph type="sldNum" sz="quarter" idx="10"/>
+          </p:nvPr>
+        </p:nvSpPr>
+        <p:spPr/>
+        <p:txBody>
+          <a:bodyPr/>
+          <a:lstStyle/>
+          <a:p>
+            <a:fld id="{B0B3AEDA-FA2C-4C5B-8D07-E10DAED930C6}" type="slidenum">
+              <a:rPr lang="en-GB" smtClean="0"/>
+              <a:t>1</a:t>
+            </a:fld>
+            <a:endParaRPr lang="en-GB"/>
+          </a:p>
+        </p:txBody>
+      </p:sp>
+    </p:spTree>
+    <p:extLst>
+      <p:ext uri="{BB962C8B-B14F-4D97-AF65-F5344CB8AC3E}">
+        <p14:creationId xmlns:p14="http://schemas.microsoft.com/office/powerpoint/2010/main" val="2282217844"/>
+      </p:ext>
+    </p:extLst>
+  </p:cSld>
+  <p:clrMapOvr>
+    <a:masterClrMapping/>
+  </p:clrMapOvr>
+</p:notes>
+</file>
+
 <file path=ppt/slideLayouts/slideLayout1.xml><?xml version="1.0" encoding="utf-8"?>
 <p:sldLayout xmlns:a="http://schemas.openxmlformats.org/drawingml/2006/main" xmlns:r="http://schemas.openxmlformats.org/officeDocument/2006/relationships" xmlns:p="http://schemas.openxmlformats.org/presentationml/2006/main" preserve="1" userDrawn="1">
   <p:cSld name="Title Slide">
@@ -828,7 +912,7 @@
           <a:p>
             <a:fld id="{AF897D5F-F5DB-425C-80EE-8708A0C5EF1D}" type="datetime1">
               <a:rPr lang="da-DK" smtClean="0"/>
-              <a:t>22-04-2018</a:t>
+              <a:t>27-04-2018</a:t>
             </a:fld>
             <a:endParaRPr lang="en-GB" dirty="0"/>
           </a:p>
@@ -1147,7 +1231,7 @@
           <a:p>
             <a:fld id="{77620784-9F7E-4ED5-A396-E75A134BC48D}" type="datetime1">
               <a:rPr lang="da-DK" smtClean="0"/>
-              <a:t>22-04-2018</a:t>
+              <a:t>27-04-2018</a:t>
             </a:fld>
             <a:endParaRPr lang="en-GB" dirty="0"/>
           </a:p>
@@ -1698,7 +1782,7 @@
           <a:p>
             <a:fld id="{FA0040E9-772E-4F4A-AAA5-1F177322639D}" type="datetime1">
               <a:rPr lang="da-DK" smtClean="0"/>
-              <a:t>22-04-2018</a:t>
+              <a:t>27-04-2018</a:t>
             </a:fld>
             <a:endParaRPr lang="en-GB" dirty="0"/>
           </a:p>
@@ -2047,7 +2131,7 @@
           <a:p>
             <a:fld id="{9E7C9423-66AB-4EF4-B673-64F225E5769F}" type="datetime1">
               <a:rPr lang="da-DK" smtClean="0"/>
-              <a:t>22-04-2018</a:t>
+              <a:t>27-04-2018</a:t>
             </a:fld>
             <a:endParaRPr lang="en-GB" dirty="0"/>
           </a:p>
@@ -2471,7 +2555,7 @@
           <a:p>
             <a:fld id="{F49259F4-7ACA-416E-B20C-CE63EAC1B523}" type="datetime1">
               <a:rPr lang="da-DK" smtClean="0"/>
-              <a:t>22-04-2018</a:t>
+              <a:t>27-04-2018</a:t>
             </a:fld>
             <a:endParaRPr lang="en-GB" dirty="0"/>
           </a:p>
@@ -2904,7 +2988,7 @@
           <a:p>
             <a:fld id="{9DDC9C68-1875-4C06-B1EB-EA58595E2B28}" type="datetime1">
               <a:rPr lang="da-DK" smtClean="0"/>
-              <a:t>22-04-2018</a:t>
+              <a:t>27-04-2018</a:t>
             </a:fld>
             <a:endParaRPr lang="en-GB" dirty="0"/>
           </a:p>
@@ -3278,7 +3362,7 @@
           <a:p>
             <a:fld id="{FE24E8D6-28EB-4851-97F1-4B1C5F190F18}" type="datetime1">
               <a:rPr lang="da-DK" smtClean="0"/>
-              <a:t>22-04-2018</a:t>
+              <a:t>27-04-2018</a:t>
             </a:fld>
             <a:endParaRPr lang="en-GB" dirty="0"/>
           </a:p>
@@ -3556,7 +3640,7 @@
           <a:p>
             <a:fld id="{2AAFE42E-08E3-4D5E-8604-6252EFEB63F2}" type="datetime1">
               <a:rPr lang="da-DK" smtClean="0"/>
-              <a:t>22-04-2018</a:t>
+              <a:t>27-04-2018</a:t>
             </a:fld>
             <a:endParaRPr lang="en-GB" dirty="0"/>
           </a:p>
@@ -4078,7 +4162,7 @@
           <a:p>
             <a:fld id="{D5BD8919-843E-4F61-80DC-5FC1FD4BA48C}" type="datetime1">
               <a:rPr lang="da-DK" smtClean="0"/>
-              <a:t>22-04-2018</a:t>
+              <a:t>27-04-2018</a:t>
             </a:fld>
             <a:endParaRPr lang="en-GB" dirty="0"/>
           </a:p>
@@ -4430,7 +4514,7 @@
           <a:p>
             <a:fld id="{82719946-140D-4206-877D-D26D4A11F51F}" type="datetime1">
               <a:rPr lang="da-DK" smtClean="0"/>
-              <a:t>22-04-2018</a:t>
+              <a:t>27-04-2018</a:t>
             </a:fld>
             <a:endParaRPr lang="en-GB" dirty="0"/>
           </a:p>
@@ -4661,7 +4745,7 @@
           <a:p>
             <a:fld id="{F7BCF7F8-111C-4E30-BE9F-980860C20844}" type="datetime1">
               <a:rPr lang="da-DK" smtClean="0"/>
-              <a:t>22-04-2018</a:t>
+              <a:t>27-04-2018</a:t>
             </a:fld>
             <a:endParaRPr lang="en-GB" dirty="0"/>
           </a:p>
@@ -4917,7 +5001,7 @@
           <a:p>
             <a:fld id="{69BD974A-5202-4B7F-9C1F-01FC33E18B82}" type="datetime1">
               <a:rPr lang="da-DK" smtClean="0"/>
-              <a:t>22-04-2018</a:t>
+              <a:t>27-04-2018</a:t>
             </a:fld>
             <a:endParaRPr lang="en-GB" dirty="0"/>
           </a:p>
@@ -5350,7 +5434,7 @@
           <a:p>
             <a:fld id="{BB36FF4E-823A-4DB2-8040-579DC86FF8B1}" type="datetime1">
               <a:rPr lang="da-DK" smtClean="0"/>
-              <a:t>22-04-2018</a:t>
+              <a:t>27-04-2018</a:t>
             </a:fld>
             <a:endParaRPr lang="en-GB" dirty="0"/>
           </a:p>
@@ -5587,7 +5671,7 @@
           <a:p>
             <a:fld id="{3158431C-8317-4869-B965-9615D8EB6B79}" type="datetime1">
               <a:rPr lang="da-DK" smtClean="0"/>
-              <a:t>22-04-2018</a:t>
+              <a:t>27-04-2018</a:t>
             </a:fld>
             <a:endParaRPr lang="en-GB" dirty="0"/>
           </a:p>
@@ -5879,7 +5963,7 @@
           <a:p>
             <a:fld id="{F7722DDC-6736-4606-850A-E1F7E7C99F28}" type="datetime1">
               <a:rPr lang="da-DK" smtClean="0"/>
-              <a:t>22-04-2018</a:t>
+              <a:t>27-04-2018</a:t>
             </a:fld>
             <a:endParaRPr lang="en-GB" dirty="0"/>
           </a:p>
@@ -6201,7 +6285,7 @@
           <a:p>
             <a:fld id="{93BD7FC8-C5F7-454B-83A1-207FEA411BA1}" type="datetime1">
               <a:rPr lang="da-DK" smtClean="0"/>
-              <a:t>22-04-2018</a:t>
+              <a:t>27-04-2018</a:t>
             </a:fld>
             <a:endParaRPr lang="en-GB" dirty="0"/>
           </a:p>
@@ -6631,7 +6715,7 @@
           <a:p>
             <a:fld id="{CD90914F-61F5-43E1-A82C-A3D15A7FC7B0}" type="datetime1">
               <a:rPr lang="da-DK" smtClean="0"/>
-              <a:t>22-04-2018</a:t>
+              <a:t>27-04-2018</a:t>
             </a:fld>
             <a:endParaRPr lang="en-GB" dirty="0"/>
           </a:p>
@@ -6839,7 +6923,7 @@
           <a:p>
             <a:fld id="{12B833B5-487D-4E0D-A218-60A3F4BDF8F0}" type="datetime1">
               <a:rPr lang="da-DK" smtClean="0"/>
-              <a:t>22-04-2018</a:t>
+              <a:t>27-04-2018</a:t>
             </a:fld>
             <a:endParaRPr lang="en-GB" dirty="0"/>
           </a:p>
@@ -7019,7 +7103,7 @@
           <a:p>
             <a:fld id="{BCDC6B66-3065-4C42-A0E4-277874B6494A}" type="datetime1">
               <a:rPr lang="da-DK" smtClean="0"/>
-              <a:t>22-04-2018</a:t>
+              <a:t>27-04-2018</a:t>
             </a:fld>
             <a:endParaRPr lang="en-GB" dirty="0"/>
           </a:p>
@@ -7359,7 +7443,7 @@
           <a:p>
             <a:fld id="{3D01A687-6861-4005-BC3A-7864564C023A}" type="datetime1">
               <a:rPr lang="da-DK" smtClean="0"/>
-              <a:t>22-04-2018</a:t>
+              <a:t>27-04-2018</a:t>
             </a:fld>
             <a:endParaRPr lang="en-GB" dirty="0"/>
           </a:p>
@@ -7767,7 +7851,7 @@
           <a:p>
             <a:fld id="{5A46CF01-A7F2-48E2-B468-A61B3DBEA2E4}" type="datetime1">
               <a:rPr lang="da-DK" smtClean="0"/>
-              <a:t>22-04-2018</a:t>
+              <a:t>27-04-2018</a:t>
             </a:fld>
             <a:endParaRPr lang="en-GB" dirty="0"/>
           </a:p>
@@ -8159,10 +8243,10 @@
       </p:grpSpPr>
       <p:sp>
         <p:nvSpPr>
-          <p:cNvPr id="107" name="Rectangle 106">
+          <p:cNvPr id="45" name="Rectangle 44">
             <a:extLst>
               <a:ext uri="{FF2B5EF4-FFF2-40B4-BE49-F238E27FC236}">
-                <a16:creationId xmlns:a16="http://schemas.microsoft.com/office/drawing/2014/main" id="{4F04B357-C379-4ECD-BA37-4EA401693A6D}"/>
+                <a16:creationId xmlns:a16="http://schemas.microsoft.com/office/drawing/2014/main" id="{F27AA830-7339-4567-95AF-8B0B01FCB8EC}"/>
               </a:ext>
             </a:extLst>
           </p:cNvPr>
@@ -8171,8 +8255,8 @@
         </p:nvSpPr>
         <p:spPr>
           <a:xfrm>
-            <a:off x="0" y="0"/>
-            <a:ext cx="19756582" cy="24535470"/>
+            <a:off x="-2715358" y="0"/>
+            <a:ext cx="28441650" cy="30217486"/>
           </a:xfrm>
           <a:prstGeom prst="rect">
             <a:avLst/>
@@ -8180,16 +8264,18 @@
         </p:spPr>
         <p:style>
           <a:lnRef idx="2">
-            <a:schemeClr val="accent5"/>
+            <a:schemeClr val="accent5">
+              <a:shade val="50000"/>
+            </a:schemeClr>
           </a:lnRef>
           <a:fillRef idx="1">
-            <a:schemeClr val="lt1"/>
+            <a:schemeClr val="accent5"/>
           </a:fillRef>
           <a:effectRef idx="0">
             <a:schemeClr val="accent5"/>
           </a:effectRef>
           <a:fontRef idx="minor">
-            <a:schemeClr val="dk1"/>
+            <a:schemeClr val="lt1"/>
           </a:fontRef>
         </p:style>
         <p:txBody>
@@ -8247,126 +8333,12 @@
           </a:p>
         </p:txBody>
       </p:sp>
-      <p:sp>
-        <p:nvSpPr>
-          <p:cNvPr id="4" name="Rectangle 3">
-            <a:extLst>
-              <a:ext uri="{FF2B5EF4-FFF2-40B4-BE49-F238E27FC236}">
-                <a16:creationId xmlns:a16="http://schemas.microsoft.com/office/drawing/2014/main" id="{DB5706A6-F6AB-4349-B9B5-E23068DBFEE1}"/>
-              </a:ext>
-            </a:extLst>
-          </p:cNvPr>
-          <p:cNvSpPr/>
-          <p:nvPr/>
-        </p:nvSpPr>
-        <p:spPr>
-          <a:xfrm>
-            <a:off x="244444" y="6083929"/>
-            <a:ext cx="11947556" cy="651849"/>
-          </a:xfrm>
-          <a:prstGeom prst="rect">
-            <a:avLst/>
-          </a:prstGeom>
-          <a:ln>
-            <a:solidFill>
-              <a:schemeClr val="bg1"/>
-            </a:solidFill>
-          </a:ln>
-        </p:spPr>
-        <p:style>
-          <a:lnRef idx="2">
-            <a:schemeClr val="accent6"/>
-          </a:lnRef>
-          <a:fillRef idx="1">
-            <a:schemeClr val="lt1"/>
-          </a:fillRef>
-          <a:effectRef idx="0">
-            <a:schemeClr val="accent6"/>
-          </a:effectRef>
-          <a:fontRef idx="minor">
-            <a:schemeClr val="dk1"/>
-          </a:fontRef>
-        </p:style>
-        <p:txBody>
-          <a:bodyPr rtlCol="0" anchor="ctr"/>
-          <a:lstStyle/>
-          <a:p>
-            <a:pPr algn="ctr"/>
-            <a:endParaRPr lang="da-DK" dirty="0"/>
-          </a:p>
-        </p:txBody>
-      </p:sp>
       <p:pic>
         <p:nvPicPr>
           <p:cNvPr id="17" name="Picture 16">
             <a:extLst>
               <a:ext uri="{FF2B5EF4-FFF2-40B4-BE49-F238E27FC236}">
                 <a16:creationId xmlns:a16="http://schemas.microsoft.com/office/drawing/2014/main" id="{971CDDEF-3CC7-49A7-B33A-355DCD69593D}"/>
-              </a:ext>
-            </a:extLst>
-          </p:cNvPr>
-          <p:cNvPicPr>
-            <a:picLocks noChangeAspect="1"/>
-          </p:cNvPicPr>
-          <p:nvPr/>
-        </p:nvPicPr>
-        <p:blipFill>
-          <a:blip r:embed="rId2"/>
-          <a:stretch>
-            <a:fillRect/>
-          </a:stretch>
-        </p:blipFill>
-        <p:spPr>
-          <a:xfrm>
-            <a:off x="4823843" y="7572175"/>
-            <a:ext cx="1885622" cy="3144489"/>
-          </a:xfrm>
-          <a:prstGeom prst="rect">
-            <a:avLst/>
-          </a:prstGeom>
-        </p:spPr>
-      </p:pic>
-      <p:sp>
-        <p:nvSpPr>
-          <p:cNvPr id="5" name="TextBox 4">
-            <a:extLst>
-              <a:ext uri="{FF2B5EF4-FFF2-40B4-BE49-F238E27FC236}">
-                <a16:creationId xmlns:a16="http://schemas.microsoft.com/office/drawing/2014/main" id="{CA046B02-0EA3-4075-B05B-192932751A3E}"/>
-              </a:ext>
-            </a:extLst>
-          </p:cNvPr>
-          <p:cNvSpPr txBox="1"/>
-          <p:nvPr/>
-        </p:nvSpPr>
-        <p:spPr>
-          <a:xfrm>
-            <a:off x="4734962" y="235390"/>
-            <a:ext cx="2063385" cy="461665"/>
-          </a:xfrm>
-          <a:prstGeom prst="rect">
-            <a:avLst/>
-          </a:prstGeom>
-          <a:noFill/>
-        </p:spPr>
-        <p:txBody>
-          <a:bodyPr wrap="none" rtlCol="0">
-            <a:spAutoFit/>
-          </a:bodyPr>
-          <a:lstStyle/>
-          <a:p>
-            <a:r>
-              <a:rPr lang="da-DK" dirty="0"/>
-              <a:t>Sign-In-Activity</a:t>
-            </a:r>
-          </a:p>
-        </p:txBody>
-      </p:sp>
-      <p:pic>
-        <p:nvPicPr>
-          <p:cNvPr id="6" name="Picture 5">
-            <a:extLst>
-              <a:ext uri="{FF2B5EF4-FFF2-40B4-BE49-F238E27FC236}">
-                <a16:creationId xmlns:a16="http://schemas.microsoft.com/office/drawing/2014/main" id="{AF1FC216-0B6B-4F7E-812A-1B621F53219F}"/>
               </a:ext>
             </a:extLst>
           </p:cNvPr>
@@ -8383,20 +8355,55 @@
         </p:blipFill>
         <p:spPr>
           <a:xfrm>
-            <a:off x="2936758" y="697055"/>
-            <a:ext cx="1873649" cy="3096285"/>
+            <a:off x="4823843" y="7572175"/>
+            <a:ext cx="1885622" cy="3144489"/>
           </a:xfrm>
           <a:prstGeom prst="rect">
             <a:avLst/>
           </a:prstGeom>
         </p:spPr>
       </p:pic>
+      <p:sp>
+        <p:nvSpPr>
+          <p:cNvPr id="5" name="TextBox 4">
+            <a:extLst>
+              <a:ext uri="{FF2B5EF4-FFF2-40B4-BE49-F238E27FC236}">
+                <a16:creationId xmlns:a16="http://schemas.microsoft.com/office/drawing/2014/main" id="{CA046B02-0EA3-4075-B05B-192932751A3E}"/>
+              </a:ext>
+            </a:extLst>
+          </p:cNvPr>
+          <p:cNvSpPr txBox="1"/>
+          <p:nvPr/>
+        </p:nvSpPr>
+        <p:spPr>
+          <a:xfrm>
+            <a:off x="4734962" y="235390"/>
+            <a:ext cx="2063385" cy="461665"/>
+          </a:xfrm>
+          <a:prstGeom prst="rect">
+            <a:avLst/>
+          </a:prstGeom>
+          <a:noFill/>
+        </p:spPr>
+        <p:txBody>
+          <a:bodyPr wrap="none" rtlCol="0">
+            <a:spAutoFit/>
+          </a:bodyPr>
+          <a:lstStyle/>
+          <a:p>
+            <a:r>
+              <a:rPr lang="da-DK" dirty="0"/>
+              <a:t>Sign-In-Activity</a:t>
+            </a:r>
+          </a:p>
+        </p:txBody>
+      </p:sp>
       <p:pic>
         <p:nvPicPr>
-          <p:cNvPr id="7" name="Picture 6">
+          <p:cNvPr id="6" name="Picture 5">
             <a:extLst>
               <a:ext uri="{FF2B5EF4-FFF2-40B4-BE49-F238E27FC236}">
-                <a16:creationId xmlns:a16="http://schemas.microsoft.com/office/drawing/2014/main" id="{CBFB0341-70F7-45DC-82D8-926F8A14178D}"/>
+                <a16:creationId xmlns:a16="http://schemas.microsoft.com/office/drawing/2014/main" id="{AF1FC216-0B6B-4F7E-812A-1B621F53219F}"/>
               </a:ext>
             </a:extLst>
           </p:cNvPr>
@@ -8413,8 +8420,8 @@
         </p:blipFill>
         <p:spPr>
           <a:xfrm>
-            <a:off x="4924698" y="697055"/>
-            <a:ext cx="1873649" cy="3122748"/>
+            <a:off x="2936758" y="697055"/>
+            <a:ext cx="1873649" cy="3096285"/>
           </a:xfrm>
           <a:prstGeom prst="rect">
             <a:avLst/>
@@ -8423,10 +8430,10 @@
       </p:pic>
       <p:pic>
         <p:nvPicPr>
-          <p:cNvPr id="8" name="Picture 7">
+          <p:cNvPr id="7" name="Picture 6">
             <a:extLst>
               <a:ext uri="{FF2B5EF4-FFF2-40B4-BE49-F238E27FC236}">
-                <a16:creationId xmlns:a16="http://schemas.microsoft.com/office/drawing/2014/main" id="{502AF312-ED59-44E4-AC8A-C7F9EBB99041}"/>
+                <a16:creationId xmlns:a16="http://schemas.microsoft.com/office/drawing/2014/main" id="{CBFB0341-70F7-45DC-82D8-926F8A14178D}"/>
               </a:ext>
             </a:extLst>
           </p:cNvPr>
@@ -8437,6 +8444,36 @@
         </p:nvPicPr>
         <p:blipFill>
           <a:blip r:embed="rId5"/>
+          <a:stretch>
+            <a:fillRect/>
+          </a:stretch>
+        </p:blipFill>
+        <p:spPr>
+          <a:xfrm>
+            <a:off x="4924698" y="697055"/>
+            <a:ext cx="1873649" cy="3122748"/>
+          </a:xfrm>
+          <a:prstGeom prst="rect">
+            <a:avLst/>
+          </a:prstGeom>
+        </p:spPr>
+      </p:pic>
+      <p:pic>
+        <p:nvPicPr>
+          <p:cNvPr id="8" name="Picture 7">
+            <a:extLst>
+              <a:ext uri="{FF2B5EF4-FFF2-40B4-BE49-F238E27FC236}">
+                <a16:creationId xmlns:a16="http://schemas.microsoft.com/office/drawing/2014/main" id="{502AF312-ED59-44E4-AC8A-C7F9EBB99041}"/>
+              </a:ext>
+            </a:extLst>
+          </p:cNvPr>
+          <p:cNvPicPr>
+            <a:picLocks noChangeAspect="1"/>
+          </p:cNvPicPr>
+          <p:nvPr/>
+        </p:nvPicPr>
+        <p:blipFill>
+          <a:blip r:embed="rId6"/>
           <a:stretch>
             <a:fillRect/>
           </a:stretch>
@@ -8693,7 +8730,7 @@
           <p:nvPr/>
         </p:nvPicPr>
         <p:blipFill rotWithShape="1">
-          <a:blip r:embed="rId6" cstate="print">
+          <a:blip r:embed="rId7" cstate="print">
             <a:extLst>
               <a:ext uri="{28A0092B-C50C-407E-A947-70E740481C1C}">
                 <a14:useLocalDpi xmlns:a14="http://schemas.microsoft.com/office/drawing/2010/main" val="0"/>
@@ -8729,6 +8766,159 @@
             <a:extLst>
               <a:ext uri="{FF2B5EF4-FFF2-40B4-BE49-F238E27FC236}">
                 <a16:creationId xmlns:a16="http://schemas.microsoft.com/office/drawing/2014/main" id="{A22170BD-B9B4-4840-8E7C-EEA2175C0FE6}"/>
+              </a:ext>
+            </a:extLst>
+          </p:cNvPr>
+          <p:cNvPicPr>
+            <a:picLocks noChangeAspect="1" noChangeArrowheads="1"/>
+          </p:cNvPicPr>
+          <p:nvPr/>
+        </p:nvPicPr>
+        <p:blipFill rotWithShape="1">
+          <a:blip r:embed="rId8" cstate="print">
+            <a:extLst>
+              <a:ext uri="{28A0092B-C50C-407E-A947-70E740481C1C}">
+                <a14:useLocalDpi xmlns:a14="http://schemas.microsoft.com/office/drawing/2010/main" val="0"/>
+              </a:ext>
+            </a:extLst>
+          </a:blip>
+          <a:srcRect l="34615" t="6284" r="34322" b="3939"/>
+          <a:stretch/>
+        </p:blipFill>
+        <p:spPr bwMode="auto">
+          <a:xfrm>
+            <a:off x="5069774" y="8879536"/>
+            <a:ext cx="180304" cy="343711"/>
+          </a:xfrm>
+          <a:prstGeom prst="rect">
+            <a:avLst/>
+          </a:prstGeom>
+          <a:noFill/>
+          <a:extLst>
+            <a:ext uri="{909E8E84-426E-40DD-AFC4-6F175D3DCCD1}">
+              <a14:hiddenFill xmlns:a14="http://schemas.microsoft.com/office/drawing/2010/main">
+                <a:solidFill>
+                  <a:srgbClr val="FFFFFF"/>
+                </a:solidFill>
+              </a14:hiddenFill>
+            </a:ext>
+          </a:extLst>
+        </p:spPr>
+      </p:pic>
+      <p:sp>
+        <p:nvSpPr>
+          <p:cNvPr id="20" name="TextBox 19">
+            <a:extLst>
+              <a:ext uri="{FF2B5EF4-FFF2-40B4-BE49-F238E27FC236}">
+                <a16:creationId xmlns:a16="http://schemas.microsoft.com/office/drawing/2014/main" id="{EE7E52D1-40DF-40F4-B7D9-37A59DBEFCA5}"/>
+              </a:ext>
+            </a:extLst>
+          </p:cNvPr>
+          <p:cNvSpPr txBox="1"/>
+          <p:nvPr/>
+        </p:nvSpPr>
+        <p:spPr>
+          <a:xfrm>
+            <a:off x="5275635" y="8482240"/>
+            <a:ext cx="942246" cy="276999"/>
+          </a:xfrm>
+          <a:prstGeom prst="rect">
+            <a:avLst/>
+          </a:prstGeom>
+          <a:noFill/>
+        </p:spPr>
+        <p:txBody>
+          <a:bodyPr wrap="none" rtlCol="0">
+            <a:spAutoFit/>
+          </a:bodyPr>
+          <a:lstStyle/>
+          <a:p>
+            <a:r>
+              <a:rPr lang="da-DK" sz="1200" dirty="0" err="1"/>
+              <a:t>Fridge</a:t>
+            </a:r>
+            <a:r>
+              <a:rPr lang="da-DK" sz="1200" dirty="0"/>
+              <a:t> navn</a:t>
+            </a:r>
+          </a:p>
+        </p:txBody>
+      </p:sp>
+      <p:sp>
+        <p:nvSpPr>
+          <p:cNvPr id="21" name="TextBox 20">
+            <a:extLst>
+              <a:ext uri="{FF2B5EF4-FFF2-40B4-BE49-F238E27FC236}">
+                <a16:creationId xmlns:a16="http://schemas.microsoft.com/office/drawing/2014/main" id="{34C2B03B-7ED5-4EAC-8621-36B6FABD9C2B}"/>
+              </a:ext>
+            </a:extLst>
+          </p:cNvPr>
+          <p:cNvSpPr txBox="1"/>
+          <p:nvPr/>
+        </p:nvSpPr>
+        <p:spPr>
+          <a:xfrm>
+            <a:off x="5275635" y="8918721"/>
+            <a:ext cx="942246" cy="276999"/>
+          </a:xfrm>
+          <a:prstGeom prst="rect">
+            <a:avLst/>
+          </a:prstGeom>
+          <a:noFill/>
+        </p:spPr>
+        <p:txBody>
+          <a:bodyPr wrap="none" rtlCol="0">
+            <a:spAutoFit/>
+          </a:bodyPr>
+          <a:lstStyle/>
+          <a:p>
+            <a:r>
+              <a:rPr lang="da-DK" sz="1200" dirty="0" err="1"/>
+              <a:t>Fridge</a:t>
+            </a:r>
+            <a:r>
+              <a:rPr lang="da-DK" sz="1200" dirty="0"/>
+              <a:t> navn</a:t>
+            </a:r>
+          </a:p>
+        </p:txBody>
+      </p:sp>
+      <p:pic>
+        <p:nvPicPr>
+          <p:cNvPr id="18" name="Picture 17">
+            <a:extLst>
+              <a:ext uri="{FF2B5EF4-FFF2-40B4-BE49-F238E27FC236}">
+                <a16:creationId xmlns:a16="http://schemas.microsoft.com/office/drawing/2014/main" id="{7DCEA5AD-0DB0-4EDD-863F-6C788B689160}"/>
+              </a:ext>
+            </a:extLst>
+          </p:cNvPr>
+          <p:cNvPicPr>
+            <a:picLocks noChangeAspect="1"/>
+          </p:cNvPicPr>
+          <p:nvPr/>
+        </p:nvPicPr>
+        <p:blipFill>
+          <a:blip r:embed="rId9"/>
+          <a:stretch>
+            <a:fillRect/>
+          </a:stretch>
+        </p:blipFill>
+        <p:spPr>
+          <a:xfrm>
+            <a:off x="5381677" y="9858560"/>
+            <a:ext cx="691848" cy="246138"/>
+          </a:xfrm>
+          <a:prstGeom prst="rect">
+            <a:avLst/>
+          </a:prstGeom>
+        </p:spPr>
+      </p:pic>
+      <p:pic>
+        <p:nvPicPr>
+          <p:cNvPr id="23" name="Picture 2" descr="Billedresultat for Fridge">
+            <a:extLst>
+              <a:ext uri="{FF2B5EF4-FFF2-40B4-BE49-F238E27FC236}">
+                <a16:creationId xmlns:a16="http://schemas.microsoft.com/office/drawing/2014/main" id="{9E39032E-334B-4297-A9B7-D3D6BE8C4533}"/>
               </a:ext>
             </a:extLst>
           </p:cNvPr>
@@ -8750,8 +8940,8 @@
         </p:blipFill>
         <p:spPr bwMode="auto">
           <a:xfrm>
-            <a:off x="5069774" y="8879536"/>
-            <a:ext cx="180304" cy="343711"/>
+            <a:off x="5063844" y="9331399"/>
+            <a:ext cx="179998" cy="343129"/>
           </a:xfrm>
           <a:prstGeom prst="rect">
             <a:avLst/>
@@ -8770,10 +8960,10 @@
       </p:pic>
       <p:sp>
         <p:nvSpPr>
-          <p:cNvPr id="20" name="TextBox 19">
+          <p:cNvPr id="24" name="TextBox 23">
             <a:extLst>
               <a:ext uri="{FF2B5EF4-FFF2-40B4-BE49-F238E27FC236}">
-                <a16:creationId xmlns:a16="http://schemas.microsoft.com/office/drawing/2014/main" id="{EE7E52D1-40DF-40F4-B7D9-37A59DBEFCA5}"/>
+                <a16:creationId xmlns:a16="http://schemas.microsoft.com/office/drawing/2014/main" id="{05F53242-B891-420A-A891-8676BDA88B44}"/>
               </a:ext>
             </a:extLst>
           </p:cNvPr>
@@ -8782,7 +8972,7 @@
         </p:nvSpPr>
         <p:spPr>
           <a:xfrm>
-            <a:off x="5275635" y="8482240"/>
+            <a:off x="5275635" y="9364463"/>
             <a:ext cx="942246" cy="276999"/>
           </a:xfrm>
           <a:prstGeom prst="rect">
@@ -8807,51 +8997,12 @@
           </a:p>
         </p:txBody>
       </p:sp>
-      <p:sp>
-        <p:nvSpPr>
-          <p:cNvPr id="21" name="TextBox 20">
-            <a:extLst>
-              <a:ext uri="{FF2B5EF4-FFF2-40B4-BE49-F238E27FC236}">
-                <a16:creationId xmlns:a16="http://schemas.microsoft.com/office/drawing/2014/main" id="{34C2B03B-7ED5-4EAC-8621-36B6FABD9C2B}"/>
-              </a:ext>
-            </a:extLst>
-          </p:cNvPr>
-          <p:cNvSpPr txBox="1"/>
-          <p:nvPr/>
-        </p:nvSpPr>
-        <p:spPr>
-          <a:xfrm>
-            <a:off x="5275635" y="8918721"/>
-            <a:ext cx="942246" cy="276999"/>
-          </a:xfrm>
-          <a:prstGeom prst="rect">
-            <a:avLst/>
-          </a:prstGeom>
-          <a:noFill/>
-        </p:spPr>
-        <p:txBody>
-          <a:bodyPr wrap="none" rtlCol="0">
-            <a:spAutoFit/>
-          </a:bodyPr>
-          <a:lstStyle/>
-          <a:p>
-            <a:r>
-              <a:rPr lang="da-DK" sz="1200" dirty="0" err="1"/>
-              <a:t>Fridge</a:t>
-            </a:r>
-            <a:r>
-              <a:rPr lang="da-DK" sz="1200" dirty="0"/>
-              <a:t> navn</a:t>
-            </a:r>
-          </a:p>
-        </p:txBody>
-      </p:sp>
       <p:pic>
         <p:nvPicPr>
-          <p:cNvPr id="18" name="Picture 17">
+          <p:cNvPr id="22" name="Picture 21">
             <a:extLst>
               <a:ext uri="{FF2B5EF4-FFF2-40B4-BE49-F238E27FC236}">
-                <a16:creationId xmlns:a16="http://schemas.microsoft.com/office/drawing/2014/main" id="{7DCEA5AD-0DB0-4EDD-863F-6C788B689160}"/>
+                <a16:creationId xmlns:a16="http://schemas.microsoft.com/office/drawing/2014/main" id="{64448681-EBB6-4083-8B86-A0B2F4EE5EAE}"/>
               </a:ext>
             </a:extLst>
           </p:cNvPr>
@@ -8861,121 +9012,7 @@
           <p:nvPr/>
         </p:nvPicPr>
         <p:blipFill>
-          <a:blip r:embed="rId8"/>
-          <a:stretch>
-            <a:fillRect/>
-          </a:stretch>
-        </p:blipFill>
-        <p:spPr>
-          <a:xfrm>
-            <a:off x="5381677" y="9858560"/>
-            <a:ext cx="691848" cy="246138"/>
-          </a:xfrm>
-          <a:prstGeom prst="rect">
-            <a:avLst/>
-          </a:prstGeom>
-        </p:spPr>
-      </p:pic>
-      <p:pic>
-        <p:nvPicPr>
-          <p:cNvPr id="23" name="Picture 2" descr="Billedresultat for Fridge">
-            <a:extLst>
-              <a:ext uri="{FF2B5EF4-FFF2-40B4-BE49-F238E27FC236}">
-                <a16:creationId xmlns:a16="http://schemas.microsoft.com/office/drawing/2014/main" id="{9E39032E-334B-4297-A9B7-D3D6BE8C4533}"/>
-              </a:ext>
-            </a:extLst>
-          </p:cNvPr>
-          <p:cNvPicPr>
-            <a:picLocks noChangeAspect="1" noChangeArrowheads="1"/>
-          </p:cNvPicPr>
-          <p:nvPr/>
-        </p:nvPicPr>
-        <p:blipFill rotWithShape="1">
-          <a:blip r:embed="rId6" cstate="print">
-            <a:extLst>
-              <a:ext uri="{28A0092B-C50C-407E-A947-70E740481C1C}">
-                <a14:useLocalDpi xmlns:a14="http://schemas.microsoft.com/office/drawing/2010/main" val="0"/>
-              </a:ext>
-            </a:extLst>
-          </a:blip>
-          <a:srcRect l="34615" t="6284" r="34322" b="3939"/>
-          <a:stretch/>
-        </p:blipFill>
-        <p:spPr bwMode="auto">
-          <a:xfrm>
-            <a:off x="5063844" y="9331399"/>
-            <a:ext cx="179998" cy="343129"/>
-          </a:xfrm>
-          <a:prstGeom prst="rect">
-            <a:avLst/>
-          </a:prstGeom>
-          <a:noFill/>
-          <a:extLst>
-            <a:ext uri="{909E8E84-426E-40DD-AFC4-6F175D3DCCD1}">
-              <a14:hiddenFill xmlns:a14="http://schemas.microsoft.com/office/drawing/2010/main">
-                <a:solidFill>
-                  <a:srgbClr val="FFFFFF"/>
-                </a:solidFill>
-              </a14:hiddenFill>
-            </a:ext>
-          </a:extLst>
-        </p:spPr>
-      </p:pic>
-      <p:sp>
-        <p:nvSpPr>
-          <p:cNvPr id="24" name="TextBox 23">
-            <a:extLst>
-              <a:ext uri="{FF2B5EF4-FFF2-40B4-BE49-F238E27FC236}">
-                <a16:creationId xmlns:a16="http://schemas.microsoft.com/office/drawing/2014/main" id="{05F53242-B891-420A-A891-8676BDA88B44}"/>
-              </a:ext>
-            </a:extLst>
-          </p:cNvPr>
-          <p:cNvSpPr txBox="1"/>
-          <p:nvPr/>
-        </p:nvSpPr>
-        <p:spPr>
-          <a:xfrm>
-            <a:off x="5275635" y="9364463"/>
-            <a:ext cx="942246" cy="276999"/>
-          </a:xfrm>
-          <a:prstGeom prst="rect">
-            <a:avLst/>
-          </a:prstGeom>
-          <a:noFill/>
-        </p:spPr>
-        <p:txBody>
-          <a:bodyPr wrap="none" rtlCol="0">
-            <a:spAutoFit/>
-          </a:bodyPr>
-          <a:lstStyle/>
-          <a:p>
-            <a:r>
-              <a:rPr lang="da-DK" sz="1200" dirty="0" err="1"/>
-              <a:t>Fridge</a:t>
-            </a:r>
-            <a:r>
-              <a:rPr lang="da-DK" sz="1200" dirty="0"/>
-              <a:t> navn</a:t>
-            </a:r>
-          </a:p>
-        </p:txBody>
-      </p:sp>
-      <p:pic>
-        <p:nvPicPr>
-          <p:cNvPr id="22" name="Picture 21">
-            <a:extLst>
-              <a:ext uri="{FF2B5EF4-FFF2-40B4-BE49-F238E27FC236}">
-                <a16:creationId xmlns:a16="http://schemas.microsoft.com/office/drawing/2014/main" id="{64448681-EBB6-4083-8B86-A0B2F4EE5EAE}"/>
-              </a:ext>
-            </a:extLst>
-          </p:cNvPr>
-          <p:cNvPicPr>
-            <a:picLocks noChangeAspect="1"/>
-          </p:cNvPicPr>
-          <p:nvPr/>
-        </p:nvPicPr>
-        <p:blipFill>
-          <a:blip r:embed="rId9"/>
+          <a:blip r:embed="rId10"/>
           <a:stretch>
             <a:fillRect/>
           </a:stretch>
@@ -9373,7 +9410,7 @@
           <p:nvPr/>
         </p:nvPicPr>
         <p:blipFill>
-          <a:blip r:embed="rId2"/>
+          <a:blip r:embed="rId3"/>
           <a:stretch>
             <a:fillRect/>
           </a:stretch>
@@ -9394,51 +9431,6 @@
             <a:extLst>
               <a:ext uri="{FF2B5EF4-FFF2-40B4-BE49-F238E27FC236}">
                 <a16:creationId xmlns:a16="http://schemas.microsoft.com/office/drawing/2014/main" id="{852EA813-58F5-4FA8-B0E7-13A608795A1B}"/>
-              </a:ext>
-            </a:extLst>
-          </p:cNvPr>
-          <p:cNvPicPr>
-            <a:picLocks noChangeAspect="1" noChangeArrowheads="1"/>
-          </p:cNvPicPr>
-          <p:nvPr/>
-        </p:nvPicPr>
-        <p:blipFill rotWithShape="1">
-          <a:blip r:embed="rId6" cstate="print">
-            <a:extLst>
-              <a:ext uri="{28A0092B-C50C-407E-A947-70E740481C1C}">
-                <a14:useLocalDpi xmlns:a14="http://schemas.microsoft.com/office/drawing/2010/main" val="0"/>
-              </a:ext>
-            </a:extLst>
-          </a:blip>
-          <a:srcRect l="34615" t="6284" r="34322" b="3939"/>
-          <a:stretch/>
-        </p:blipFill>
-        <p:spPr bwMode="auto">
-          <a:xfrm>
-            <a:off x="14390478" y="11542533"/>
-            <a:ext cx="179998" cy="343129"/>
-          </a:xfrm>
-          <a:prstGeom prst="rect">
-            <a:avLst/>
-          </a:prstGeom>
-          <a:noFill/>
-          <a:extLst>
-            <a:ext uri="{909E8E84-426E-40DD-AFC4-6F175D3DCCD1}">
-              <a14:hiddenFill xmlns:a14="http://schemas.microsoft.com/office/drawing/2010/main">
-                <a:solidFill>
-                  <a:srgbClr val="FFFFFF"/>
-                </a:solidFill>
-              </a14:hiddenFill>
-            </a:ext>
-          </a:extLst>
-        </p:spPr>
-      </p:pic>
-      <p:pic>
-        <p:nvPicPr>
-          <p:cNvPr id="49" name="Picture 2" descr="Billedresultat for Fridge">
-            <a:extLst>
-              <a:ext uri="{FF2B5EF4-FFF2-40B4-BE49-F238E27FC236}">
-                <a16:creationId xmlns:a16="http://schemas.microsoft.com/office/drawing/2014/main" id="{4A15AA9F-CAB5-4D74-96BC-960C9796016D}"/>
               </a:ext>
             </a:extLst>
           </p:cNvPr>
@@ -9460,8 +9452,8 @@
         </p:blipFill>
         <p:spPr bwMode="auto">
           <a:xfrm>
-            <a:off x="14390172" y="11972893"/>
-            <a:ext cx="180304" cy="343711"/>
+            <a:off x="14390478" y="11542533"/>
+            <a:ext cx="179998" cy="343129"/>
           </a:xfrm>
           <a:prstGeom prst="rect">
             <a:avLst/>
@@ -9478,120 +9470,12 @@
           </a:extLst>
         </p:spPr>
       </p:pic>
-      <p:sp>
-        <p:nvSpPr>
-          <p:cNvPr id="50" name="TextBox 49">
-            <a:extLst>
-              <a:ext uri="{FF2B5EF4-FFF2-40B4-BE49-F238E27FC236}">
-                <a16:creationId xmlns:a16="http://schemas.microsoft.com/office/drawing/2014/main" id="{5E5BD329-2A62-426C-AAF1-A82874C3C029}"/>
-              </a:ext>
-            </a:extLst>
-          </p:cNvPr>
-          <p:cNvSpPr txBox="1"/>
-          <p:nvPr/>
-        </p:nvSpPr>
-        <p:spPr>
-          <a:xfrm>
-            <a:off x="14596033" y="11575597"/>
-            <a:ext cx="942246" cy="276999"/>
-          </a:xfrm>
-          <a:prstGeom prst="rect">
-            <a:avLst/>
-          </a:prstGeom>
-          <a:noFill/>
-        </p:spPr>
-        <p:txBody>
-          <a:bodyPr wrap="none" rtlCol="0">
-            <a:spAutoFit/>
-          </a:bodyPr>
-          <a:lstStyle/>
-          <a:p>
-            <a:r>
-              <a:rPr lang="da-DK" sz="1200" dirty="0" err="1"/>
-              <a:t>Fridge</a:t>
-            </a:r>
-            <a:r>
-              <a:rPr lang="da-DK" sz="1200" dirty="0"/>
-              <a:t> navn</a:t>
-            </a:r>
-          </a:p>
-        </p:txBody>
-      </p:sp>
-      <p:sp>
-        <p:nvSpPr>
-          <p:cNvPr id="51" name="TextBox 50">
-            <a:extLst>
-              <a:ext uri="{FF2B5EF4-FFF2-40B4-BE49-F238E27FC236}">
-                <a16:creationId xmlns:a16="http://schemas.microsoft.com/office/drawing/2014/main" id="{90BE9053-319C-4E3A-9F7F-BDC8CA9DD213}"/>
-              </a:ext>
-            </a:extLst>
-          </p:cNvPr>
-          <p:cNvSpPr txBox="1"/>
-          <p:nvPr/>
-        </p:nvSpPr>
-        <p:spPr>
-          <a:xfrm>
-            <a:off x="14596033" y="12012078"/>
-            <a:ext cx="942246" cy="276999"/>
-          </a:xfrm>
-          <a:prstGeom prst="rect">
-            <a:avLst/>
-          </a:prstGeom>
-          <a:noFill/>
-        </p:spPr>
-        <p:txBody>
-          <a:bodyPr wrap="none" rtlCol="0">
-            <a:spAutoFit/>
-          </a:bodyPr>
-          <a:lstStyle/>
-          <a:p>
-            <a:r>
-              <a:rPr lang="da-DK" sz="1200" dirty="0" err="1"/>
-              <a:t>Fridge</a:t>
-            </a:r>
-            <a:r>
-              <a:rPr lang="da-DK" sz="1200" dirty="0"/>
-              <a:t> navn</a:t>
-            </a:r>
-          </a:p>
-        </p:txBody>
-      </p:sp>
       <p:pic>
         <p:nvPicPr>
-          <p:cNvPr id="52" name="Picture 51">
+          <p:cNvPr id="49" name="Picture 2" descr="Billedresultat for Fridge">
             <a:extLst>
               <a:ext uri="{FF2B5EF4-FFF2-40B4-BE49-F238E27FC236}">
-                <a16:creationId xmlns:a16="http://schemas.microsoft.com/office/drawing/2014/main" id="{2813CD00-2164-4A3D-95E4-4F52DA0DE932}"/>
-              </a:ext>
-            </a:extLst>
-          </p:cNvPr>
-          <p:cNvPicPr>
-            <a:picLocks noChangeAspect="1"/>
-          </p:cNvPicPr>
-          <p:nvPr/>
-        </p:nvPicPr>
-        <p:blipFill>
-          <a:blip r:embed="rId8"/>
-          <a:stretch>
-            <a:fillRect/>
-          </a:stretch>
-        </p:blipFill>
-        <p:spPr>
-          <a:xfrm>
-            <a:off x="14702075" y="12951917"/>
-            <a:ext cx="691848" cy="246138"/>
-          </a:xfrm>
-          <a:prstGeom prst="rect">
-            <a:avLst/>
-          </a:prstGeom>
-        </p:spPr>
-      </p:pic>
-      <p:pic>
-        <p:nvPicPr>
-          <p:cNvPr id="53" name="Picture 2" descr="Billedresultat for Fridge">
-            <a:extLst>
-              <a:ext uri="{FF2B5EF4-FFF2-40B4-BE49-F238E27FC236}">
-                <a16:creationId xmlns:a16="http://schemas.microsoft.com/office/drawing/2014/main" id="{CB8B2707-10C8-42D7-8737-4FF1056FB876}"/>
+                <a16:creationId xmlns:a16="http://schemas.microsoft.com/office/drawing/2014/main" id="{4A15AA9F-CAB5-4D74-96BC-960C9796016D}"/>
               </a:ext>
             </a:extLst>
           </p:cNvPr>
@@ -9601,7 +9485,7 @@
           <p:nvPr/>
         </p:nvPicPr>
         <p:blipFill rotWithShape="1">
-          <a:blip r:embed="rId6" cstate="print">
+          <a:blip r:embed="rId8" cstate="print">
             <a:extLst>
               <a:ext uri="{28A0092B-C50C-407E-A947-70E740481C1C}">
                 <a14:useLocalDpi xmlns:a14="http://schemas.microsoft.com/office/drawing/2010/main" val="0"/>
@@ -9613,8 +9497,8 @@
         </p:blipFill>
         <p:spPr bwMode="auto">
           <a:xfrm>
-            <a:off x="14384242" y="12424756"/>
-            <a:ext cx="179998" cy="343129"/>
+            <a:off x="14390172" y="11972893"/>
+            <a:ext cx="180304" cy="343711"/>
           </a:xfrm>
           <a:prstGeom prst="rect">
             <a:avLst/>
@@ -9633,10 +9517,10 @@
       </p:pic>
       <p:sp>
         <p:nvSpPr>
-          <p:cNvPr id="54" name="TextBox 53">
+          <p:cNvPr id="50" name="TextBox 49">
             <a:extLst>
               <a:ext uri="{FF2B5EF4-FFF2-40B4-BE49-F238E27FC236}">
-                <a16:creationId xmlns:a16="http://schemas.microsoft.com/office/drawing/2014/main" id="{B6207B12-F8AF-4987-BD1D-E7D6A6756D93}"/>
+                <a16:creationId xmlns:a16="http://schemas.microsoft.com/office/drawing/2014/main" id="{5E5BD329-2A62-426C-AAF1-A82874C3C029}"/>
               </a:ext>
             </a:extLst>
           </p:cNvPr>
@@ -9645,7 +9529,7 @@
         </p:nvSpPr>
         <p:spPr>
           <a:xfrm>
-            <a:off x="14596033" y="12457820"/>
+            <a:off x="14596033" y="11575597"/>
             <a:ext cx="942246" cy="276999"/>
           </a:xfrm>
           <a:prstGeom prst="rect">
@@ -9670,12 +9554,51 @@
           </a:p>
         </p:txBody>
       </p:sp>
+      <p:sp>
+        <p:nvSpPr>
+          <p:cNvPr id="51" name="TextBox 50">
+            <a:extLst>
+              <a:ext uri="{FF2B5EF4-FFF2-40B4-BE49-F238E27FC236}">
+                <a16:creationId xmlns:a16="http://schemas.microsoft.com/office/drawing/2014/main" id="{90BE9053-319C-4E3A-9F7F-BDC8CA9DD213}"/>
+              </a:ext>
+            </a:extLst>
+          </p:cNvPr>
+          <p:cNvSpPr txBox="1"/>
+          <p:nvPr/>
+        </p:nvSpPr>
+        <p:spPr>
+          <a:xfrm>
+            <a:off x="14596033" y="12012078"/>
+            <a:ext cx="942246" cy="276999"/>
+          </a:xfrm>
+          <a:prstGeom prst="rect">
+            <a:avLst/>
+          </a:prstGeom>
+          <a:noFill/>
+        </p:spPr>
+        <p:txBody>
+          <a:bodyPr wrap="none" rtlCol="0">
+            <a:spAutoFit/>
+          </a:bodyPr>
+          <a:lstStyle/>
+          <a:p>
+            <a:r>
+              <a:rPr lang="da-DK" sz="1200" dirty="0" err="1"/>
+              <a:t>Fridge</a:t>
+            </a:r>
+            <a:r>
+              <a:rPr lang="da-DK" sz="1200" dirty="0"/>
+              <a:t> navn</a:t>
+            </a:r>
+          </a:p>
+        </p:txBody>
+      </p:sp>
       <p:pic>
         <p:nvPicPr>
-          <p:cNvPr id="55" name="Picture 54">
+          <p:cNvPr id="52" name="Picture 51">
             <a:extLst>
               <a:ext uri="{FF2B5EF4-FFF2-40B4-BE49-F238E27FC236}">
-                <a16:creationId xmlns:a16="http://schemas.microsoft.com/office/drawing/2014/main" id="{8696DE4D-B563-470D-ADB2-594EFA2DA2AA}"/>
+                <a16:creationId xmlns:a16="http://schemas.microsoft.com/office/drawing/2014/main" id="{2813CD00-2164-4A3D-95E4-4F52DA0DE932}"/>
               </a:ext>
             </a:extLst>
           </p:cNvPr>
@@ -9686,6 +9609,120 @@
         </p:nvPicPr>
         <p:blipFill>
           <a:blip r:embed="rId9"/>
+          <a:stretch>
+            <a:fillRect/>
+          </a:stretch>
+        </p:blipFill>
+        <p:spPr>
+          <a:xfrm>
+            <a:off x="14702075" y="12951917"/>
+            <a:ext cx="691848" cy="246138"/>
+          </a:xfrm>
+          <a:prstGeom prst="rect">
+            <a:avLst/>
+          </a:prstGeom>
+        </p:spPr>
+      </p:pic>
+      <p:pic>
+        <p:nvPicPr>
+          <p:cNvPr id="53" name="Picture 2" descr="Billedresultat for Fridge">
+            <a:extLst>
+              <a:ext uri="{FF2B5EF4-FFF2-40B4-BE49-F238E27FC236}">
+                <a16:creationId xmlns:a16="http://schemas.microsoft.com/office/drawing/2014/main" id="{CB8B2707-10C8-42D7-8737-4FF1056FB876}"/>
+              </a:ext>
+            </a:extLst>
+          </p:cNvPr>
+          <p:cNvPicPr>
+            <a:picLocks noChangeAspect="1" noChangeArrowheads="1"/>
+          </p:cNvPicPr>
+          <p:nvPr/>
+        </p:nvPicPr>
+        <p:blipFill rotWithShape="1">
+          <a:blip r:embed="rId7" cstate="print">
+            <a:extLst>
+              <a:ext uri="{28A0092B-C50C-407E-A947-70E740481C1C}">
+                <a14:useLocalDpi xmlns:a14="http://schemas.microsoft.com/office/drawing/2010/main" val="0"/>
+              </a:ext>
+            </a:extLst>
+          </a:blip>
+          <a:srcRect l="34615" t="6284" r="34322" b="3939"/>
+          <a:stretch/>
+        </p:blipFill>
+        <p:spPr bwMode="auto">
+          <a:xfrm>
+            <a:off x="14384242" y="12424756"/>
+            <a:ext cx="179998" cy="343129"/>
+          </a:xfrm>
+          <a:prstGeom prst="rect">
+            <a:avLst/>
+          </a:prstGeom>
+          <a:noFill/>
+          <a:extLst>
+            <a:ext uri="{909E8E84-426E-40DD-AFC4-6F175D3DCCD1}">
+              <a14:hiddenFill xmlns:a14="http://schemas.microsoft.com/office/drawing/2010/main">
+                <a:solidFill>
+                  <a:srgbClr val="FFFFFF"/>
+                </a:solidFill>
+              </a14:hiddenFill>
+            </a:ext>
+          </a:extLst>
+        </p:spPr>
+      </p:pic>
+      <p:sp>
+        <p:nvSpPr>
+          <p:cNvPr id="54" name="TextBox 53">
+            <a:extLst>
+              <a:ext uri="{FF2B5EF4-FFF2-40B4-BE49-F238E27FC236}">
+                <a16:creationId xmlns:a16="http://schemas.microsoft.com/office/drawing/2014/main" id="{B6207B12-F8AF-4987-BD1D-E7D6A6756D93}"/>
+              </a:ext>
+            </a:extLst>
+          </p:cNvPr>
+          <p:cNvSpPr txBox="1"/>
+          <p:nvPr/>
+        </p:nvSpPr>
+        <p:spPr>
+          <a:xfrm>
+            <a:off x="14596033" y="12457820"/>
+            <a:ext cx="942246" cy="276999"/>
+          </a:xfrm>
+          <a:prstGeom prst="rect">
+            <a:avLst/>
+          </a:prstGeom>
+          <a:noFill/>
+        </p:spPr>
+        <p:txBody>
+          <a:bodyPr wrap="none" rtlCol="0">
+            <a:spAutoFit/>
+          </a:bodyPr>
+          <a:lstStyle/>
+          <a:p>
+            <a:r>
+              <a:rPr lang="da-DK" sz="1200" dirty="0" err="1"/>
+              <a:t>Fridge</a:t>
+            </a:r>
+            <a:r>
+              <a:rPr lang="da-DK" sz="1200" dirty="0"/>
+              <a:t> navn</a:t>
+            </a:r>
+          </a:p>
+        </p:txBody>
+      </p:sp>
+      <p:pic>
+        <p:nvPicPr>
+          <p:cNvPr id="55" name="Picture 54">
+            <a:extLst>
+              <a:ext uri="{FF2B5EF4-FFF2-40B4-BE49-F238E27FC236}">
+                <a16:creationId xmlns:a16="http://schemas.microsoft.com/office/drawing/2014/main" id="{8696DE4D-B563-470D-ADB2-594EFA2DA2AA}"/>
+              </a:ext>
+            </a:extLst>
+          </p:cNvPr>
+          <p:cNvPicPr>
+            <a:picLocks noChangeAspect="1"/>
+          </p:cNvPicPr>
+          <p:nvPr/>
+        </p:nvPicPr>
+        <p:blipFill>
+          <a:blip r:embed="rId10"/>
           <a:stretch>
             <a:fillRect/>
           </a:stretch>
@@ -9769,7 +9806,7 @@
           <p:nvPr/>
         </p:nvPicPr>
         <p:blipFill>
-          <a:blip r:embed="rId10"/>
+          <a:blip r:embed="rId11"/>
           <a:stretch>
             <a:fillRect/>
           </a:stretch>
@@ -10008,7 +10045,7 @@
           <p:nvPr/>
         </p:nvPicPr>
         <p:blipFill>
-          <a:blip r:embed="rId2"/>
+          <a:blip r:embed="rId3"/>
           <a:stretch>
             <a:fillRect/>
           </a:stretch>
@@ -10038,7 +10075,7 @@
           <p:nvPr/>
         </p:nvPicPr>
         <p:blipFill rotWithShape="1">
-          <a:blip r:embed="rId11" cstate="print">
+          <a:blip r:embed="rId12" cstate="print">
             <a:extLst>
               <a:ext uri="{28A0092B-C50C-407E-A947-70E740481C1C}">
                 <a14:useLocalDpi xmlns:a14="http://schemas.microsoft.com/office/drawing/2010/main" val="0"/>
@@ -10217,7 +10254,7 @@
           <p:nvPr/>
         </p:nvPicPr>
         <p:blipFill>
-          <a:blip r:embed="rId2"/>
+          <a:blip r:embed="rId3"/>
           <a:stretch>
             <a:fillRect/>
           </a:stretch>
@@ -10238,51 +10275,6 @@
             <a:extLst>
               <a:ext uri="{FF2B5EF4-FFF2-40B4-BE49-F238E27FC236}">
                 <a16:creationId xmlns:a16="http://schemas.microsoft.com/office/drawing/2014/main" id="{2782DFD5-728C-49F3-9D00-02D08F5C6274}"/>
-              </a:ext>
-            </a:extLst>
-          </p:cNvPr>
-          <p:cNvPicPr>
-            <a:picLocks noChangeAspect="1" noChangeArrowheads="1"/>
-          </p:cNvPicPr>
-          <p:nvPr/>
-        </p:nvPicPr>
-        <p:blipFill rotWithShape="1">
-          <a:blip r:embed="rId6" cstate="print">
-            <a:extLst>
-              <a:ext uri="{28A0092B-C50C-407E-A947-70E740481C1C}">
-                <a14:useLocalDpi xmlns:a14="http://schemas.microsoft.com/office/drawing/2010/main" val="0"/>
-              </a:ext>
-            </a:extLst>
-          </a:blip>
-          <a:srcRect l="34615" t="6284" r="34322" b="3939"/>
-          <a:stretch/>
-        </p:blipFill>
-        <p:spPr bwMode="auto">
-          <a:xfrm>
-            <a:off x="14416639" y="5046604"/>
-            <a:ext cx="179998" cy="343129"/>
-          </a:xfrm>
-          <a:prstGeom prst="rect">
-            <a:avLst/>
-          </a:prstGeom>
-          <a:noFill/>
-          <a:extLst>
-            <a:ext uri="{909E8E84-426E-40DD-AFC4-6F175D3DCCD1}">
-              <a14:hiddenFill xmlns:a14="http://schemas.microsoft.com/office/drawing/2010/main">
-                <a:solidFill>
-                  <a:srgbClr val="FFFFFF"/>
-                </a:solidFill>
-              </a14:hiddenFill>
-            </a:ext>
-          </a:extLst>
-        </p:spPr>
-      </p:pic>
-      <p:pic>
-        <p:nvPicPr>
-          <p:cNvPr id="117" name="Picture 2" descr="Billedresultat for Fridge">
-            <a:extLst>
-              <a:ext uri="{FF2B5EF4-FFF2-40B4-BE49-F238E27FC236}">
-                <a16:creationId xmlns:a16="http://schemas.microsoft.com/office/drawing/2014/main" id="{65FA9D99-1518-4496-AE4E-2E77133B8418}"/>
               </a:ext>
             </a:extLst>
           </p:cNvPr>
@@ -10304,8 +10296,8 @@
         </p:blipFill>
         <p:spPr bwMode="auto">
           <a:xfrm>
-            <a:off x="14416333" y="5476964"/>
-            <a:ext cx="180304" cy="343711"/>
+            <a:off x="14416639" y="5046604"/>
+            <a:ext cx="179998" cy="343129"/>
           </a:xfrm>
           <a:prstGeom prst="rect">
             <a:avLst/>
@@ -10322,120 +10314,12 @@
           </a:extLst>
         </p:spPr>
       </p:pic>
-      <p:sp>
-        <p:nvSpPr>
-          <p:cNvPr id="118" name="TextBox 117">
-            <a:extLst>
-              <a:ext uri="{FF2B5EF4-FFF2-40B4-BE49-F238E27FC236}">
-                <a16:creationId xmlns:a16="http://schemas.microsoft.com/office/drawing/2014/main" id="{925BE52D-3C3F-4028-87B8-C553FB69FE17}"/>
-              </a:ext>
-            </a:extLst>
-          </p:cNvPr>
-          <p:cNvSpPr txBox="1"/>
-          <p:nvPr/>
-        </p:nvSpPr>
-        <p:spPr>
-          <a:xfrm>
-            <a:off x="14622194" y="5079668"/>
-            <a:ext cx="942246" cy="276999"/>
-          </a:xfrm>
-          <a:prstGeom prst="rect">
-            <a:avLst/>
-          </a:prstGeom>
-          <a:noFill/>
-        </p:spPr>
-        <p:txBody>
-          <a:bodyPr wrap="none" rtlCol="0">
-            <a:spAutoFit/>
-          </a:bodyPr>
-          <a:lstStyle/>
-          <a:p>
-            <a:r>
-              <a:rPr lang="da-DK" sz="1200" dirty="0" err="1"/>
-              <a:t>Fridge</a:t>
-            </a:r>
-            <a:r>
-              <a:rPr lang="da-DK" sz="1200" dirty="0"/>
-              <a:t> navn</a:t>
-            </a:r>
-          </a:p>
-        </p:txBody>
-      </p:sp>
-      <p:sp>
-        <p:nvSpPr>
-          <p:cNvPr id="119" name="TextBox 118">
-            <a:extLst>
-              <a:ext uri="{FF2B5EF4-FFF2-40B4-BE49-F238E27FC236}">
-                <a16:creationId xmlns:a16="http://schemas.microsoft.com/office/drawing/2014/main" id="{0A56F42C-7FFB-4A63-B4FD-CC187B8009FD}"/>
-              </a:ext>
-            </a:extLst>
-          </p:cNvPr>
-          <p:cNvSpPr txBox="1"/>
-          <p:nvPr/>
-        </p:nvSpPr>
-        <p:spPr>
-          <a:xfrm>
-            <a:off x="14622194" y="5516149"/>
-            <a:ext cx="942246" cy="276999"/>
-          </a:xfrm>
-          <a:prstGeom prst="rect">
-            <a:avLst/>
-          </a:prstGeom>
-          <a:noFill/>
-        </p:spPr>
-        <p:txBody>
-          <a:bodyPr wrap="none" rtlCol="0">
-            <a:spAutoFit/>
-          </a:bodyPr>
-          <a:lstStyle/>
-          <a:p>
-            <a:r>
-              <a:rPr lang="da-DK" sz="1200" dirty="0" err="1"/>
-              <a:t>Fridge</a:t>
-            </a:r>
-            <a:r>
-              <a:rPr lang="da-DK" sz="1200" dirty="0"/>
-              <a:t> navn</a:t>
-            </a:r>
-          </a:p>
-        </p:txBody>
-      </p:sp>
       <p:pic>
         <p:nvPicPr>
-          <p:cNvPr id="120" name="Picture 119">
+          <p:cNvPr id="117" name="Picture 2" descr="Billedresultat for Fridge">
             <a:extLst>
               <a:ext uri="{FF2B5EF4-FFF2-40B4-BE49-F238E27FC236}">
-                <a16:creationId xmlns:a16="http://schemas.microsoft.com/office/drawing/2014/main" id="{6C85CCFB-EAB7-4BA4-ABE8-F0850D0EA370}"/>
-              </a:ext>
-            </a:extLst>
-          </p:cNvPr>
-          <p:cNvPicPr>
-            <a:picLocks noChangeAspect="1"/>
-          </p:cNvPicPr>
-          <p:nvPr/>
-        </p:nvPicPr>
-        <p:blipFill>
-          <a:blip r:embed="rId8"/>
-          <a:stretch>
-            <a:fillRect/>
-          </a:stretch>
-        </p:blipFill>
-        <p:spPr>
-          <a:xfrm>
-            <a:off x="14728236" y="6455988"/>
-            <a:ext cx="691848" cy="246138"/>
-          </a:xfrm>
-          <a:prstGeom prst="rect">
-            <a:avLst/>
-          </a:prstGeom>
-        </p:spPr>
-      </p:pic>
-      <p:pic>
-        <p:nvPicPr>
-          <p:cNvPr id="121" name="Picture 2" descr="Billedresultat for Fridge">
-            <a:extLst>
-              <a:ext uri="{FF2B5EF4-FFF2-40B4-BE49-F238E27FC236}">
-                <a16:creationId xmlns:a16="http://schemas.microsoft.com/office/drawing/2014/main" id="{971431F1-2DDC-4BA8-82AD-D1A0509F4205}"/>
+                <a16:creationId xmlns:a16="http://schemas.microsoft.com/office/drawing/2014/main" id="{65FA9D99-1518-4496-AE4E-2E77133B8418}"/>
               </a:ext>
             </a:extLst>
           </p:cNvPr>
@@ -10445,7 +10329,7 @@
           <p:nvPr/>
         </p:nvPicPr>
         <p:blipFill rotWithShape="1">
-          <a:blip r:embed="rId6" cstate="print">
+          <a:blip r:embed="rId8" cstate="print">
             <a:extLst>
               <a:ext uri="{28A0092B-C50C-407E-A947-70E740481C1C}">
                 <a14:useLocalDpi xmlns:a14="http://schemas.microsoft.com/office/drawing/2010/main" val="0"/>
@@ -10457,8 +10341,8 @@
         </p:blipFill>
         <p:spPr bwMode="auto">
           <a:xfrm>
-            <a:off x="14410403" y="5928827"/>
-            <a:ext cx="179998" cy="343129"/>
+            <a:off x="14416333" y="5476964"/>
+            <a:ext cx="180304" cy="343711"/>
           </a:xfrm>
           <a:prstGeom prst="rect">
             <a:avLst/>
@@ -10477,10 +10361,10 @@
       </p:pic>
       <p:sp>
         <p:nvSpPr>
-          <p:cNvPr id="122" name="TextBox 121">
+          <p:cNvPr id="118" name="TextBox 117">
             <a:extLst>
               <a:ext uri="{FF2B5EF4-FFF2-40B4-BE49-F238E27FC236}">
-                <a16:creationId xmlns:a16="http://schemas.microsoft.com/office/drawing/2014/main" id="{656B44C2-6F28-4904-85AE-2F0E3AF6AA9D}"/>
+                <a16:creationId xmlns:a16="http://schemas.microsoft.com/office/drawing/2014/main" id="{925BE52D-3C3F-4028-87B8-C553FB69FE17}"/>
               </a:ext>
             </a:extLst>
           </p:cNvPr>
@@ -10489,7 +10373,7 @@
         </p:nvSpPr>
         <p:spPr>
           <a:xfrm>
-            <a:off x="14622194" y="5961891"/>
+            <a:off x="14622194" y="5079668"/>
             <a:ext cx="942246" cy="276999"/>
           </a:xfrm>
           <a:prstGeom prst="rect">
@@ -10514,12 +10398,51 @@
           </a:p>
         </p:txBody>
       </p:sp>
+      <p:sp>
+        <p:nvSpPr>
+          <p:cNvPr id="119" name="TextBox 118">
+            <a:extLst>
+              <a:ext uri="{FF2B5EF4-FFF2-40B4-BE49-F238E27FC236}">
+                <a16:creationId xmlns:a16="http://schemas.microsoft.com/office/drawing/2014/main" id="{0A56F42C-7FFB-4A63-B4FD-CC187B8009FD}"/>
+              </a:ext>
+            </a:extLst>
+          </p:cNvPr>
+          <p:cNvSpPr txBox="1"/>
+          <p:nvPr/>
+        </p:nvSpPr>
+        <p:spPr>
+          <a:xfrm>
+            <a:off x="14622194" y="5516149"/>
+            <a:ext cx="942246" cy="276999"/>
+          </a:xfrm>
+          <a:prstGeom prst="rect">
+            <a:avLst/>
+          </a:prstGeom>
+          <a:noFill/>
+        </p:spPr>
+        <p:txBody>
+          <a:bodyPr wrap="none" rtlCol="0">
+            <a:spAutoFit/>
+          </a:bodyPr>
+          <a:lstStyle/>
+          <a:p>
+            <a:r>
+              <a:rPr lang="da-DK" sz="1200" dirty="0" err="1"/>
+              <a:t>Fridge</a:t>
+            </a:r>
+            <a:r>
+              <a:rPr lang="da-DK" sz="1200" dirty="0"/>
+              <a:t> navn</a:t>
+            </a:r>
+          </a:p>
+        </p:txBody>
+      </p:sp>
       <p:pic>
         <p:nvPicPr>
-          <p:cNvPr id="123" name="Picture 122">
+          <p:cNvPr id="120" name="Picture 119">
             <a:extLst>
               <a:ext uri="{FF2B5EF4-FFF2-40B4-BE49-F238E27FC236}">
-                <a16:creationId xmlns:a16="http://schemas.microsoft.com/office/drawing/2014/main" id="{ACDFB953-80A9-4494-B434-6BD0CF69A501}"/>
+                <a16:creationId xmlns:a16="http://schemas.microsoft.com/office/drawing/2014/main" id="{6C85CCFB-EAB7-4BA4-ABE8-F0850D0EA370}"/>
               </a:ext>
             </a:extLst>
           </p:cNvPr>
@@ -10530,6 +10453,120 @@
         </p:nvPicPr>
         <p:blipFill>
           <a:blip r:embed="rId9"/>
+          <a:stretch>
+            <a:fillRect/>
+          </a:stretch>
+        </p:blipFill>
+        <p:spPr>
+          <a:xfrm>
+            <a:off x="14728236" y="6455988"/>
+            <a:ext cx="691848" cy="246138"/>
+          </a:xfrm>
+          <a:prstGeom prst="rect">
+            <a:avLst/>
+          </a:prstGeom>
+        </p:spPr>
+      </p:pic>
+      <p:pic>
+        <p:nvPicPr>
+          <p:cNvPr id="121" name="Picture 2" descr="Billedresultat for Fridge">
+            <a:extLst>
+              <a:ext uri="{FF2B5EF4-FFF2-40B4-BE49-F238E27FC236}">
+                <a16:creationId xmlns:a16="http://schemas.microsoft.com/office/drawing/2014/main" id="{971431F1-2DDC-4BA8-82AD-D1A0509F4205}"/>
+              </a:ext>
+            </a:extLst>
+          </p:cNvPr>
+          <p:cNvPicPr>
+            <a:picLocks noChangeAspect="1" noChangeArrowheads="1"/>
+          </p:cNvPicPr>
+          <p:nvPr/>
+        </p:nvPicPr>
+        <p:blipFill rotWithShape="1">
+          <a:blip r:embed="rId7" cstate="print">
+            <a:extLst>
+              <a:ext uri="{28A0092B-C50C-407E-A947-70E740481C1C}">
+                <a14:useLocalDpi xmlns:a14="http://schemas.microsoft.com/office/drawing/2010/main" val="0"/>
+              </a:ext>
+            </a:extLst>
+          </a:blip>
+          <a:srcRect l="34615" t="6284" r="34322" b="3939"/>
+          <a:stretch/>
+        </p:blipFill>
+        <p:spPr bwMode="auto">
+          <a:xfrm>
+            <a:off x="14410403" y="5928827"/>
+            <a:ext cx="179998" cy="343129"/>
+          </a:xfrm>
+          <a:prstGeom prst="rect">
+            <a:avLst/>
+          </a:prstGeom>
+          <a:noFill/>
+          <a:extLst>
+            <a:ext uri="{909E8E84-426E-40DD-AFC4-6F175D3DCCD1}">
+              <a14:hiddenFill xmlns:a14="http://schemas.microsoft.com/office/drawing/2010/main">
+                <a:solidFill>
+                  <a:srgbClr val="FFFFFF"/>
+                </a:solidFill>
+              </a14:hiddenFill>
+            </a:ext>
+          </a:extLst>
+        </p:spPr>
+      </p:pic>
+      <p:sp>
+        <p:nvSpPr>
+          <p:cNvPr id="122" name="TextBox 121">
+            <a:extLst>
+              <a:ext uri="{FF2B5EF4-FFF2-40B4-BE49-F238E27FC236}">
+                <a16:creationId xmlns:a16="http://schemas.microsoft.com/office/drawing/2014/main" id="{656B44C2-6F28-4904-85AE-2F0E3AF6AA9D}"/>
+              </a:ext>
+            </a:extLst>
+          </p:cNvPr>
+          <p:cNvSpPr txBox="1"/>
+          <p:nvPr/>
+        </p:nvSpPr>
+        <p:spPr>
+          <a:xfrm>
+            <a:off x="14622194" y="5961891"/>
+            <a:ext cx="942246" cy="276999"/>
+          </a:xfrm>
+          <a:prstGeom prst="rect">
+            <a:avLst/>
+          </a:prstGeom>
+          <a:noFill/>
+        </p:spPr>
+        <p:txBody>
+          <a:bodyPr wrap="none" rtlCol="0">
+            <a:spAutoFit/>
+          </a:bodyPr>
+          <a:lstStyle/>
+          <a:p>
+            <a:r>
+              <a:rPr lang="da-DK" sz="1200" dirty="0" err="1"/>
+              <a:t>Fridge</a:t>
+            </a:r>
+            <a:r>
+              <a:rPr lang="da-DK" sz="1200" dirty="0"/>
+              <a:t> navn</a:t>
+            </a:r>
+          </a:p>
+        </p:txBody>
+      </p:sp>
+      <p:pic>
+        <p:nvPicPr>
+          <p:cNvPr id="123" name="Picture 122">
+            <a:extLst>
+              <a:ext uri="{FF2B5EF4-FFF2-40B4-BE49-F238E27FC236}">
+                <a16:creationId xmlns:a16="http://schemas.microsoft.com/office/drawing/2014/main" id="{ACDFB953-80A9-4494-B434-6BD0CF69A501}"/>
+              </a:ext>
+            </a:extLst>
+          </p:cNvPr>
+          <p:cNvPicPr>
+            <a:picLocks noChangeAspect="1"/>
+          </p:cNvPicPr>
+          <p:nvPr/>
+        </p:nvPicPr>
+        <p:blipFill>
+          <a:blip r:embed="rId10"/>
           <a:stretch>
             <a:fillRect/>
           </a:stretch>
@@ -10613,87 +10650,6 @@
           <p:nvPr/>
         </p:nvPicPr>
         <p:blipFill>
-          <a:blip r:embed="rId12"/>
-          <a:stretch>
-            <a:fillRect/>
-          </a:stretch>
-        </p:blipFill>
-        <p:spPr>
-          <a:xfrm>
-            <a:off x="14267489" y="5623116"/>
-            <a:ext cx="1708442" cy="556368"/>
-          </a:xfrm>
-          <a:prstGeom prst="rect">
-            <a:avLst/>
-          </a:prstGeom>
-        </p:spPr>
-      </p:pic>
-      <p:sp>
-        <p:nvSpPr>
-          <p:cNvPr id="127" name="TextBox 126">
-            <a:extLst>
-              <a:ext uri="{FF2B5EF4-FFF2-40B4-BE49-F238E27FC236}">
-                <a16:creationId xmlns:a16="http://schemas.microsoft.com/office/drawing/2014/main" id="{C764CA73-6136-41E7-BF08-88E0F2AC2004}"/>
-              </a:ext>
-            </a:extLst>
-          </p:cNvPr>
-          <p:cNvSpPr txBox="1"/>
-          <p:nvPr/>
-        </p:nvSpPr>
-        <p:spPr>
-          <a:xfrm>
-            <a:off x="14453668" y="9166802"/>
-            <a:ext cx="1188659" cy="646331"/>
-          </a:xfrm>
-          <a:prstGeom prst="rect">
-            <a:avLst/>
-          </a:prstGeom>
-          <a:noFill/>
-        </p:spPr>
-        <p:txBody>
-          <a:bodyPr wrap="none" rtlCol="0">
-            <a:spAutoFit/>
-          </a:bodyPr>
-          <a:lstStyle/>
-          <a:p>
-            <a:r>
-              <a:rPr lang="da-DK" sz="1200" dirty="0" err="1"/>
-              <a:t>Tilføøjelse</a:t>
-            </a:r>
-            <a:r>
-              <a:rPr lang="da-DK" sz="1200" dirty="0"/>
-              <a:t> af</a:t>
-            </a:r>
-          </a:p>
-          <a:p>
-            <a:r>
-              <a:rPr lang="da-DK" sz="1200" dirty="0"/>
-              <a:t>Nuværende ting</a:t>
-            </a:r>
-          </a:p>
-          <a:p>
-            <a:r>
-              <a:rPr lang="da-DK" sz="1200" dirty="0"/>
-              <a:t>I køleskabet?</a:t>
-            </a:r>
-          </a:p>
-        </p:txBody>
-      </p:sp>
-      <p:pic>
-        <p:nvPicPr>
-          <p:cNvPr id="70" name="Picture 69">
-            <a:extLst>
-              <a:ext uri="{FF2B5EF4-FFF2-40B4-BE49-F238E27FC236}">
-                <a16:creationId xmlns:a16="http://schemas.microsoft.com/office/drawing/2014/main" id="{8AF38136-24B1-4899-81D9-3D0CF77044B3}"/>
-              </a:ext>
-            </a:extLst>
-          </p:cNvPr>
-          <p:cNvPicPr>
-            <a:picLocks noChangeAspect="1"/>
-          </p:cNvPicPr>
-          <p:nvPr/>
-        </p:nvPicPr>
-        <p:blipFill>
           <a:blip r:embed="rId13"/>
           <a:stretch>
             <a:fillRect/>
@@ -10701,20 +10657,71 @@
         </p:blipFill>
         <p:spPr>
           <a:xfrm>
-            <a:off x="14481259" y="9839746"/>
-            <a:ext cx="1133475" cy="333375"/>
+            <a:off x="14267489" y="5623116"/>
+            <a:ext cx="1708442" cy="556368"/>
           </a:xfrm>
           <a:prstGeom prst="rect">
             <a:avLst/>
           </a:prstGeom>
         </p:spPr>
       </p:pic>
+      <p:sp>
+        <p:nvSpPr>
+          <p:cNvPr id="127" name="TextBox 126">
+            <a:extLst>
+              <a:ext uri="{FF2B5EF4-FFF2-40B4-BE49-F238E27FC236}">
+                <a16:creationId xmlns:a16="http://schemas.microsoft.com/office/drawing/2014/main" id="{C764CA73-6136-41E7-BF08-88E0F2AC2004}"/>
+              </a:ext>
+            </a:extLst>
+          </p:cNvPr>
+          <p:cNvSpPr txBox="1"/>
+          <p:nvPr/>
+        </p:nvSpPr>
+        <p:spPr>
+          <a:xfrm>
+            <a:off x="14453668" y="9166802"/>
+            <a:ext cx="1188659" cy="646331"/>
+          </a:xfrm>
+          <a:prstGeom prst="rect">
+            <a:avLst/>
+          </a:prstGeom>
+          <a:noFill/>
+        </p:spPr>
+        <p:txBody>
+          <a:bodyPr wrap="none" rtlCol="0">
+            <a:spAutoFit/>
+          </a:bodyPr>
+          <a:lstStyle/>
+          <a:p>
+            <a:r>
+              <a:rPr lang="da-DK" sz="1200" dirty="0" err="1"/>
+              <a:t>Tilføøjelse</a:t>
+            </a:r>
+            <a:r>
+              <a:rPr lang="da-DK" sz="1200" dirty="0"/>
+              <a:t> af</a:t>
+            </a:r>
+          </a:p>
+          <a:p>
+            <a:r>
+              <a:rPr lang="da-DK" sz="1200" dirty="0"/>
+              <a:t>Nuværende ting</a:t>
+            </a:r>
+          </a:p>
+          <a:p>
+            <a:r>
+              <a:rPr lang="da-DK" sz="1200" dirty="0"/>
+              <a:t>I køleskabet?</a:t>
+            </a:r>
+          </a:p>
+        </p:txBody>
+      </p:sp>
       <p:pic>
         <p:nvPicPr>
-          <p:cNvPr id="71" name="Picture 70">
+          <p:cNvPr id="70" name="Picture 69">
             <a:extLst>
               <a:ext uri="{FF2B5EF4-FFF2-40B4-BE49-F238E27FC236}">
-                <a16:creationId xmlns:a16="http://schemas.microsoft.com/office/drawing/2014/main" id="{4E43632D-6E0E-4C2F-8F07-578DDBCDFCEE}"/>
+                <a16:creationId xmlns:a16="http://schemas.microsoft.com/office/drawing/2014/main" id="{8AF38136-24B1-4899-81D9-3D0CF77044B3}"/>
               </a:ext>
             </a:extLst>
           </p:cNvPr>
@@ -10725,6 +10732,36 @@
         </p:nvPicPr>
         <p:blipFill>
           <a:blip r:embed="rId14"/>
+          <a:stretch>
+            <a:fillRect/>
+          </a:stretch>
+        </p:blipFill>
+        <p:spPr>
+          <a:xfrm>
+            <a:off x="14481259" y="9839746"/>
+            <a:ext cx="1133475" cy="333375"/>
+          </a:xfrm>
+          <a:prstGeom prst="rect">
+            <a:avLst/>
+          </a:prstGeom>
+        </p:spPr>
+      </p:pic>
+      <p:pic>
+        <p:nvPicPr>
+          <p:cNvPr id="71" name="Picture 70">
+            <a:extLst>
+              <a:ext uri="{FF2B5EF4-FFF2-40B4-BE49-F238E27FC236}">
+                <a16:creationId xmlns:a16="http://schemas.microsoft.com/office/drawing/2014/main" id="{4E43632D-6E0E-4C2F-8F07-578DDBCDFCEE}"/>
+              </a:ext>
+            </a:extLst>
+          </p:cNvPr>
+          <p:cNvPicPr>
+            <a:picLocks noChangeAspect="1"/>
+          </p:cNvPicPr>
+          <p:nvPr/>
+        </p:nvPicPr>
+        <p:blipFill>
+          <a:blip r:embed="rId15"/>
           <a:stretch>
             <a:fillRect/>
           </a:stretch>
@@ -11166,7 +11203,7 @@
           <p:nvPr/>
         </p:nvPicPr>
         <p:blipFill>
-          <a:blip r:embed="rId15"/>
+          <a:blip r:embed="rId16"/>
           <a:stretch>
             <a:fillRect/>
           </a:stretch>
@@ -11196,7 +11233,7 @@
           <p:nvPr/>
         </p:nvPicPr>
         <p:blipFill rotWithShape="1">
-          <a:blip r:embed="rId16">
+          <a:blip r:embed="rId17">
             <a:extLst>
               <a:ext uri="{28A0092B-C50C-407E-A947-70E740481C1C}">
                 <a14:useLocalDpi xmlns:a14="http://schemas.microsoft.com/office/drawing/2010/main" val="0"/>
@@ -11232,36 +11269,6 @@
             <a:extLst>
               <a:ext uri="{FF2B5EF4-FFF2-40B4-BE49-F238E27FC236}">
                 <a16:creationId xmlns:a16="http://schemas.microsoft.com/office/drawing/2014/main" id="{B21CDB3C-E5EC-4D6B-9729-78F75A9579A8}"/>
-              </a:ext>
-            </a:extLst>
-          </p:cNvPr>
-          <p:cNvPicPr>
-            <a:picLocks noChangeAspect="1"/>
-          </p:cNvPicPr>
-          <p:nvPr/>
-        </p:nvPicPr>
-        <p:blipFill>
-          <a:blip r:embed="rId17"/>
-          <a:stretch>
-            <a:fillRect/>
-          </a:stretch>
-        </p:blipFill>
-        <p:spPr>
-          <a:xfrm>
-            <a:off x="3772213" y="17363331"/>
-            <a:ext cx="1899814" cy="255158"/>
-          </a:xfrm>
-          <a:prstGeom prst="rect">
-            <a:avLst/>
-          </a:prstGeom>
-        </p:spPr>
-      </p:pic>
-      <p:pic>
-        <p:nvPicPr>
-          <p:cNvPr id="91" name="Picture 90">
-            <a:extLst>
-              <a:ext uri="{FF2B5EF4-FFF2-40B4-BE49-F238E27FC236}">
-                <a16:creationId xmlns:a16="http://schemas.microsoft.com/office/drawing/2014/main" id="{80B26777-CB11-44B8-90E9-8F231FF0B511}"/>
               </a:ext>
             </a:extLst>
           </p:cNvPr>
@@ -11278,181 +11285,20 @@
         </p:blipFill>
         <p:spPr>
           <a:xfrm>
-            <a:off x="3772213" y="17597979"/>
-            <a:ext cx="1899814" cy="139152"/>
+            <a:off x="3772213" y="17363331"/>
+            <a:ext cx="1899814" cy="255158"/>
           </a:xfrm>
           <a:prstGeom prst="rect">
             <a:avLst/>
           </a:prstGeom>
         </p:spPr>
       </p:pic>
-      <p:sp>
-        <p:nvSpPr>
-          <p:cNvPr id="92" name="TextBox 91">
-            <a:extLst>
-              <a:ext uri="{FF2B5EF4-FFF2-40B4-BE49-F238E27FC236}">
-                <a16:creationId xmlns:a16="http://schemas.microsoft.com/office/drawing/2014/main" id="{AC236E0C-6147-4781-8C0E-950F427F032A}"/>
-              </a:ext>
-            </a:extLst>
-          </p:cNvPr>
-          <p:cNvSpPr txBox="1"/>
-          <p:nvPr/>
-        </p:nvSpPr>
-        <p:spPr>
-          <a:xfrm>
-            <a:off x="3736351" y="17550841"/>
-            <a:ext cx="486030" cy="184666"/>
-          </a:xfrm>
-          <a:prstGeom prst="rect">
-            <a:avLst/>
-          </a:prstGeom>
-          <a:noFill/>
-        </p:spPr>
-        <p:txBody>
-          <a:bodyPr wrap="none" rtlCol="0">
-            <a:spAutoFit/>
-          </a:bodyPr>
-          <a:lstStyle/>
-          <a:p>
-            <a:r>
-              <a:rPr lang="da-DK" sz="600" dirty="0">
-                <a:solidFill>
-                  <a:schemeClr val="bg1"/>
-                </a:solidFill>
-              </a:rPr>
-              <a:t>Inventory</a:t>
-            </a:r>
-          </a:p>
-        </p:txBody>
-      </p:sp>
-      <p:sp>
-        <p:nvSpPr>
-          <p:cNvPr id="147" name="TextBox 146">
-            <a:extLst>
-              <a:ext uri="{FF2B5EF4-FFF2-40B4-BE49-F238E27FC236}">
-                <a16:creationId xmlns:a16="http://schemas.microsoft.com/office/drawing/2014/main" id="{2A3DEED3-6CBF-47AF-AAF8-2C9E2EC0CD48}"/>
-              </a:ext>
-            </a:extLst>
-          </p:cNvPr>
-          <p:cNvSpPr txBox="1"/>
-          <p:nvPr/>
-        </p:nvSpPr>
-        <p:spPr>
-          <a:xfrm>
-            <a:off x="4228669" y="17550841"/>
-            <a:ext cx="489236" cy="184666"/>
-          </a:xfrm>
-          <a:prstGeom prst="rect">
-            <a:avLst/>
-          </a:prstGeom>
-          <a:noFill/>
-        </p:spPr>
-        <p:txBody>
-          <a:bodyPr wrap="none" rtlCol="0">
-            <a:spAutoFit/>
-          </a:bodyPr>
-          <a:lstStyle/>
-          <a:p>
-            <a:r>
-              <a:rPr lang="da-DK" sz="600" dirty="0">
-                <a:solidFill>
-                  <a:schemeClr val="bg1"/>
-                </a:solidFill>
-              </a:rPr>
-              <a:t>Essentials</a:t>
-            </a:r>
-          </a:p>
-        </p:txBody>
-      </p:sp>
-      <p:sp>
-        <p:nvSpPr>
-          <p:cNvPr id="148" name="TextBox 147">
-            <a:extLst>
-              <a:ext uri="{FF2B5EF4-FFF2-40B4-BE49-F238E27FC236}">
-                <a16:creationId xmlns:a16="http://schemas.microsoft.com/office/drawing/2014/main" id="{EF75CB3D-4527-47D3-B6C5-16D554B2DA63}"/>
-              </a:ext>
-            </a:extLst>
-          </p:cNvPr>
-          <p:cNvSpPr txBox="1"/>
-          <p:nvPr/>
-        </p:nvSpPr>
-        <p:spPr>
-          <a:xfrm>
-            <a:off x="4717552" y="17549217"/>
-            <a:ext cx="474810" cy="184666"/>
-          </a:xfrm>
-          <a:prstGeom prst="rect">
-            <a:avLst/>
-          </a:prstGeom>
-          <a:noFill/>
-        </p:spPr>
-        <p:txBody>
-          <a:bodyPr wrap="none" rtlCol="0">
-            <a:spAutoFit/>
-          </a:bodyPr>
-          <a:lstStyle/>
-          <a:p>
-            <a:r>
-              <a:rPr lang="da-DK" sz="600" dirty="0">
-                <a:solidFill>
-                  <a:schemeClr val="bg1"/>
-                </a:solidFill>
-              </a:rPr>
-              <a:t>Shopping</a:t>
-            </a:r>
-          </a:p>
-        </p:txBody>
-      </p:sp>
-      <p:sp>
-        <p:nvSpPr>
-          <p:cNvPr id="149" name="TextBox 148">
-            <a:extLst>
-              <a:ext uri="{FF2B5EF4-FFF2-40B4-BE49-F238E27FC236}">
-                <a16:creationId xmlns:a16="http://schemas.microsoft.com/office/drawing/2014/main" id="{6A986F6D-DF82-4FB7-A146-2E819F74E479}"/>
-              </a:ext>
-            </a:extLst>
-          </p:cNvPr>
-          <p:cNvSpPr txBox="1"/>
-          <p:nvPr/>
-        </p:nvSpPr>
-        <p:spPr>
-          <a:xfrm>
-            <a:off x="5137059" y="17545969"/>
-            <a:ext cx="538930" cy="184666"/>
-          </a:xfrm>
-          <a:prstGeom prst="rect">
-            <a:avLst/>
-          </a:prstGeom>
-          <a:noFill/>
-        </p:spPr>
-        <p:txBody>
-          <a:bodyPr wrap="none" rtlCol="0">
-            <a:spAutoFit/>
-          </a:bodyPr>
-          <a:lstStyle/>
-          <a:p>
-            <a:r>
-              <a:rPr lang="da-DK" sz="600" dirty="0" err="1">
-                <a:solidFill>
-                  <a:schemeClr val="bg1"/>
-                </a:solidFill>
-              </a:rPr>
-              <a:t>Ingredients</a:t>
-            </a:r>
-            <a:endParaRPr lang="da-DK" sz="600" dirty="0">
-              <a:solidFill>
-                <a:schemeClr val="bg1"/>
-              </a:solidFill>
-            </a:endParaRPr>
-          </a:p>
-        </p:txBody>
-      </p:sp>
       <p:pic>
         <p:nvPicPr>
-          <p:cNvPr id="93" name="Picture 92">
+          <p:cNvPr id="91" name="Picture 90">
             <a:extLst>
               <a:ext uri="{FF2B5EF4-FFF2-40B4-BE49-F238E27FC236}">
-                <a16:creationId xmlns:a16="http://schemas.microsoft.com/office/drawing/2014/main" id="{06BB7FBB-9558-4D1A-85BA-2DF81AD3970F}"/>
+                <a16:creationId xmlns:a16="http://schemas.microsoft.com/office/drawing/2014/main" id="{80B26777-CB11-44B8-90E9-8F231FF0B511}"/>
               </a:ext>
             </a:extLst>
           </p:cNvPr>
@@ -11463,6 +11309,197 @@
         </p:nvPicPr>
         <p:blipFill>
           <a:blip r:embed="rId19"/>
+          <a:stretch>
+            <a:fillRect/>
+          </a:stretch>
+        </p:blipFill>
+        <p:spPr>
+          <a:xfrm>
+            <a:off x="3772213" y="17597979"/>
+            <a:ext cx="1899814" cy="139152"/>
+          </a:xfrm>
+          <a:prstGeom prst="rect">
+            <a:avLst/>
+          </a:prstGeom>
+        </p:spPr>
+      </p:pic>
+      <p:sp>
+        <p:nvSpPr>
+          <p:cNvPr id="92" name="TextBox 91">
+            <a:extLst>
+              <a:ext uri="{FF2B5EF4-FFF2-40B4-BE49-F238E27FC236}">
+                <a16:creationId xmlns:a16="http://schemas.microsoft.com/office/drawing/2014/main" id="{AC236E0C-6147-4781-8C0E-950F427F032A}"/>
+              </a:ext>
+            </a:extLst>
+          </p:cNvPr>
+          <p:cNvSpPr txBox="1"/>
+          <p:nvPr/>
+        </p:nvSpPr>
+        <p:spPr>
+          <a:xfrm>
+            <a:off x="3736351" y="17550841"/>
+            <a:ext cx="486030" cy="184666"/>
+          </a:xfrm>
+          <a:prstGeom prst="rect">
+            <a:avLst/>
+          </a:prstGeom>
+          <a:noFill/>
+        </p:spPr>
+        <p:txBody>
+          <a:bodyPr wrap="none" rtlCol="0">
+            <a:spAutoFit/>
+          </a:bodyPr>
+          <a:lstStyle/>
+          <a:p>
+            <a:r>
+              <a:rPr lang="da-DK" sz="600" dirty="0">
+                <a:solidFill>
+                  <a:schemeClr val="bg1"/>
+                </a:solidFill>
+              </a:rPr>
+              <a:t>Inventory</a:t>
+            </a:r>
+          </a:p>
+        </p:txBody>
+      </p:sp>
+      <p:sp>
+        <p:nvSpPr>
+          <p:cNvPr id="147" name="TextBox 146">
+            <a:extLst>
+              <a:ext uri="{FF2B5EF4-FFF2-40B4-BE49-F238E27FC236}">
+                <a16:creationId xmlns:a16="http://schemas.microsoft.com/office/drawing/2014/main" id="{2A3DEED3-6CBF-47AF-AAF8-2C9E2EC0CD48}"/>
+              </a:ext>
+            </a:extLst>
+          </p:cNvPr>
+          <p:cNvSpPr txBox="1"/>
+          <p:nvPr/>
+        </p:nvSpPr>
+        <p:spPr>
+          <a:xfrm>
+            <a:off x="4228669" y="17550841"/>
+            <a:ext cx="489236" cy="184666"/>
+          </a:xfrm>
+          <a:prstGeom prst="rect">
+            <a:avLst/>
+          </a:prstGeom>
+          <a:noFill/>
+        </p:spPr>
+        <p:txBody>
+          <a:bodyPr wrap="none" rtlCol="0">
+            <a:spAutoFit/>
+          </a:bodyPr>
+          <a:lstStyle/>
+          <a:p>
+            <a:r>
+              <a:rPr lang="da-DK" sz="600" dirty="0">
+                <a:solidFill>
+                  <a:schemeClr val="bg1"/>
+                </a:solidFill>
+              </a:rPr>
+              <a:t>Essentials</a:t>
+            </a:r>
+          </a:p>
+        </p:txBody>
+      </p:sp>
+      <p:sp>
+        <p:nvSpPr>
+          <p:cNvPr id="148" name="TextBox 147">
+            <a:extLst>
+              <a:ext uri="{FF2B5EF4-FFF2-40B4-BE49-F238E27FC236}">
+                <a16:creationId xmlns:a16="http://schemas.microsoft.com/office/drawing/2014/main" id="{EF75CB3D-4527-47D3-B6C5-16D554B2DA63}"/>
+              </a:ext>
+            </a:extLst>
+          </p:cNvPr>
+          <p:cNvSpPr txBox="1"/>
+          <p:nvPr/>
+        </p:nvSpPr>
+        <p:spPr>
+          <a:xfrm>
+            <a:off x="4717552" y="17549217"/>
+            <a:ext cx="474810" cy="184666"/>
+          </a:xfrm>
+          <a:prstGeom prst="rect">
+            <a:avLst/>
+          </a:prstGeom>
+          <a:noFill/>
+        </p:spPr>
+        <p:txBody>
+          <a:bodyPr wrap="none" rtlCol="0">
+            <a:spAutoFit/>
+          </a:bodyPr>
+          <a:lstStyle/>
+          <a:p>
+            <a:r>
+              <a:rPr lang="da-DK" sz="600" dirty="0">
+                <a:solidFill>
+                  <a:schemeClr val="bg1"/>
+                </a:solidFill>
+              </a:rPr>
+              <a:t>Shopping</a:t>
+            </a:r>
+          </a:p>
+        </p:txBody>
+      </p:sp>
+      <p:sp>
+        <p:nvSpPr>
+          <p:cNvPr id="149" name="TextBox 148">
+            <a:extLst>
+              <a:ext uri="{FF2B5EF4-FFF2-40B4-BE49-F238E27FC236}">
+                <a16:creationId xmlns:a16="http://schemas.microsoft.com/office/drawing/2014/main" id="{6A986F6D-DF82-4FB7-A146-2E819F74E479}"/>
+              </a:ext>
+            </a:extLst>
+          </p:cNvPr>
+          <p:cNvSpPr txBox="1"/>
+          <p:nvPr/>
+        </p:nvSpPr>
+        <p:spPr>
+          <a:xfrm>
+            <a:off x="5137059" y="17545969"/>
+            <a:ext cx="538930" cy="184666"/>
+          </a:xfrm>
+          <a:prstGeom prst="rect">
+            <a:avLst/>
+          </a:prstGeom>
+          <a:noFill/>
+        </p:spPr>
+        <p:txBody>
+          <a:bodyPr wrap="none" rtlCol="0">
+            <a:spAutoFit/>
+          </a:bodyPr>
+          <a:lstStyle/>
+          <a:p>
+            <a:r>
+              <a:rPr lang="da-DK" sz="600" dirty="0" err="1">
+                <a:solidFill>
+                  <a:schemeClr val="bg1"/>
+                </a:solidFill>
+              </a:rPr>
+              <a:t>Ingredients</a:t>
+            </a:r>
+            <a:endParaRPr lang="da-DK" sz="600" dirty="0">
+              <a:solidFill>
+                <a:schemeClr val="bg1"/>
+              </a:solidFill>
+            </a:endParaRPr>
+          </a:p>
+        </p:txBody>
+      </p:sp>
+      <p:pic>
+        <p:nvPicPr>
+          <p:cNvPr id="93" name="Picture 92">
+            <a:extLst>
+              <a:ext uri="{FF2B5EF4-FFF2-40B4-BE49-F238E27FC236}">
+                <a16:creationId xmlns:a16="http://schemas.microsoft.com/office/drawing/2014/main" id="{06BB7FBB-9558-4D1A-85BA-2DF81AD3970F}"/>
+              </a:ext>
+            </a:extLst>
+          </p:cNvPr>
+          <p:cNvPicPr>
+            <a:picLocks noChangeAspect="1"/>
+          </p:cNvPicPr>
+          <p:nvPr/>
+        </p:nvPicPr>
+        <p:blipFill>
+          <a:blip r:embed="rId20"/>
           <a:stretch>
             <a:fillRect/>
           </a:stretch>
@@ -11783,7 +11820,7 @@
           <p:nvPr/>
         </p:nvPicPr>
         <p:blipFill rotWithShape="1">
-          <a:blip r:embed="rId16">
+          <a:blip r:embed="rId17">
             <a:extLst>
               <a:ext uri="{28A0092B-C50C-407E-A947-70E740481C1C}">
                 <a14:useLocalDpi xmlns:a14="http://schemas.microsoft.com/office/drawing/2010/main" val="0"/>
@@ -11819,36 +11856,6 @@
             <a:extLst>
               <a:ext uri="{FF2B5EF4-FFF2-40B4-BE49-F238E27FC236}">
                 <a16:creationId xmlns:a16="http://schemas.microsoft.com/office/drawing/2014/main" id="{A8602635-6EC6-4D92-B0B8-24BFDD608E66}"/>
-              </a:ext>
-            </a:extLst>
-          </p:cNvPr>
-          <p:cNvPicPr>
-            <a:picLocks noChangeAspect="1"/>
-          </p:cNvPicPr>
-          <p:nvPr/>
-        </p:nvPicPr>
-        <p:blipFill>
-          <a:blip r:embed="rId17"/>
-          <a:stretch>
-            <a:fillRect/>
-          </a:stretch>
-        </p:blipFill>
-        <p:spPr>
-          <a:xfrm>
-            <a:off x="12497212" y="14738674"/>
-            <a:ext cx="1899814" cy="255158"/>
-          </a:xfrm>
-          <a:prstGeom prst="rect">
-            <a:avLst/>
-          </a:prstGeom>
-        </p:spPr>
-      </p:pic>
-      <p:pic>
-        <p:nvPicPr>
-          <p:cNvPr id="166" name="Picture 165">
-            <a:extLst>
-              <a:ext uri="{FF2B5EF4-FFF2-40B4-BE49-F238E27FC236}">
-                <a16:creationId xmlns:a16="http://schemas.microsoft.com/office/drawing/2014/main" id="{287B8C55-B9AA-4429-B5EA-87B06173F582}"/>
               </a:ext>
             </a:extLst>
           </p:cNvPr>
@@ -11865,181 +11872,20 @@
         </p:blipFill>
         <p:spPr>
           <a:xfrm>
-            <a:off x="12497212" y="14973322"/>
-            <a:ext cx="1899814" cy="139152"/>
+            <a:off x="12497212" y="14738674"/>
+            <a:ext cx="1899814" cy="255158"/>
           </a:xfrm>
           <a:prstGeom prst="rect">
             <a:avLst/>
           </a:prstGeom>
         </p:spPr>
       </p:pic>
-      <p:sp>
-        <p:nvSpPr>
-          <p:cNvPr id="167" name="TextBox 166">
-            <a:extLst>
-              <a:ext uri="{FF2B5EF4-FFF2-40B4-BE49-F238E27FC236}">
-                <a16:creationId xmlns:a16="http://schemas.microsoft.com/office/drawing/2014/main" id="{64F26115-B229-4715-B17C-D3BEDC25C2D5}"/>
-              </a:ext>
-            </a:extLst>
-          </p:cNvPr>
-          <p:cNvSpPr txBox="1"/>
-          <p:nvPr/>
-        </p:nvSpPr>
-        <p:spPr>
-          <a:xfrm>
-            <a:off x="12461350" y="14926184"/>
-            <a:ext cx="486030" cy="184666"/>
-          </a:xfrm>
-          <a:prstGeom prst="rect">
-            <a:avLst/>
-          </a:prstGeom>
-          <a:noFill/>
-        </p:spPr>
-        <p:txBody>
-          <a:bodyPr wrap="none" rtlCol="0">
-            <a:spAutoFit/>
-          </a:bodyPr>
-          <a:lstStyle/>
-          <a:p>
-            <a:r>
-              <a:rPr lang="da-DK" sz="600" dirty="0">
-                <a:solidFill>
-                  <a:schemeClr val="bg1"/>
-                </a:solidFill>
-              </a:rPr>
-              <a:t>Inventory</a:t>
-            </a:r>
-          </a:p>
-        </p:txBody>
-      </p:sp>
-      <p:sp>
-        <p:nvSpPr>
-          <p:cNvPr id="168" name="TextBox 167">
-            <a:extLst>
-              <a:ext uri="{FF2B5EF4-FFF2-40B4-BE49-F238E27FC236}">
-                <a16:creationId xmlns:a16="http://schemas.microsoft.com/office/drawing/2014/main" id="{857651D9-3848-4E8A-811A-C75074F8EA53}"/>
-              </a:ext>
-            </a:extLst>
-          </p:cNvPr>
-          <p:cNvSpPr txBox="1"/>
-          <p:nvPr/>
-        </p:nvSpPr>
-        <p:spPr>
-          <a:xfrm>
-            <a:off x="12953668" y="14926184"/>
-            <a:ext cx="489236" cy="184666"/>
-          </a:xfrm>
-          <a:prstGeom prst="rect">
-            <a:avLst/>
-          </a:prstGeom>
-          <a:noFill/>
-        </p:spPr>
-        <p:txBody>
-          <a:bodyPr wrap="none" rtlCol="0">
-            <a:spAutoFit/>
-          </a:bodyPr>
-          <a:lstStyle/>
-          <a:p>
-            <a:r>
-              <a:rPr lang="da-DK" sz="600" dirty="0">
-                <a:solidFill>
-                  <a:schemeClr val="bg1"/>
-                </a:solidFill>
-              </a:rPr>
-              <a:t>Essentials</a:t>
-            </a:r>
-          </a:p>
-        </p:txBody>
-      </p:sp>
-      <p:sp>
-        <p:nvSpPr>
-          <p:cNvPr id="169" name="TextBox 168">
-            <a:extLst>
-              <a:ext uri="{FF2B5EF4-FFF2-40B4-BE49-F238E27FC236}">
-                <a16:creationId xmlns:a16="http://schemas.microsoft.com/office/drawing/2014/main" id="{77C52702-E070-4AA9-936F-4DFB965FA247}"/>
-              </a:ext>
-            </a:extLst>
-          </p:cNvPr>
-          <p:cNvSpPr txBox="1"/>
-          <p:nvPr/>
-        </p:nvSpPr>
-        <p:spPr>
-          <a:xfrm>
-            <a:off x="13442551" y="14924560"/>
-            <a:ext cx="474810" cy="184666"/>
-          </a:xfrm>
-          <a:prstGeom prst="rect">
-            <a:avLst/>
-          </a:prstGeom>
-          <a:noFill/>
-        </p:spPr>
-        <p:txBody>
-          <a:bodyPr wrap="none" rtlCol="0">
-            <a:spAutoFit/>
-          </a:bodyPr>
-          <a:lstStyle/>
-          <a:p>
-            <a:r>
-              <a:rPr lang="da-DK" sz="600" dirty="0">
-                <a:solidFill>
-                  <a:schemeClr val="bg1"/>
-                </a:solidFill>
-              </a:rPr>
-              <a:t>Shopping</a:t>
-            </a:r>
-          </a:p>
-        </p:txBody>
-      </p:sp>
-      <p:sp>
-        <p:nvSpPr>
-          <p:cNvPr id="170" name="TextBox 169">
-            <a:extLst>
-              <a:ext uri="{FF2B5EF4-FFF2-40B4-BE49-F238E27FC236}">
-                <a16:creationId xmlns:a16="http://schemas.microsoft.com/office/drawing/2014/main" id="{B50D9443-0F81-4075-B7F8-5EA2DE819BDC}"/>
-              </a:ext>
-            </a:extLst>
-          </p:cNvPr>
-          <p:cNvSpPr txBox="1"/>
-          <p:nvPr/>
-        </p:nvSpPr>
-        <p:spPr>
-          <a:xfrm>
-            <a:off x="13862058" y="14921312"/>
-            <a:ext cx="538930" cy="184666"/>
-          </a:xfrm>
-          <a:prstGeom prst="rect">
-            <a:avLst/>
-          </a:prstGeom>
-          <a:noFill/>
-        </p:spPr>
-        <p:txBody>
-          <a:bodyPr wrap="none" rtlCol="0">
-            <a:spAutoFit/>
-          </a:bodyPr>
-          <a:lstStyle/>
-          <a:p>
-            <a:r>
-              <a:rPr lang="da-DK" sz="600" dirty="0" err="1">
-                <a:solidFill>
-                  <a:schemeClr val="bg1"/>
-                </a:solidFill>
-              </a:rPr>
-              <a:t>Ingredients</a:t>
-            </a:r>
-            <a:endParaRPr lang="da-DK" sz="600" dirty="0">
-              <a:solidFill>
-                <a:schemeClr val="bg1"/>
-              </a:solidFill>
-            </a:endParaRPr>
-          </a:p>
-        </p:txBody>
-      </p:sp>
       <p:pic>
         <p:nvPicPr>
-          <p:cNvPr id="171" name="Picture 170">
+          <p:cNvPr id="166" name="Picture 165">
             <a:extLst>
               <a:ext uri="{FF2B5EF4-FFF2-40B4-BE49-F238E27FC236}">
-                <a16:creationId xmlns:a16="http://schemas.microsoft.com/office/drawing/2014/main" id="{72C3B270-9939-40FC-BB9F-FBFAD0047726}"/>
+                <a16:creationId xmlns:a16="http://schemas.microsoft.com/office/drawing/2014/main" id="{287B8C55-B9AA-4429-B5EA-87B06173F582}"/>
               </a:ext>
             </a:extLst>
           </p:cNvPr>
@@ -12050,6 +11896,197 @@
         </p:nvPicPr>
         <p:blipFill>
           <a:blip r:embed="rId19"/>
+          <a:stretch>
+            <a:fillRect/>
+          </a:stretch>
+        </p:blipFill>
+        <p:spPr>
+          <a:xfrm>
+            <a:off x="12497212" y="14973322"/>
+            <a:ext cx="1899814" cy="139152"/>
+          </a:xfrm>
+          <a:prstGeom prst="rect">
+            <a:avLst/>
+          </a:prstGeom>
+        </p:spPr>
+      </p:pic>
+      <p:sp>
+        <p:nvSpPr>
+          <p:cNvPr id="167" name="TextBox 166">
+            <a:extLst>
+              <a:ext uri="{FF2B5EF4-FFF2-40B4-BE49-F238E27FC236}">
+                <a16:creationId xmlns:a16="http://schemas.microsoft.com/office/drawing/2014/main" id="{64F26115-B229-4715-B17C-D3BEDC25C2D5}"/>
+              </a:ext>
+            </a:extLst>
+          </p:cNvPr>
+          <p:cNvSpPr txBox="1"/>
+          <p:nvPr/>
+        </p:nvSpPr>
+        <p:spPr>
+          <a:xfrm>
+            <a:off x="12461350" y="14926184"/>
+            <a:ext cx="486030" cy="184666"/>
+          </a:xfrm>
+          <a:prstGeom prst="rect">
+            <a:avLst/>
+          </a:prstGeom>
+          <a:noFill/>
+        </p:spPr>
+        <p:txBody>
+          <a:bodyPr wrap="none" rtlCol="0">
+            <a:spAutoFit/>
+          </a:bodyPr>
+          <a:lstStyle/>
+          <a:p>
+            <a:r>
+              <a:rPr lang="da-DK" sz="600" dirty="0">
+                <a:solidFill>
+                  <a:schemeClr val="bg1"/>
+                </a:solidFill>
+              </a:rPr>
+              <a:t>Inventory</a:t>
+            </a:r>
+          </a:p>
+        </p:txBody>
+      </p:sp>
+      <p:sp>
+        <p:nvSpPr>
+          <p:cNvPr id="168" name="TextBox 167">
+            <a:extLst>
+              <a:ext uri="{FF2B5EF4-FFF2-40B4-BE49-F238E27FC236}">
+                <a16:creationId xmlns:a16="http://schemas.microsoft.com/office/drawing/2014/main" id="{857651D9-3848-4E8A-811A-C75074F8EA53}"/>
+              </a:ext>
+            </a:extLst>
+          </p:cNvPr>
+          <p:cNvSpPr txBox="1"/>
+          <p:nvPr/>
+        </p:nvSpPr>
+        <p:spPr>
+          <a:xfrm>
+            <a:off x="12953668" y="14926184"/>
+            <a:ext cx="489236" cy="184666"/>
+          </a:xfrm>
+          <a:prstGeom prst="rect">
+            <a:avLst/>
+          </a:prstGeom>
+          <a:noFill/>
+        </p:spPr>
+        <p:txBody>
+          <a:bodyPr wrap="none" rtlCol="0">
+            <a:spAutoFit/>
+          </a:bodyPr>
+          <a:lstStyle/>
+          <a:p>
+            <a:r>
+              <a:rPr lang="da-DK" sz="600" dirty="0">
+                <a:solidFill>
+                  <a:schemeClr val="bg1"/>
+                </a:solidFill>
+              </a:rPr>
+              <a:t>Essentials</a:t>
+            </a:r>
+          </a:p>
+        </p:txBody>
+      </p:sp>
+      <p:sp>
+        <p:nvSpPr>
+          <p:cNvPr id="169" name="TextBox 168">
+            <a:extLst>
+              <a:ext uri="{FF2B5EF4-FFF2-40B4-BE49-F238E27FC236}">
+                <a16:creationId xmlns:a16="http://schemas.microsoft.com/office/drawing/2014/main" id="{77C52702-E070-4AA9-936F-4DFB965FA247}"/>
+              </a:ext>
+            </a:extLst>
+          </p:cNvPr>
+          <p:cNvSpPr txBox="1"/>
+          <p:nvPr/>
+        </p:nvSpPr>
+        <p:spPr>
+          <a:xfrm>
+            <a:off x="13442551" y="14924560"/>
+            <a:ext cx="474810" cy="184666"/>
+          </a:xfrm>
+          <a:prstGeom prst="rect">
+            <a:avLst/>
+          </a:prstGeom>
+          <a:noFill/>
+        </p:spPr>
+        <p:txBody>
+          <a:bodyPr wrap="none" rtlCol="0">
+            <a:spAutoFit/>
+          </a:bodyPr>
+          <a:lstStyle/>
+          <a:p>
+            <a:r>
+              <a:rPr lang="da-DK" sz="600" dirty="0">
+                <a:solidFill>
+                  <a:schemeClr val="bg1"/>
+                </a:solidFill>
+              </a:rPr>
+              <a:t>Shopping</a:t>
+            </a:r>
+          </a:p>
+        </p:txBody>
+      </p:sp>
+      <p:sp>
+        <p:nvSpPr>
+          <p:cNvPr id="170" name="TextBox 169">
+            <a:extLst>
+              <a:ext uri="{FF2B5EF4-FFF2-40B4-BE49-F238E27FC236}">
+                <a16:creationId xmlns:a16="http://schemas.microsoft.com/office/drawing/2014/main" id="{B50D9443-0F81-4075-B7F8-5EA2DE819BDC}"/>
+              </a:ext>
+            </a:extLst>
+          </p:cNvPr>
+          <p:cNvSpPr txBox="1"/>
+          <p:nvPr/>
+        </p:nvSpPr>
+        <p:spPr>
+          <a:xfrm>
+            <a:off x="13862058" y="14921312"/>
+            <a:ext cx="538930" cy="184666"/>
+          </a:xfrm>
+          <a:prstGeom prst="rect">
+            <a:avLst/>
+          </a:prstGeom>
+          <a:noFill/>
+        </p:spPr>
+        <p:txBody>
+          <a:bodyPr wrap="none" rtlCol="0">
+            <a:spAutoFit/>
+          </a:bodyPr>
+          <a:lstStyle/>
+          <a:p>
+            <a:r>
+              <a:rPr lang="da-DK" sz="600" dirty="0" err="1">
+                <a:solidFill>
+                  <a:schemeClr val="bg1"/>
+                </a:solidFill>
+              </a:rPr>
+              <a:t>Ingredients</a:t>
+            </a:r>
+            <a:endParaRPr lang="da-DK" sz="600" dirty="0">
+              <a:solidFill>
+                <a:schemeClr val="bg1"/>
+              </a:solidFill>
+            </a:endParaRPr>
+          </a:p>
+        </p:txBody>
+      </p:sp>
+      <p:pic>
+        <p:nvPicPr>
+          <p:cNvPr id="171" name="Picture 170">
+            <a:extLst>
+              <a:ext uri="{FF2B5EF4-FFF2-40B4-BE49-F238E27FC236}">
+                <a16:creationId xmlns:a16="http://schemas.microsoft.com/office/drawing/2014/main" id="{72C3B270-9939-40FC-BB9F-FBFAD0047726}"/>
+              </a:ext>
+            </a:extLst>
+          </p:cNvPr>
+          <p:cNvPicPr>
+            <a:picLocks noChangeAspect="1"/>
+          </p:cNvPicPr>
+          <p:nvPr/>
+        </p:nvPicPr>
+        <p:blipFill>
+          <a:blip r:embed="rId20"/>
           <a:stretch>
             <a:fillRect/>
           </a:stretch>
@@ -12553,7 +12590,7 @@
           <p:nvPr/>
         </p:nvPicPr>
         <p:blipFill>
-          <a:blip r:embed="rId20"/>
+          <a:blip r:embed="rId21"/>
           <a:stretch>
             <a:fillRect/>
           </a:stretch>
@@ -12583,7 +12620,7 @@
           <p:nvPr/>
         </p:nvPicPr>
         <p:blipFill>
-          <a:blip r:embed="rId20"/>
+          <a:blip r:embed="rId21"/>
           <a:stretch>
             <a:fillRect/>
           </a:stretch>
@@ -12991,7 +13028,7 @@
           <p:nvPr/>
         </p:nvPicPr>
         <p:blipFill rotWithShape="1">
-          <a:blip r:embed="rId16">
+          <a:blip r:embed="rId17">
             <a:extLst>
               <a:ext uri="{28A0092B-C50C-407E-A947-70E740481C1C}">
                 <a14:useLocalDpi xmlns:a14="http://schemas.microsoft.com/office/drawing/2010/main" val="0"/>
@@ -13003,7 +13040,7 @@
         </p:blipFill>
         <p:spPr bwMode="auto">
           <a:xfrm>
-            <a:off x="12510591" y="17883220"/>
+            <a:off x="19432403" y="17883220"/>
             <a:ext cx="1891253" cy="3114548"/>
           </a:xfrm>
           <a:prstGeom prst="rect">
@@ -13027,36 +13064,6 @@
             <a:extLst>
               <a:ext uri="{FF2B5EF4-FFF2-40B4-BE49-F238E27FC236}">
                 <a16:creationId xmlns:a16="http://schemas.microsoft.com/office/drawing/2014/main" id="{AEE72336-2B57-4243-800E-9FC19FF82853}"/>
-              </a:ext>
-            </a:extLst>
-          </p:cNvPr>
-          <p:cNvPicPr>
-            <a:picLocks noChangeAspect="1"/>
-          </p:cNvPicPr>
-          <p:nvPr/>
-        </p:nvPicPr>
-        <p:blipFill>
-          <a:blip r:embed="rId17"/>
-          <a:stretch>
-            <a:fillRect/>
-          </a:stretch>
-        </p:blipFill>
-        <p:spPr>
-          <a:xfrm>
-            <a:off x="12510590" y="18243870"/>
-            <a:ext cx="1899814" cy="255158"/>
-          </a:xfrm>
-          <a:prstGeom prst="rect">
-            <a:avLst/>
-          </a:prstGeom>
-        </p:spPr>
-      </p:pic>
-      <p:pic>
-        <p:nvPicPr>
-          <p:cNvPr id="184" name="Picture 183">
-            <a:extLst>
-              <a:ext uri="{FF2B5EF4-FFF2-40B4-BE49-F238E27FC236}">
-                <a16:creationId xmlns:a16="http://schemas.microsoft.com/office/drawing/2014/main" id="{EC36E149-FD85-4E31-B736-9917A1AFB3EF}"/>
               </a:ext>
             </a:extLst>
           </p:cNvPr>
@@ -13073,181 +13080,20 @@
         </p:blipFill>
         <p:spPr>
           <a:xfrm>
-            <a:off x="12510590" y="18478518"/>
-            <a:ext cx="1899814" cy="139152"/>
+            <a:off x="19432402" y="18243870"/>
+            <a:ext cx="1899814" cy="255158"/>
           </a:xfrm>
           <a:prstGeom prst="rect">
             <a:avLst/>
           </a:prstGeom>
         </p:spPr>
       </p:pic>
-      <p:sp>
-        <p:nvSpPr>
-          <p:cNvPr id="185" name="TextBox 184">
-            <a:extLst>
-              <a:ext uri="{FF2B5EF4-FFF2-40B4-BE49-F238E27FC236}">
-                <a16:creationId xmlns:a16="http://schemas.microsoft.com/office/drawing/2014/main" id="{94DF9ABE-393C-4D2A-876F-A8EDA0FE5975}"/>
-              </a:ext>
-            </a:extLst>
-          </p:cNvPr>
-          <p:cNvSpPr txBox="1"/>
-          <p:nvPr/>
-        </p:nvSpPr>
-        <p:spPr>
-          <a:xfrm>
-            <a:off x="12474728" y="18431380"/>
-            <a:ext cx="486030" cy="184666"/>
-          </a:xfrm>
-          <a:prstGeom prst="rect">
-            <a:avLst/>
-          </a:prstGeom>
-          <a:noFill/>
-        </p:spPr>
-        <p:txBody>
-          <a:bodyPr wrap="none" rtlCol="0">
-            <a:spAutoFit/>
-          </a:bodyPr>
-          <a:lstStyle/>
-          <a:p>
-            <a:r>
-              <a:rPr lang="da-DK" sz="600" dirty="0">
-                <a:solidFill>
-                  <a:schemeClr val="bg1"/>
-                </a:solidFill>
-              </a:rPr>
-              <a:t>Inventory</a:t>
-            </a:r>
-          </a:p>
-        </p:txBody>
-      </p:sp>
-      <p:sp>
-        <p:nvSpPr>
-          <p:cNvPr id="186" name="TextBox 185">
-            <a:extLst>
-              <a:ext uri="{FF2B5EF4-FFF2-40B4-BE49-F238E27FC236}">
-                <a16:creationId xmlns:a16="http://schemas.microsoft.com/office/drawing/2014/main" id="{C2B553FB-3072-4DF2-9331-F1B5B3B15475}"/>
-              </a:ext>
-            </a:extLst>
-          </p:cNvPr>
-          <p:cNvSpPr txBox="1"/>
-          <p:nvPr/>
-        </p:nvSpPr>
-        <p:spPr>
-          <a:xfrm>
-            <a:off x="12958486" y="18160167"/>
-            <a:ext cx="489236" cy="184666"/>
-          </a:xfrm>
-          <a:prstGeom prst="rect">
-            <a:avLst/>
-          </a:prstGeom>
-          <a:noFill/>
-        </p:spPr>
-        <p:txBody>
-          <a:bodyPr wrap="none" rtlCol="0">
-            <a:spAutoFit/>
-          </a:bodyPr>
-          <a:lstStyle/>
-          <a:p>
-            <a:r>
-              <a:rPr lang="da-DK" sz="600" dirty="0">
-                <a:solidFill>
-                  <a:schemeClr val="bg1"/>
-                </a:solidFill>
-              </a:rPr>
-              <a:t>Essentials</a:t>
-            </a:r>
-          </a:p>
-        </p:txBody>
-      </p:sp>
-      <p:sp>
-        <p:nvSpPr>
-          <p:cNvPr id="187" name="TextBox 186">
-            <a:extLst>
-              <a:ext uri="{FF2B5EF4-FFF2-40B4-BE49-F238E27FC236}">
-                <a16:creationId xmlns:a16="http://schemas.microsoft.com/office/drawing/2014/main" id="{9BAFE6C0-1E8A-4D08-9C83-CB98695AF28C}"/>
-              </a:ext>
-            </a:extLst>
-          </p:cNvPr>
-          <p:cNvSpPr txBox="1"/>
-          <p:nvPr/>
-        </p:nvSpPr>
-        <p:spPr>
-          <a:xfrm>
-            <a:off x="13447369" y="18158543"/>
-            <a:ext cx="474810" cy="184666"/>
-          </a:xfrm>
-          <a:prstGeom prst="rect">
-            <a:avLst/>
-          </a:prstGeom>
-          <a:noFill/>
-        </p:spPr>
-        <p:txBody>
-          <a:bodyPr wrap="none" rtlCol="0">
-            <a:spAutoFit/>
-          </a:bodyPr>
-          <a:lstStyle/>
-          <a:p>
-            <a:r>
-              <a:rPr lang="da-DK" sz="600" dirty="0">
-                <a:solidFill>
-                  <a:schemeClr val="bg1"/>
-                </a:solidFill>
-              </a:rPr>
-              <a:t>Shopping</a:t>
-            </a:r>
-          </a:p>
-        </p:txBody>
-      </p:sp>
-      <p:sp>
-        <p:nvSpPr>
-          <p:cNvPr id="188" name="TextBox 187">
-            <a:extLst>
-              <a:ext uri="{FF2B5EF4-FFF2-40B4-BE49-F238E27FC236}">
-                <a16:creationId xmlns:a16="http://schemas.microsoft.com/office/drawing/2014/main" id="{8E118EE3-B57A-4D0D-BA0D-F86CC3E52C12}"/>
-              </a:ext>
-            </a:extLst>
-          </p:cNvPr>
-          <p:cNvSpPr txBox="1"/>
-          <p:nvPr/>
-        </p:nvSpPr>
-        <p:spPr>
-          <a:xfrm>
-            <a:off x="13866876" y="18155295"/>
-            <a:ext cx="538930" cy="184666"/>
-          </a:xfrm>
-          <a:prstGeom prst="rect">
-            <a:avLst/>
-          </a:prstGeom>
-          <a:noFill/>
-        </p:spPr>
-        <p:txBody>
-          <a:bodyPr wrap="none" rtlCol="0">
-            <a:spAutoFit/>
-          </a:bodyPr>
-          <a:lstStyle/>
-          <a:p>
-            <a:r>
-              <a:rPr lang="da-DK" sz="600" dirty="0" err="1">
-                <a:solidFill>
-                  <a:schemeClr val="bg1"/>
-                </a:solidFill>
-              </a:rPr>
-              <a:t>Ingredients</a:t>
-            </a:r>
-            <a:endParaRPr lang="da-DK" sz="600" dirty="0">
-              <a:solidFill>
-                <a:schemeClr val="bg1"/>
-              </a:solidFill>
-            </a:endParaRPr>
-          </a:p>
-        </p:txBody>
-      </p:sp>
       <p:pic>
         <p:nvPicPr>
-          <p:cNvPr id="189" name="Picture 188">
+          <p:cNvPr id="184" name="Picture 183">
             <a:extLst>
               <a:ext uri="{FF2B5EF4-FFF2-40B4-BE49-F238E27FC236}">
-                <a16:creationId xmlns:a16="http://schemas.microsoft.com/office/drawing/2014/main" id="{43CC5180-F737-4E60-BAF8-7E709A9EAD8A}"/>
+                <a16:creationId xmlns:a16="http://schemas.microsoft.com/office/drawing/2014/main" id="{EC36E149-FD85-4E31-B736-9917A1AFB3EF}"/>
               </a:ext>
             </a:extLst>
           </p:cNvPr>
@@ -13264,8 +13110,8 @@
         </p:blipFill>
         <p:spPr>
           <a:xfrm>
-            <a:off x="12510590" y="18344833"/>
-            <a:ext cx="1891253" cy="2619785"/>
+            <a:off x="19432402" y="18478518"/>
+            <a:ext cx="1899814" cy="139152"/>
           </a:xfrm>
           <a:prstGeom prst="rect">
             <a:avLst/>
@@ -13274,10 +13120,10 @@
       </p:pic>
       <p:sp>
         <p:nvSpPr>
-          <p:cNvPr id="190" name="TextBox 189">
+          <p:cNvPr id="185" name="TextBox 184">
             <a:extLst>
               <a:ext uri="{FF2B5EF4-FFF2-40B4-BE49-F238E27FC236}">
-                <a16:creationId xmlns:a16="http://schemas.microsoft.com/office/drawing/2014/main" id="{8B21052B-93B5-472D-9553-FE9170591AD7}"/>
+                <a16:creationId xmlns:a16="http://schemas.microsoft.com/office/drawing/2014/main" id="{94DF9ABE-393C-4D2A-876F-A8EDA0FE5975}"/>
               </a:ext>
             </a:extLst>
           </p:cNvPr>
@@ -13286,8 +13132,8 @@
         </p:nvSpPr>
         <p:spPr>
           <a:xfrm>
-            <a:off x="12635705" y="19062597"/>
-            <a:ext cx="1679242" cy="1015663"/>
+            <a:off x="19396540" y="18431380"/>
+            <a:ext cx="486030" cy="184666"/>
           </a:xfrm>
           <a:prstGeom prst="rect">
             <a:avLst/>
@@ -13301,58 +13147,144 @@
           <a:lstStyle/>
           <a:p>
             <a:r>
-              <a:rPr lang="da-DK" sz="1200" dirty="0"/>
-              <a:t>Shopping liste</a:t>
-            </a:r>
-          </a:p>
-          <a:p>
-            <a:pPr marL="171450" indent="-171450">
-              <a:buFont typeface="Arial" panose="020B0604020202020204" pitchFamily="34" charset="0"/>
-              <a:buChar char="•"/>
-            </a:pPr>
-            <a:r>
-              <a:rPr lang="da-DK" sz="1200" dirty="0"/>
-              <a:t>Agurk, 1</a:t>
-            </a:r>
-          </a:p>
-          <a:p>
-            <a:pPr marL="171450" indent="-171450">
-              <a:buFont typeface="Arial" panose="020B0604020202020204" pitchFamily="34" charset="0"/>
-              <a:buChar char="•"/>
-            </a:pPr>
-            <a:r>
-              <a:rPr lang="da-DK" sz="1200" dirty="0"/>
-              <a:t>Rodfrugter, 500 gram</a:t>
-            </a:r>
-          </a:p>
-          <a:p>
-            <a:pPr marL="171450" indent="-171450">
-              <a:buFont typeface="Arial" panose="020B0604020202020204" pitchFamily="34" charset="0"/>
-              <a:buChar char="•"/>
-            </a:pPr>
-            <a:r>
-              <a:rPr lang="da-DK" sz="1200" dirty="0"/>
-              <a:t>Chips, 1</a:t>
-            </a:r>
-          </a:p>
-          <a:p>
-            <a:pPr marL="171450" indent="-171450">
-              <a:buFont typeface="Arial" panose="020B0604020202020204" pitchFamily="34" charset="0"/>
-              <a:buChar char="•"/>
-            </a:pPr>
-            <a:r>
-              <a:rPr lang="da-DK" sz="1200" dirty="0"/>
-              <a:t>Toiletpapir, 2</a:t>
-            </a:r>
+              <a:rPr lang="da-DK" sz="600" dirty="0">
+                <a:solidFill>
+                  <a:schemeClr val="bg1"/>
+                </a:solidFill>
+              </a:rPr>
+              <a:t>Inventory</a:t>
+            </a:r>
+          </a:p>
+        </p:txBody>
+      </p:sp>
+      <p:sp>
+        <p:nvSpPr>
+          <p:cNvPr id="186" name="TextBox 185">
+            <a:extLst>
+              <a:ext uri="{FF2B5EF4-FFF2-40B4-BE49-F238E27FC236}">
+                <a16:creationId xmlns:a16="http://schemas.microsoft.com/office/drawing/2014/main" id="{C2B553FB-3072-4DF2-9331-F1B5B3B15475}"/>
+              </a:ext>
+            </a:extLst>
+          </p:cNvPr>
+          <p:cNvSpPr txBox="1"/>
+          <p:nvPr/>
+        </p:nvSpPr>
+        <p:spPr>
+          <a:xfrm>
+            <a:off x="19880298" y="18160167"/>
+            <a:ext cx="489236" cy="184666"/>
+          </a:xfrm>
+          <a:prstGeom prst="rect">
+            <a:avLst/>
+          </a:prstGeom>
+          <a:noFill/>
+        </p:spPr>
+        <p:txBody>
+          <a:bodyPr wrap="none" rtlCol="0">
+            <a:spAutoFit/>
+          </a:bodyPr>
+          <a:lstStyle/>
+          <a:p>
+            <a:r>
+              <a:rPr lang="da-DK" sz="600" dirty="0">
+                <a:solidFill>
+                  <a:schemeClr val="bg1"/>
+                </a:solidFill>
+              </a:rPr>
+              <a:t>Essentials</a:t>
+            </a:r>
+          </a:p>
+        </p:txBody>
+      </p:sp>
+      <p:sp>
+        <p:nvSpPr>
+          <p:cNvPr id="187" name="TextBox 186">
+            <a:extLst>
+              <a:ext uri="{FF2B5EF4-FFF2-40B4-BE49-F238E27FC236}">
+                <a16:creationId xmlns:a16="http://schemas.microsoft.com/office/drawing/2014/main" id="{9BAFE6C0-1E8A-4D08-9C83-CB98695AF28C}"/>
+              </a:ext>
+            </a:extLst>
+          </p:cNvPr>
+          <p:cNvSpPr txBox="1"/>
+          <p:nvPr/>
+        </p:nvSpPr>
+        <p:spPr>
+          <a:xfrm>
+            <a:off x="20369181" y="18158543"/>
+            <a:ext cx="474810" cy="184666"/>
+          </a:xfrm>
+          <a:prstGeom prst="rect">
+            <a:avLst/>
+          </a:prstGeom>
+          <a:noFill/>
+        </p:spPr>
+        <p:txBody>
+          <a:bodyPr wrap="none" rtlCol="0">
+            <a:spAutoFit/>
+          </a:bodyPr>
+          <a:lstStyle/>
+          <a:p>
+            <a:r>
+              <a:rPr lang="da-DK" sz="600" dirty="0">
+                <a:solidFill>
+                  <a:schemeClr val="bg1"/>
+                </a:solidFill>
+              </a:rPr>
+              <a:t>Shopping</a:t>
+            </a:r>
+          </a:p>
+        </p:txBody>
+      </p:sp>
+      <p:sp>
+        <p:nvSpPr>
+          <p:cNvPr id="188" name="TextBox 187">
+            <a:extLst>
+              <a:ext uri="{FF2B5EF4-FFF2-40B4-BE49-F238E27FC236}">
+                <a16:creationId xmlns:a16="http://schemas.microsoft.com/office/drawing/2014/main" id="{8E118EE3-B57A-4D0D-BA0D-F86CC3E52C12}"/>
+              </a:ext>
+            </a:extLst>
+          </p:cNvPr>
+          <p:cNvSpPr txBox="1"/>
+          <p:nvPr/>
+        </p:nvSpPr>
+        <p:spPr>
+          <a:xfrm>
+            <a:off x="20788688" y="18155295"/>
+            <a:ext cx="538930" cy="184666"/>
+          </a:xfrm>
+          <a:prstGeom prst="rect">
+            <a:avLst/>
+          </a:prstGeom>
+          <a:noFill/>
+        </p:spPr>
+        <p:txBody>
+          <a:bodyPr wrap="none" rtlCol="0">
+            <a:spAutoFit/>
+          </a:bodyPr>
+          <a:lstStyle/>
+          <a:p>
+            <a:r>
+              <a:rPr lang="da-DK" sz="600" dirty="0" err="1">
+                <a:solidFill>
+                  <a:schemeClr val="bg1"/>
+                </a:solidFill>
+              </a:rPr>
+              <a:t>Ingredients</a:t>
+            </a:r>
+            <a:endParaRPr lang="da-DK" sz="600" dirty="0">
+              <a:solidFill>
+                <a:schemeClr val="bg1"/>
+              </a:solidFill>
+            </a:endParaRPr>
           </a:p>
         </p:txBody>
       </p:sp>
       <p:pic>
         <p:nvPicPr>
-          <p:cNvPr id="191" name="Picture 190">
+          <p:cNvPr id="189" name="Picture 188">
             <a:extLst>
               <a:ext uri="{FF2B5EF4-FFF2-40B4-BE49-F238E27FC236}">
-                <a16:creationId xmlns:a16="http://schemas.microsoft.com/office/drawing/2014/main" id="{4E94B10D-367E-47B6-9E3F-06303A0E9C69}"/>
+                <a16:creationId xmlns:a16="http://schemas.microsoft.com/office/drawing/2014/main" id="{43CC5180-F737-4E60-BAF8-7E709A9EAD8A}"/>
               </a:ext>
             </a:extLst>
           </p:cNvPr>
@@ -13369,7 +13301,112 @@
         </p:blipFill>
         <p:spPr>
           <a:xfrm>
-            <a:off x="13212202" y="20402938"/>
+            <a:off x="19432402" y="18344833"/>
+            <a:ext cx="1891253" cy="2619785"/>
+          </a:xfrm>
+          <a:prstGeom prst="rect">
+            <a:avLst/>
+          </a:prstGeom>
+        </p:spPr>
+      </p:pic>
+      <p:sp>
+        <p:nvSpPr>
+          <p:cNvPr id="190" name="TextBox 189">
+            <a:extLst>
+              <a:ext uri="{FF2B5EF4-FFF2-40B4-BE49-F238E27FC236}">
+                <a16:creationId xmlns:a16="http://schemas.microsoft.com/office/drawing/2014/main" id="{8B21052B-93B5-472D-9553-FE9170591AD7}"/>
+              </a:ext>
+            </a:extLst>
+          </p:cNvPr>
+          <p:cNvSpPr txBox="1"/>
+          <p:nvPr/>
+        </p:nvSpPr>
+        <p:spPr>
+          <a:xfrm>
+            <a:off x="19557517" y="19062597"/>
+            <a:ext cx="1774781" cy="1015663"/>
+          </a:xfrm>
+          <a:prstGeom prst="rect">
+            <a:avLst/>
+          </a:prstGeom>
+          <a:noFill/>
+        </p:spPr>
+        <p:txBody>
+          <a:bodyPr wrap="none" rtlCol="0">
+            <a:spAutoFit/>
+          </a:bodyPr>
+          <a:lstStyle/>
+          <a:p>
+            <a:r>
+              <a:rPr lang="da-DK" sz="1200" dirty="0"/>
+              <a:t>Shopping liste - rengøring</a:t>
+            </a:r>
+          </a:p>
+          <a:p>
+            <a:pPr marL="171450" indent="-171450">
+              <a:buFont typeface="Arial" panose="020B0604020202020204" pitchFamily="34" charset="0"/>
+              <a:buChar char="•"/>
+            </a:pPr>
+            <a:r>
+              <a:rPr lang="da-DK" sz="1200" dirty="0"/>
+              <a:t>Poser x2</a:t>
+            </a:r>
+          </a:p>
+          <a:p>
+            <a:pPr marL="171450" indent="-171450">
+              <a:buFont typeface="Arial" panose="020B0604020202020204" pitchFamily="34" charset="0"/>
+              <a:buChar char="•"/>
+            </a:pPr>
+            <a:r>
+              <a:rPr lang="da-DK" sz="1200" dirty="0"/>
+              <a:t>Klude x2</a:t>
+            </a:r>
+          </a:p>
+          <a:p>
+            <a:pPr marL="171450" indent="-171450">
+              <a:buFont typeface="Arial" panose="020B0604020202020204" pitchFamily="34" charset="0"/>
+              <a:buChar char="•"/>
+            </a:pPr>
+            <a:r>
+              <a:rPr lang="da-DK" sz="1200" dirty="0"/>
+              <a:t>Opvasketabs x1</a:t>
+            </a:r>
+          </a:p>
+          <a:p>
+            <a:pPr marL="171450" indent="-171450">
+              <a:buFont typeface="Arial" panose="020B0604020202020204" pitchFamily="34" charset="0"/>
+              <a:buChar char="•"/>
+            </a:pPr>
+            <a:r>
+              <a:rPr lang="da-DK" sz="1200" dirty="0"/>
+              <a:t>Kalkfjerner x1</a:t>
+            </a:r>
+          </a:p>
+        </p:txBody>
+      </p:sp>
+      <p:pic>
+        <p:nvPicPr>
+          <p:cNvPr id="191" name="Picture 190">
+            <a:extLst>
+              <a:ext uri="{FF2B5EF4-FFF2-40B4-BE49-F238E27FC236}">
+                <a16:creationId xmlns:a16="http://schemas.microsoft.com/office/drawing/2014/main" id="{4E94B10D-367E-47B6-9E3F-06303A0E9C69}"/>
+              </a:ext>
+            </a:extLst>
+          </p:cNvPr>
+          <p:cNvPicPr>
+            <a:picLocks noChangeAspect="1"/>
+          </p:cNvPicPr>
+          <p:nvPr/>
+        </p:nvPicPr>
+        <p:blipFill>
+          <a:blip r:embed="rId21"/>
+          <a:stretch>
+            <a:fillRect/>
+          </a:stretch>
+        </p:blipFill>
+        <p:spPr>
+          <a:xfrm>
+            <a:off x="20134014" y="20402938"/>
             <a:ext cx="470333" cy="207821"/>
           </a:xfrm>
           <a:prstGeom prst="rect">
@@ -13391,7 +13428,7 @@
         </p:nvSpPr>
         <p:spPr>
           <a:xfrm>
-            <a:off x="14523149" y="18779780"/>
+            <a:off x="14512023" y="18355088"/>
             <a:ext cx="2736756" cy="1999695"/>
           </a:xfrm>
           <a:prstGeom prst="rect">
@@ -13437,8 +13474,8 @@
         </p:nvSpPr>
         <p:spPr>
           <a:xfrm>
-            <a:off x="14488608" y="18783641"/>
-            <a:ext cx="2382896" cy="2492990"/>
+            <a:off x="14477482" y="18358949"/>
+            <a:ext cx="2791149" cy="2492990"/>
           </a:xfrm>
           <a:prstGeom prst="rect">
             <a:avLst/>
@@ -13452,12 +13489,20 @@
           <a:lstStyle/>
           <a:p>
             <a:r>
+              <a:rPr lang="da-DK" sz="1200" b="1" dirty="0" err="1">
+                <a:solidFill>
+                  <a:schemeClr val="bg1"/>
+                </a:solidFill>
+              </a:rPr>
+              <a:t>Shoppingliste</a:t>
+            </a:r>
+            <a:r>
               <a:rPr lang="da-DK" sz="1200" b="1" dirty="0">
                 <a:solidFill>
                   <a:schemeClr val="bg1"/>
                 </a:solidFill>
               </a:rPr>
-              <a:t>Shopping tab</a:t>
+              <a:t> tab</a:t>
             </a:r>
           </a:p>
           <a:p>
@@ -13512,22 +13557,7 @@
                   <a:schemeClr val="bg1"/>
                 </a:solidFill>
               </a:rPr>
-              <a:t>Tilføj ting – tilføj et item til listen</a:t>
-            </a:r>
-            <a:br>
-              <a:rPr lang="da-DK" sz="1200" dirty="0">
-                <a:solidFill>
-                  <a:schemeClr val="bg1"/>
-                </a:solidFill>
-              </a:rPr>
-            </a:br>
-            <a:r>
-              <a:rPr lang="da-DK" sz="1200" dirty="0">
-                <a:solidFill>
-                  <a:schemeClr val="bg1"/>
-                </a:solidFill>
-              </a:rPr>
-              <a:t>vha. </a:t>
+              <a:t>Tilføj ting – tilføj en liste vha. </a:t>
             </a:r>
             <a:r>
               <a:rPr lang="da-DK" sz="1200" dirty="0" err="1">
@@ -13535,7 +13565,7 @@
                   <a:schemeClr val="bg1"/>
                 </a:solidFill>
               </a:rPr>
-              <a:t>dialogBox</a:t>
+              <a:t>dialogbox</a:t>
             </a:r>
             <a:endParaRPr lang="da-DK" sz="1200" dirty="0">
               <a:solidFill>
@@ -13583,22 +13613,6 @@
               </a:rPr>
               <a:t>name</a:t>
             </a:r>
-            <a:r>
-              <a:rPr lang="da-DK" sz="1200" dirty="0">
-                <a:solidFill>
-                  <a:schemeClr val="bg1"/>
-                </a:solidFill>
-              </a:rPr>
-              <a:t>, </a:t>
-            </a:r>
-            <a:r>
-              <a:rPr lang="da-DK" sz="1200" dirty="0" err="1">
-                <a:solidFill>
-                  <a:schemeClr val="bg1"/>
-                </a:solidFill>
-              </a:rPr>
-              <a:t>quantity</a:t>
-            </a:r>
             <a:endParaRPr lang="da-DK" sz="1200" dirty="0">
               <a:solidFill>
                 <a:schemeClr val="bg1"/>
@@ -13624,8 +13638,29 @@
                   <a:schemeClr val="bg1"/>
                 </a:solidFill>
               </a:rPr>
-              <a:t> item</a:t>
-            </a:r>
+              <a:t> </a:t>
+            </a:r>
+            <a:r>
+              <a:rPr lang="da-DK" sz="1200" dirty="0" err="1">
+                <a:solidFill>
+                  <a:schemeClr val="bg1"/>
+                </a:solidFill>
+              </a:rPr>
+              <a:t>shoppinglist</a:t>
+            </a:r>
+            <a:endParaRPr lang="da-DK" sz="1200" dirty="0">
+              <a:solidFill>
+                <a:schemeClr val="bg1"/>
+              </a:solidFill>
+            </a:endParaRPr>
+          </a:p>
+          <a:p>
+            <a:pPr lvl="1"/>
+            <a:endParaRPr lang="da-DK" sz="1200" dirty="0">
+              <a:solidFill>
+                <a:schemeClr val="bg1"/>
+              </a:solidFill>
+            </a:endParaRPr>
           </a:p>
           <a:p>
             <a:pPr marL="171450" indent="-171450">
@@ -13713,7 +13748,7 @@
         </p:nvSpPr>
         <p:spPr>
           <a:xfrm>
-            <a:off x="12502463" y="18170422"/>
+            <a:off x="19424275" y="18170422"/>
             <a:ext cx="486030" cy="184666"/>
           </a:xfrm>
           <a:prstGeom prst="rect">
@@ -13753,14 +13788,14 @@
           <p:nvPr/>
         </p:nvPicPr>
         <p:blipFill>
-          <a:blip r:embed="rId17"/>
+          <a:blip r:embed="rId18"/>
           <a:stretch>
             <a:fillRect/>
           </a:stretch>
         </p:blipFill>
         <p:spPr>
           <a:xfrm>
-            <a:off x="12511108" y="17967941"/>
+            <a:off x="19432920" y="17967941"/>
             <a:ext cx="1899814" cy="255158"/>
           </a:xfrm>
           <a:prstGeom prst="rect">
@@ -13861,7 +13896,7 @@
           <p:nvPr/>
         </p:nvPicPr>
         <p:blipFill rotWithShape="1">
-          <a:blip r:embed="rId16">
+          <a:blip r:embed="rId17">
             <a:extLst>
               <a:ext uri="{28A0092B-C50C-407E-A947-70E740481C1C}">
                 <a14:useLocalDpi xmlns:a14="http://schemas.microsoft.com/office/drawing/2010/main" val="0"/>
@@ -13873,7 +13908,7 @@
         </p:blipFill>
         <p:spPr bwMode="auto">
           <a:xfrm>
-            <a:off x="12525081" y="21078606"/>
+            <a:off x="19446893" y="21078606"/>
             <a:ext cx="1891253" cy="3114548"/>
           </a:xfrm>
           <a:prstGeom prst="rect">
@@ -13897,36 +13932,6 @@
             <a:extLst>
               <a:ext uri="{FF2B5EF4-FFF2-40B4-BE49-F238E27FC236}">
                 <a16:creationId xmlns:a16="http://schemas.microsoft.com/office/drawing/2014/main" id="{955B8BAA-73DE-4F7C-ADD9-F764765FE609}"/>
-              </a:ext>
-            </a:extLst>
-          </p:cNvPr>
-          <p:cNvPicPr>
-            <a:picLocks noChangeAspect="1"/>
-          </p:cNvPicPr>
-          <p:nvPr/>
-        </p:nvPicPr>
-        <p:blipFill>
-          <a:blip r:embed="rId17"/>
-          <a:stretch>
-            <a:fillRect/>
-          </a:stretch>
-        </p:blipFill>
-        <p:spPr>
-          <a:xfrm>
-            <a:off x="12525080" y="21439256"/>
-            <a:ext cx="1899814" cy="255158"/>
-          </a:xfrm>
-          <a:prstGeom prst="rect">
-            <a:avLst/>
-          </a:prstGeom>
-        </p:spPr>
-      </p:pic>
-      <p:pic>
-        <p:nvPicPr>
-          <p:cNvPr id="201" name="Picture 200">
-            <a:extLst>
-              <a:ext uri="{FF2B5EF4-FFF2-40B4-BE49-F238E27FC236}">
-                <a16:creationId xmlns:a16="http://schemas.microsoft.com/office/drawing/2014/main" id="{CCC4B9DD-591D-4A1C-B0FF-596981DFB758}"/>
               </a:ext>
             </a:extLst>
           </p:cNvPr>
@@ -13943,181 +13948,20 @@
         </p:blipFill>
         <p:spPr>
           <a:xfrm>
-            <a:off x="12525080" y="21673904"/>
-            <a:ext cx="1899814" cy="139152"/>
+            <a:off x="19446892" y="21439256"/>
+            <a:ext cx="1899814" cy="255158"/>
           </a:xfrm>
           <a:prstGeom prst="rect">
             <a:avLst/>
           </a:prstGeom>
         </p:spPr>
       </p:pic>
-      <p:sp>
-        <p:nvSpPr>
-          <p:cNvPr id="202" name="TextBox 201">
-            <a:extLst>
-              <a:ext uri="{FF2B5EF4-FFF2-40B4-BE49-F238E27FC236}">
-                <a16:creationId xmlns:a16="http://schemas.microsoft.com/office/drawing/2014/main" id="{EE2F8314-6521-4BF8-A999-7EB8320B986E}"/>
-              </a:ext>
-            </a:extLst>
-          </p:cNvPr>
-          <p:cNvSpPr txBox="1"/>
-          <p:nvPr/>
-        </p:nvSpPr>
-        <p:spPr>
-          <a:xfrm>
-            <a:off x="12489218" y="21626766"/>
-            <a:ext cx="486030" cy="184666"/>
-          </a:xfrm>
-          <a:prstGeom prst="rect">
-            <a:avLst/>
-          </a:prstGeom>
-          <a:noFill/>
-        </p:spPr>
-        <p:txBody>
-          <a:bodyPr wrap="none" rtlCol="0">
-            <a:spAutoFit/>
-          </a:bodyPr>
-          <a:lstStyle/>
-          <a:p>
-            <a:r>
-              <a:rPr lang="da-DK" sz="600" dirty="0">
-                <a:solidFill>
-                  <a:schemeClr val="bg1"/>
-                </a:solidFill>
-              </a:rPr>
-              <a:t>Inventory</a:t>
-            </a:r>
-          </a:p>
-        </p:txBody>
-      </p:sp>
-      <p:sp>
-        <p:nvSpPr>
-          <p:cNvPr id="203" name="TextBox 202">
-            <a:extLst>
-              <a:ext uri="{FF2B5EF4-FFF2-40B4-BE49-F238E27FC236}">
-                <a16:creationId xmlns:a16="http://schemas.microsoft.com/office/drawing/2014/main" id="{4203665D-7340-4A8D-8465-22C12565007B}"/>
-              </a:ext>
-            </a:extLst>
-          </p:cNvPr>
-          <p:cNvSpPr txBox="1"/>
-          <p:nvPr/>
-        </p:nvSpPr>
-        <p:spPr>
-          <a:xfrm>
-            <a:off x="12972976" y="21355553"/>
-            <a:ext cx="489236" cy="184666"/>
-          </a:xfrm>
-          <a:prstGeom prst="rect">
-            <a:avLst/>
-          </a:prstGeom>
-          <a:noFill/>
-        </p:spPr>
-        <p:txBody>
-          <a:bodyPr wrap="none" rtlCol="0">
-            <a:spAutoFit/>
-          </a:bodyPr>
-          <a:lstStyle/>
-          <a:p>
-            <a:r>
-              <a:rPr lang="da-DK" sz="600" dirty="0">
-                <a:solidFill>
-                  <a:schemeClr val="bg1"/>
-                </a:solidFill>
-              </a:rPr>
-              <a:t>Essentials</a:t>
-            </a:r>
-          </a:p>
-        </p:txBody>
-      </p:sp>
-      <p:sp>
-        <p:nvSpPr>
-          <p:cNvPr id="204" name="TextBox 203">
-            <a:extLst>
-              <a:ext uri="{FF2B5EF4-FFF2-40B4-BE49-F238E27FC236}">
-                <a16:creationId xmlns:a16="http://schemas.microsoft.com/office/drawing/2014/main" id="{6BAE6C59-F56D-4B0C-AE78-42E4F7B5BC09}"/>
-              </a:ext>
-            </a:extLst>
-          </p:cNvPr>
-          <p:cNvSpPr txBox="1"/>
-          <p:nvPr/>
-        </p:nvSpPr>
-        <p:spPr>
-          <a:xfrm>
-            <a:off x="13461859" y="21353929"/>
-            <a:ext cx="474810" cy="184666"/>
-          </a:xfrm>
-          <a:prstGeom prst="rect">
-            <a:avLst/>
-          </a:prstGeom>
-          <a:noFill/>
-        </p:spPr>
-        <p:txBody>
-          <a:bodyPr wrap="none" rtlCol="0">
-            <a:spAutoFit/>
-          </a:bodyPr>
-          <a:lstStyle/>
-          <a:p>
-            <a:r>
-              <a:rPr lang="da-DK" sz="600" dirty="0">
-                <a:solidFill>
-                  <a:schemeClr val="bg1"/>
-                </a:solidFill>
-              </a:rPr>
-              <a:t>Shopping</a:t>
-            </a:r>
-          </a:p>
-        </p:txBody>
-      </p:sp>
-      <p:sp>
-        <p:nvSpPr>
-          <p:cNvPr id="205" name="TextBox 204">
-            <a:extLst>
-              <a:ext uri="{FF2B5EF4-FFF2-40B4-BE49-F238E27FC236}">
-                <a16:creationId xmlns:a16="http://schemas.microsoft.com/office/drawing/2014/main" id="{64AEA4FD-822F-44D9-B92B-517DD526F418}"/>
-              </a:ext>
-            </a:extLst>
-          </p:cNvPr>
-          <p:cNvSpPr txBox="1"/>
-          <p:nvPr/>
-        </p:nvSpPr>
-        <p:spPr>
-          <a:xfrm>
-            <a:off x="13881366" y="21350681"/>
-            <a:ext cx="538930" cy="184666"/>
-          </a:xfrm>
-          <a:prstGeom prst="rect">
-            <a:avLst/>
-          </a:prstGeom>
-          <a:noFill/>
-        </p:spPr>
-        <p:txBody>
-          <a:bodyPr wrap="none" rtlCol="0">
-            <a:spAutoFit/>
-          </a:bodyPr>
-          <a:lstStyle/>
-          <a:p>
-            <a:r>
-              <a:rPr lang="da-DK" sz="600" dirty="0" err="1">
-                <a:solidFill>
-                  <a:schemeClr val="bg1"/>
-                </a:solidFill>
-              </a:rPr>
-              <a:t>Ingredients</a:t>
-            </a:r>
-            <a:endParaRPr lang="da-DK" sz="600" dirty="0">
-              <a:solidFill>
-                <a:schemeClr val="bg1"/>
-              </a:solidFill>
-            </a:endParaRPr>
-          </a:p>
-        </p:txBody>
-      </p:sp>
       <p:pic>
         <p:nvPicPr>
-          <p:cNvPr id="206" name="Picture 205">
+          <p:cNvPr id="201" name="Picture 200">
             <a:extLst>
               <a:ext uri="{FF2B5EF4-FFF2-40B4-BE49-F238E27FC236}">
-                <a16:creationId xmlns:a16="http://schemas.microsoft.com/office/drawing/2014/main" id="{574A3883-BF5C-4EEF-8451-11AA83407DF9}"/>
+                <a16:creationId xmlns:a16="http://schemas.microsoft.com/office/drawing/2014/main" id="{CCC4B9DD-591D-4A1C-B0FF-596981DFB758}"/>
               </a:ext>
             </a:extLst>
           </p:cNvPr>
@@ -14134,8 +13978,8 @@
         </p:blipFill>
         <p:spPr>
           <a:xfrm>
-            <a:off x="12525080" y="21540219"/>
-            <a:ext cx="1891253" cy="2619785"/>
+            <a:off x="19446892" y="21673904"/>
+            <a:ext cx="1899814" cy="139152"/>
           </a:xfrm>
           <a:prstGeom prst="rect">
             <a:avLst/>
@@ -14144,10 +13988,10 @@
       </p:pic>
       <p:sp>
         <p:nvSpPr>
-          <p:cNvPr id="207" name="TextBox 206">
+          <p:cNvPr id="202" name="TextBox 201">
             <a:extLst>
               <a:ext uri="{FF2B5EF4-FFF2-40B4-BE49-F238E27FC236}">
-                <a16:creationId xmlns:a16="http://schemas.microsoft.com/office/drawing/2014/main" id="{92DE24FD-0F72-48C0-9AA9-AB4A5553DB4C}"/>
+                <a16:creationId xmlns:a16="http://schemas.microsoft.com/office/drawing/2014/main" id="{EE2F8314-6521-4BF8-A999-7EB8320B986E}"/>
               </a:ext>
             </a:extLst>
           </p:cNvPr>
@@ -14156,8 +14000,8 @@
         </p:nvSpPr>
         <p:spPr>
           <a:xfrm>
-            <a:off x="12803926" y="22355331"/>
-            <a:ext cx="1482842" cy="830997"/>
+            <a:off x="19411030" y="21626766"/>
+            <a:ext cx="486030" cy="184666"/>
           </a:xfrm>
           <a:prstGeom prst="rect">
             <a:avLst/>
@@ -14171,52 +14015,144 @@
           <a:lstStyle/>
           <a:p>
             <a:r>
-              <a:rPr lang="da-DK" sz="1200" dirty="0" err="1"/>
+              <a:rPr lang="da-DK" sz="600" dirty="0">
+                <a:solidFill>
+                  <a:schemeClr val="bg1"/>
+                </a:solidFill>
+              </a:rPr>
+              <a:t>Inventory</a:t>
+            </a:r>
+          </a:p>
+        </p:txBody>
+      </p:sp>
+      <p:sp>
+        <p:nvSpPr>
+          <p:cNvPr id="203" name="TextBox 202">
+            <a:extLst>
+              <a:ext uri="{FF2B5EF4-FFF2-40B4-BE49-F238E27FC236}">
+                <a16:creationId xmlns:a16="http://schemas.microsoft.com/office/drawing/2014/main" id="{4203665D-7340-4A8D-8465-22C12565007B}"/>
+              </a:ext>
+            </a:extLst>
+          </p:cNvPr>
+          <p:cNvSpPr txBox="1"/>
+          <p:nvPr/>
+        </p:nvSpPr>
+        <p:spPr>
+          <a:xfrm>
+            <a:off x="19894788" y="21355553"/>
+            <a:ext cx="489236" cy="184666"/>
+          </a:xfrm>
+          <a:prstGeom prst="rect">
+            <a:avLst/>
+          </a:prstGeom>
+          <a:noFill/>
+        </p:spPr>
+        <p:txBody>
+          <a:bodyPr wrap="none" rtlCol="0">
+            <a:spAutoFit/>
+          </a:bodyPr>
+          <a:lstStyle/>
+          <a:p>
+            <a:r>
+              <a:rPr lang="da-DK" sz="600" dirty="0">
+                <a:solidFill>
+                  <a:schemeClr val="bg1"/>
+                </a:solidFill>
+              </a:rPr>
+              <a:t>Essentials</a:t>
+            </a:r>
+          </a:p>
+        </p:txBody>
+      </p:sp>
+      <p:sp>
+        <p:nvSpPr>
+          <p:cNvPr id="204" name="TextBox 203">
+            <a:extLst>
+              <a:ext uri="{FF2B5EF4-FFF2-40B4-BE49-F238E27FC236}">
+                <a16:creationId xmlns:a16="http://schemas.microsoft.com/office/drawing/2014/main" id="{6BAE6C59-F56D-4B0C-AE78-42E4F7B5BC09}"/>
+              </a:ext>
+            </a:extLst>
+          </p:cNvPr>
+          <p:cNvSpPr txBox="1"/>
+          <p:nvPr/>
+        </p:nvSpPr>
+        <p:spPr>
+          <a:xfrm>
+            <a:off x="20383671" y="21353929"/>
+            <a:ext cx="474810" cy="184666"/>
+          </a:xfrm>
+          <a:prstGeom prst="rect">
+            <a:avLst/>
+          </a:prstGeom>
+          <a:noFill/>
+        </p:spPr>
+        <p:txBody>
+          <a:bodyPr wrap="none" rtlCol="0">
+            <a:spAutoFit/>
+          </a:bodyPr>
+          <a:lstStyle/>
+          <a:p>
+            <a:r>
+              <a:rPr lang="da-DK" sz="600" dirty="0">
+                <a:solidFill>
+                  <a:schemeClr val="bg1"/>
+                </a:solidFill>
+              </a:rPr>
+              <a:t>Shopping</a:t>
+            </a:r>
+          </a:p>
+        </p:txBody>
+      </p:sp>
+      <p:sp>
+        <p:nvSpPr>
+          <p:cNvPr id="205" name="TextBox 204">
+            <a:extLst>
+              <a:ext uri="{FF2B5EF4-FFF2-40B4-BE49-F238E27FC236}">
+                <a16:creationId xmlns:a16="http://schemas.microsoft.com/office/drawing/2014/main" id="{64AEA4FD-822F-44D9-B92B-517DD526F418}"/>
+              </a:ext>
+            </a:extLst>
+          </p:cNvPr>
+          <p:cNvSpPr txBox="1"/>
+          <p:nvPr/>
+        </p:nvSpPr>
+        <p:spPr>
+          <a:xfrm>
+            <a:off x="20803178" y="21350681"/>
+            <a:ext cx="538930" cy="184666"/>
+          </a:xfrm>
+          <a:prstGeom prst="rect">
+            <a:avLst/>
+          </a:prstGeom>
+          <a:noFill/>
+        </p:spPr>
+        <p:txBody>
+          <a:bodyPr wrap="none" rtlCol="0">
+            <a:spAutoFit/>
+          </a:bodyPr>
+          <a:lstStyle/>
+          <a:p>
+            <a:r>
+              <a:rPr lang="da-DK" sz="600" dirty="0" err="1">
+                <a:solidFill>
+                  <a:schemeClr val="bg1"/>
+                </a:solidFill>
+              </a:rPr>
               <a:t>Ingredients</a:t>
             </a:r>
-            <a:r>
-              <a:rPr lang="da-DK" sz="1200" dirty="0"/>
-              <a:t> til boller:</a:t>
-            </a:r>
-          </a:p>
-          <a:p>
-            <a:pPr marL="171450" indent="-171450">
-              <a:buFont typeface="Arial" panose="020B0604020202020204" pitchFamily="34" charset="0"/>
-              <a:buChar char="•"/>
-            </a:pPr>
-            <a:r>
-              <a:rPr lang="da-DK" sz="1200" dirty="0"/>
-              <a:t>Gær, 25 gram</a:t>
-            </a:r>
-          </a:p>
-          <a:p>
-            <a:pPr marL="171450" indent="-171450">
-              <a:buFont typeface="Arial" panose="020B0604020202020204" pitchFamily="34" charset="0"/>
-              <a:buChar char="•"/>
-            </a:pPr>
-            <a:r>
-              <a:rPr lang="da-DK" sz="1200" dirty="0"/>
-              <a:t>Sukker 100 gram</a:t>
-            </a:r>
-          </a:p>
-          <a:p>
-            <a:pPr marL="171450" indent="-171450">
-              <a:buFont typeface="Arial" panose="020B0604020202020204" pitchFamily="34" charset="0"/>
-              <a:buChar char="•"/>
-            </a:pPr>
-            <a:r>
-              <a:rPr lang="da-DK" sz="1200" dirty="0"/>
-              <a:t>Mel 1500 gram</a:t>
-            </a:r>
+            <a:endParaRPr lang="da-DK" sz="600" dirty="0">
+              <a:solidFill>
+                <a:schemeClr val="bg1"/>
+              </a:solidFill>
+            </a:endParaRPr>
           </a:p>
         </p:txBody>
       </p:sp>
       <p:pic>
         <p:nvPicPr>
-          <p:cNvPr id="208" name="Picture 207">
+          <p:cNvPr id="206" name="Picture 205">
             <a:extLst>
               <a:ext uri="{FF2B5EF4-FFF2-40B4-BE49-F238E27FC236}">
-                <a16:creationId xmlns:a16="http://schemas.microsoft.com/office/drawing/2014/main" id="{91168A64-26C8-4B1F-9646-87A5E1514895}"/>
+                <a16:creationId xmlns:a16="http://schemas.microsoft.com/office/drawing/2014/main" id="{574A3883-BF5C-4EEF-8451-11AA83407DF9}"/>
               </a:ext>
             </a:extLst>
           </p:cNvPr>
@@ -14233,7 +14169,106 @@
         </p:blipFill>
         <p:spPr>
           <a:xfrm>
-            <a:off x="13226692" y="23598324"/>
+            <a:off x="19446892" y="21540219"/>
+            <a:ext cx="1891253" cy="2619785"/>
+          </a:xfrm>
+          <a:prstGeom prst="rect">
+            <a:avLst/>
+          </a:prstGeom>
+        </p:spPr>
+      </p:pic>
+      <p:sp>
+        <p:nvSpPr>
+          <p:cNvPr id="207" name="TextBox 206">
+            <a:extLst>
+              <a:ext uri="{FF2B5EF4-FFF2-40B4-BE49-F238E27FC236}">
+                <a16:creationId xmlns:a16="http://schemas.microsoft.com/office/drawing/2014/main" id="{92DE24FD-0F72-48C0-9AA9-AB4A5553DB4C}"/>
+              </a:ext>
+            </a:extLst>
+          </p:cNvPr>
+          <p:cNvSpPr txBox="1"/>
+          <p:nvPr/>
+        </p:nvSpPr>
+        <p:spPr>
+          <a:xfrm>
+            <a:off x="19725738" y="22355331"/>
+            <a:ext cx="1482842" cy="830997"/>
+          </a:xfrm>
+          <a:prstGeom prst="rect">
+            <a:avLst/>
+          </a:prstGeom>
+          <a:noFill/>
+        </p:spPr>
+        <p:txBody>
+          <a:bodyPr wrap="none" rtlCol="0">
+            <a:spAutoFit/>
+          </a:bodyPr>
+          <a:lstStyle/>
+          <a:p>
+            <a:r>
+              <a:rPr lang="da-DK" sz="1200" dirty="0" err="1"/>
+              <a:t>Ingredients</a:t>
+            </a:r>
+            <a:r>
+              <a:rPr lang="da-DK" sz="1200" dirty="0"/>
+              <a:t> til boller:</a:t>
+            </a:r>
+          </a:p>
+          <a:p>
+            <a:pPr marL="171450" indent="-171450">
+              <a:buFont typeface="Arial" panose="020B0604020202020204" pitchFamily="34" charset="0"/>
+              <a:buChar char="•"/>
+            </a:pPr>
+            <a:r>
+              <a:rPr lang="da-DK" sz="1200" dirty="0"/>
+              <a:t>Gær, 25 gram</a:t>
+            </a:r>
+          </a:p>
+          <a:p>
+            <a:pPr marL="171450" indent="-171450">
+              <a:buFont typeface="Arial" panose="020B0604020202020204" pitchFamily="34" charset="0"/>
+              <a:buChar char="•"/>
+            </a:pPr>
+            <a:r>
+              <a:rPr lang="da-DK" sz="1200" dirty="0"/>
+              <a:t>Sukker 100 gram</a:t>
+            </a:r>
+          </a:p>
+          <a:p>
+            <a:pPr marL="171450" indent="-171450">
+              <a:buFont typeface="Arial" panose="020B0604020202020204" pitchFamily="34" charset="0"/>
+              <a:buChar char="•"/>
+            </a:pPr>
+            <a:r>
+              <a:rPr lang="da-DK" sz="1200" dirty="0"/>
+              <a:t>Mel 1500 gram</a:t>
+            </a:r>
+          </a:p>
+        </p:txBody>
+      </p:sp>
+      <p:pic>
+        <p:nvPicPr>
+          <p:cNvPr id="208" name="Picture 207">
+            <a:extLst>
+              <a:ext uri="{FF2B5EF4-FFF2-40B4-BE49-F238E27FC236}">
+                <a16:creationId xmlns:a16="http://schemas.microsoft.com/office/drawing/2014/main" id="{91168A64-26C8-4B1F-9646-87A5E1514895}"/>
+              </a:ext>
+            </a:extLst>
+          </p:cNvPr>
+          <p:cNvPicPr>
+            <a:picLocks noChangeAspect="1"/>
+          </p:cNvPicPr>
+          <p:nvPr/>
+        </p:nvPicPr>
+        <p:blipFill>
+          <a:blip r:embed="rId21"/>
+          <a:stretch>
+            <a:fillRect/>
+          </a:stretch>
+        </p:blipFill>
+        <p:spPr>
+          <a:xfrm>
+            <a:off x="20148504" y="23598324"/>
             <a:ext cx="470333" cy="207821"/>
           </a:xfrm>
           <a:prstGeom prst="rect">
@@ -14255,8 +14290,8 @@
         </p:nvSpPr>
         <p:spPr>
           <a:xfrm>
-            <a:off x="14503098" y="21566835"/>
-            <a:ext cx="2716955" cy="2481030"/>
+            <a:off x="14491972" y="21142143"/>
+            <a:ext cx="2716955" cy="2664002"/>
           </a:xfrm>
           <a:prstGeom prst="rect">
             <a:avLst/>
@@ -14301,8 +14336,8 @@
         </p:nvSpPr>
         <p:spPr>
           <a:xfrm>
-            <a:off x="14529025" y="21673148"/>
-            <a:ext cx="2730880" cy="2862322"/>
+            <a:off x="14517899" y="21248456"/>
+            <a:ext cx="2730880" cy="3046988"/>
           </a:xfrm>
           <a:prstGeom prst="rect">
             <a:avLst/>
@@ -14350,7 +14385,21 @@
                   <a:schemeClr val="bg1"/>
                 </a:solidFill>
               </a:rPr>
-              <a:t>Viser indhold over </a:t>
+              <a:t>Viser liste af opskrifter</a:t>
+            </a:r>
+          </a:p>
+          <a:p>
+            <a:pPr marL="781035" lvl="1" indent="-171450">
+              <a:buFont typeface="Arial" panose="020B0604020202020204" pitchFamily="34" charset="0"/>
+              <a:buChar char="•"/>
+            </a:pPr>
+            <a:r>
+              <a:rPr lang="da-DK" sz="1200" dirty="0">
+                <a:solidFill>
+                  <a:schemeClr val="bg1"/>
+                </a:solidFill>
+              </a:rPr>
+              <a:t>Vælg opskrift for at vise </a:t>
             </a:r>
             <a:r>
               <a:rPr lang="da-DK" sz="1200" dirty="0" err="1">
@@ -14358,18 +14407,8 @@
                   <a:schemeClr val="bg1"/>
                 </a:solidFill>
               </a:rPr>
-              <a:t>ingredients</a:t>
-            </a:r>
-            <a:r>
-              <a:rPr lang="da-DK" sz="1200" dirty="0">
-                <a:solidFill>
-                  <a:schemeClr val="bg1"/>
-                </a:solidFill>
-              </a:rPr>
-              <a:t> man skal bruge til at lave én bestemt ret eller andet.</a:t>
-            </a:r>
-          </a:p>
-          <a:p>
+              <a:t>ingredientser</a:t>
+            </a:r>
             <a:endParaRPr lang="da-DK" sz="1200" dirty="0">
               <a:solidFill>
                 <a:schemeClr val="bg1"/>
@@ -14377,41 +14416,6 @@
             </a:endParaRPr>
           </a:p>
           <a:p>
-            <a:pPr marL="171450" indent="-171450">
-              <a:buFont typeface="Arial" panose="020B0604020202020204" pitchFamily="34" charset="0"/>
-              <a:buChar char="•"/>
-            </a:pPr>
-            <a:r>
-              <a:rPr lang="da-DK" sz="1200" dirty="0">
-                <a:solidFill>
-                  <a:schemeClr val="bg1"/>
-                </a:solidFill>
-              </a:rPr>
-              <a:t>Tilføj ting – tilføj et item til listen</a:t>
-            </a:r>
-            <a:br>
-              <a:rPr lang="da-DK" sz="1200" dirty="0">
-                <a:solidFill>
-                  <a:schemeClr val="bg1"/>
-                </a:solidFill>
-              </a:rPr>
-            </a:br>
-            <a:r>
-              <a:rPr lang="da-DK" sz="1200" dirty="0">
-                <a:solidFill>
-                  <a:schemeClr val="bg1"/>
-                </a:solidFill>
-              </a:rPr>
-              <a:t>vha. </a:t>
-            </a:r>
-            <a:r>
-              <a:rPr lang="da-DK" sz="1200" dirty="0" err="1">
-                <a:solidFill>
-                  <a:schemeClr val="bg1"/>
-                </a:solidFill>
-              </a:rPr>
-              <a:t>dialogBox</a:t>
-            </a:r>
             <a:endParaRPr lang="da-DK" sz="1200" dirty="0">
               <a:solidFill>
                 <a:schemeClr val="bg1"/>
@@ -14458,22 +14462,6 @@
               </a:rPr>
               <a:t>name</a:t>
             </a:r>
-            <a:r>
-              <a:rPr lang="da-DK" sz="1200" dirty="0">
-                <a:solidFill>
-                  <a:schemeClr val="bg1"/>
-                </a:solidFill>
-              </a:rPr>
-              <a:t>, </a:t>
-            </a:r>
-            <a:r>
-              <a:rPr lang="da-DK" sz="1200" dirty="0" err="1">
-                <a:solidFill>
-                  <a:schemeClr val="bg1"/>
-                </a:solidFill>
-              </a:rPr>
-              <a:t>quantity</a:t>
-            </a:r>
             <a:endParaRPr lang="da-DK" sz="1200" dirty="0">
               <a:solidFill>
                 <a:schemeClr val="bg1"/>
@@ -14503,6 +14491,14 @@
             </a:r>
           </a:p>
           <a:p>
+            <a:pPr lvl="1"/>
+            <a:endParaRPr lang="da-DK" sz="1200" dirty="0">
+              <a:solidFill>
+                <a:schemeClr val="bg1"/>
+              </a:solidFill>
+            </a:endParaRPr>
+          </a:p>
+          <a:p>
             <a:pPr marL="171450" indent="-171450">
               <a:buFont typeface="Arial" panose="020B0604020202020204" pitchFamily="34" charset="0"/>
               <a:buChar char="•"/>
@@ -14532,6 +14528,44 @@
                 <a:sym typeface="Wingdings" panose="05000000000000000000" pitchFamily="2" charset="2"/>
               </a:rPr>
               <a:t>OverviewActivity</a:t>
+            </a:r>
+            <a:endParaRPr lang="da-DK" sz="1200" dirty="0">
+              <a:solidFill>
+                <a:schemeClr val="bg1"/>
+              </a:solidFill>
+              <a:sym typeface="Wingdings" panose="05000000000000000000" pitchFamily="2" charset="2"/>
+            </a:endParaRPr>
+          </a:p>
+          <a:p>
+            <a:pPr marL="171450" indent="-171450">
+              <a:buFont typeface="Arial" panose="020B0604020202020204" pitchFamily="34" charset="0"/>
+              <a:buChar char="•"/>
+            </a:pPr>
+            <a:r>
+              <a:rPr lang="da-DK" sz="1200" dirty="0">
+                <a:solidFill>
+                  <a:schemeClr val="bg1"/>
+                </a:solidFill>
+              </a:rPr>
+              <a:t>Tilføj opskrift </a:t>
+            </a:r>
+            <a:r>
+              <a:rPr lang="da-DK" sz="1200" dirty="0">
+                <a:solidFill>
+                  <a:schemeClr val="bg1"/>
+                </a:solidFill>
+                <a:sym typeface="Wingdings" panose="05000000000000000000" pitchFamily="2" charset="2"/>
+              </a:rPr>
+              <a:t> </a:t>
+            </a:r>
+            <a:r>
+              <a:rPr lang="da-DK" sz="1200" dirty="0" err="1">
+                <a:solidFill>
+                  <a:schemeClr val="bg1"/>
+                </a:solidFill>
+                <a:sym typeface="Wingdings" panose="05000000000000000000" pitchFamily="2" charset="2"/>
+              </a:rPr>
+              <a:t>NewRecipeActivity</a:t>
             </a:r>
             <a:endParaRPr lang="da-DK" sz="1200" dirty="0">
               <a:solidFill>
@@ -14572,6 +14606,17 @@
               </a:solidFill>
             </a:endParaRPr>
           </a:p>
+          <a:p>
+            <a:pPr marL="171450" indent="-171450">
+              <a:buFont typeface="Arial" panose="020B0604020202020204" pitchFamily="34" charset="0"/>
+              <a:buChar char="•"/>
+            </a:pPr>
+            <a:endParaRPr lang="da-DK" sz="1200" dirty="0">
+              <a:solidFill>
+                <a:schemeClr val="bg1"/>
+              </a:solidFill>
+            </a:endParaRPr>
+          </a:p>
         </p:txBody>
       </p:sp>
       <p:sp>
@@ -14588,7 +14633,7 @@
         </p:nvSpPr>
         <p:spPr>
           <a:xfrm>
-            <a:off x="12516953" y="21365808"/>
+            <a:off x="19438765" y="21365808"/>
             <a:ext cx="486030" cy="184666"/>
           </a:xfrm>
           <a:prstGeom prst="rect">
@@ -14628,14 +14673,14 @@
           <p:nvPr/>
         </p:nvPicPr>
         <p:blipFill>
-          <a:blip r:embed="rId17"/>
+          <a:blip r:embed="rId18"/>
           <a:stretch>
             <a:fillRect/>
           </a:stretch>
         </p:blipFill>
         <p:spPr>
           <a:xfrm>
-            <a:off x="12525598" y="21163327"/>
+            <a:off x="19447410" y="21163327"/>
             <a:ext cx="1899814" cy="255158"/>
           </a:xfrm>
           <a:prstGeom prst="rect">
@@ -14679,6 +14724,2583 @@
               <a:rPr lang="da-DK" dirty="0"/>
               <a:t> tab</a:t>
             </a:r>
+          </a:p>
+        </p:txBody>
+      </p:sp>
+      <p:pic>
+        <p:nvPicPr>
+          <p:cNvPr id="128" name="Picture 4" descr="Billedresultat for android tab layout fragment">
+            <a:extLst>
+              <a:ext uri="{FF2B5EF4-FFF2-40B4-BE49-F238E27FC236}">
+                <a16:creationId xmlns:a16="http://schemas.microsoft.com/office/drawing/2014/main" id="{7C159EFF-6C4F-4AF4-A10F-A9BC13A22B8B}"/>
+              </a:ext>
+            </a:extLst>
+          </p:cNvPr>
+          <p:cNvPicPr>
+            <a:picLocks noChangeAspect="1" noChangeArrowheads="1"/>
+          </p:cNvPicPr>
+          <p:nvPr/>
+        </p:nvPicPr>
+        <p:blipFill rotWithShape="1">
+          <a:blip r:embed="rId17">
+            <a:extLst>
+              <a:ext uri="{28A0092B-C50C-407E-A947-70E740481C1C}">
+                <a14:useLocalDpi xmlns:a14="http://schemas.microsoft.com/office/drawing/2010/main" val="0"/>
+              </a:ext>
+            </a:extLst>
+          </a:blip>
+          <a:srcRect l="12719" t="11809" r="12856" b="17307"/>
+          <a:stretch/>
+        </p:blipFill>
+        <p:spPr bwMode="auto">
+          <a:xfrm>
+            <a:off x="12514840" y="17850954"/>
+            <a:ext cx="1891253" cy="3114548"/>
+          </a:xfrm>
+          <a:prstGeom prst="rect">
+            <a:avLst/>
+          </a:prstGeom>
+          <a:noFill/>
+          <a:extLst>
+            <a:ext uri="{909E8E84-426E-40DD-AFC4-6F175D3DCCD1}">
+              <a14:hiddenFill xmlns:a14="http://schemas.microsoft.com/office/drawing/2010/main">
+                <a:solidFill>
+                  <a:srgbClr val="FFFFFF"/>
+                </a:solidFill>
+              </a14:hiddenFill>
+            </a:ext>
+          </a:extLst>
+        </p:spPr>
+      </p:pic>
+      <p:pic>
+        <p:nvPicPr>
+          <p:cNvPr id="129" name="Picture 128">
+            <a:extLst>
+              <a:ext uri="{FF2B5EF4-FFF2-40B4-BE49-F238E27FC236}">
+                <a16:creationId xmlns:a16="http://schemas.microsoft.com/office/drawing/2014/main" id="{D7F7B15A-9330-4E34-8DD3-9527B3AD00F3}"/>
+              </a:ext>
+            </a:extLst>
+          </p:cNvPr>
+          <p:cNvPicPr>
+            <a:picLocks noChangeAspect="1"/>
+          </p:cNvPicPr>
+          <p:nvPr/>
+        </p:nvPicPr>
+        <p:blipFill>
+          <a:blip r:embed="rId18"/>
+          <a:stretch>
+            <a:fillRect/>
+          </a:stretch>
+        </p:blipFill>
+        <p:spPr>
+          <a:xfrm>
+            <a:off x="12514839" y="18211604"/>
+            <a:ext cx="1899814" cy="255158"/>
+          </a:xfrm>
+          <a:prstGeom prst="rect">
+            <a:avLst/>
+          </a:prstGeom>
+        </p:spPr>
+      </p:pic>
+      <p:pic>
+        <p:nvPicPr>
+          <p:cNvPr id="133" name="Picture 132">
+            <a:extLst>
+              <a:ext uri="{FF2B5EF4-FFF2-40B4-BE49-F238E27FC236}">
+                <a16:creationId xmlns:a16="http://schemas.microsoft.com/office/drawing/2014/main" id="{231922C6-48B9-4EF4-B9B6-03A7935E34E6}"/>
+              </a:ext>
+            </a:extLst>
+          </p:cNvPr>
+          <p:cNvPicPr>
+            <a:picLocks noChangeAspect="1"/>
+          </p:cNvPicPr>
+          <p:nvPr/>
+        </p:nvPicPr>
+        <p:blipFill>
+          <a:blip r:embed="rId19"/>
+          <a:stretch>
+            <a:fillRect/>
+          </a:stretch>
+        </p:blipFill>
+        <p:spPr>
+          <a:xfrm>
+            <a:off x="12514839" y="18446252"/>
+            <a:ext cx="1899814" cy="139152"/>
+          </a:xfrm>
+          <a:prstGeom prst="rect">
+            <a:avLst/>
+          </a:prstGeom>
+        </p:spPr>
+      </p:pic>
+      <p:sp>
+        <p:nvSpPr>
+          <p:cNvPr id="137" name="TextBox 136">
+            <a:extLst>
+              <a:ext uri="{FF2B5EF4-FFF2-40B4-BE49-F238E27FC236}">
+                <a16:creationId xmlns:a16="http://schemas.microsoft.com/office/drawing/2014/main" id="{0D521B23-0429-4605-ABAD-ECB10DF2B1C1}"/>
+              </a:ext>
+            </a:extLst>
+          </p:cNvPr>
+          <p:cNvSpPr txBox="1"/>
+          <p:nvPr/>
+        </p:nvSpPr>
+        <p:spPr>
+          <a:xfrm>
+            <a:off x="12478977" y="18399114"/>
+            <a:ext cx="486030" cy="184666"/>
+          </a:xfrm>
+          <a:prstGeom prst="rect">
+            <a:avLst/>
+          </a:prstGeom>
+          <a:noFill/>
+        </p:spPr>
+        <p:txBody>
+          <a:bodyPr wrap="none" rtlCol="0">
+            <a:spAutoFit/>
+          </a:bodyPr>
+          <a:lstStyle/>
+          <a:p>
+            <a:r>
+              <a:rPr lang="da-DK" sz="600" dirty="0">
+                <a:solidFill>
+                  <a:schemeClr val="bg1"/>
+                </a:solidFill>
+              </a:rPr>
+              <a:t>Inventory</a:t>
+            </a:r>
+          </a:p>
+        </p:txBody>
+      </p:sp>
+      <p:sp>
+        <p:nvSpPr>
+          <p:cNvPr id="138" name="TextBox 137">
+            <a:extLst>
+              <a:ext uri="{FF2B5EF4-FFF2-40B4-BE49-F238E27FC236}">
+                <a16:creationId xmlns:a16="http://schemas.microsoft.com/office/drawing/2014/main" id="{68E748CD-6E83-4F69-8ABD-7A3857270B73}"/>
+              </a:ext>
+            </a:extLst>
+          </p:cNvPr>
+          <p:cNvSpPr txBox="1"/>
+          <p:nvPr/>
+        </p:nvSpPr>
+        <p:spPr>
+          <a:xfrm>
+            <a:off x="12962735" y="18127901"/>
+            <a:ext cx="489236" cy="184666"/>
+          </a:xfrm>
+          <a:prstGeom prst="rect">
+            <a:avLst/>
+          </a:prstGeom>
+          <a:noFill/>
+        </p:spPr>
+        <p:txBody>
+          <a:bodyPr wrap="none" rtlCol="0">
+            <a:spAutoFit/>
+          </a:bodyPr>
+          <a:lstStyle/>
+          <a:p>
+            <a:r>
+              <a:rPr lang="da-DK" sz="600" dirty="0">
+                <a:solidFill>
+                  <a:schemeClr val="bg1"/>
+                </a:solidFill>
+              </a:rPr>
+              <a:t>Essentials</a:t>
+            </a:r>
+          </a:p>
+        </p:txBody>
+      </p:sp>
+      <p:sp>
+        <p:nvSpPr>
+          <p:cNvPr id="139" name="TextBox 138">
+            <a:extLst>
+              <a:ext uri="{FF2B5EF4-FFF2-40B4-BE49-F238E27FC236}">
+                <a16:creationId xmlns:a16="http://schemas.microsoft.com/office/drawing/2014/main" id="{5C7E6F44-0055-42C8-B15F-F0B16002A4A5}"/>
+              </a:ext>
+            </a:extLst>
+          </p:cNvPr>
+          <p:cNvSpPr txBox="1"/>
+          <p:nvPr/>
+        </p:nvSpPr>
+        <p:spPr>
+          <a:xfrm>
+            <a:off x="13451618" y="18126277"/>
+            <a:ext cx="474810" cy="184666"/>
+          </a:xfrm>
+          <a:prstGeom prst="rect">
+            <a:avLst/>
+          </a:prstGeom>
+          <a:noFill/>
+        </p:spPr>
+        <p:txBody>
+          <a:bodyPr wrap="none" rtlCol="0">
+            <a:spAutoFit/>
+          </a:bodyPr>
+          <a:lstStyle/>
+          <a:p>
+            <a:r>
+              <a:rPr lang="da-DK" sz="600" dirty="0">
+                <a:solidFill>
+                  <a:schemeClr val="bg1"/>
+                </a:solidFill>
+              </a:rPr>
+              <a:t>Shopping</a:t>
+            </a:r>
+          </a:p>
+        </p:txBody>
+      </p:sp>
+      <p:sp>
+        <p:nvSpPr>
+          <p:cNvPr id="140" name="TextBox 139">
+            <a:extLst>
+              <a:ext uri="{FF2B5EF4-FFF2-40B4-BE49-F238E27FC236}">
+                <a16:creationId xmlns:a16="http://schemas.microsoft.com/office/drawing/2014/main" id="{CAA448C4-5196-499F-96BF-329D8A09D901}"/>
+              </a:ext>
+            </a:extLst>
+          </p:cNvPr>
+          <p:cNvSpPr txBox="1"/>
+          <p:nvPr/>
+        </p:nvSpPr>
+        <p:spPr>
+          <a:xfrm>
+            <a:off x="13871125" y="18123029"/>
+            <a:ext cx="538930" cy="184666"/>
+          </a:xfrm>
+          <a:prstGeom prst="rect">
+            <a:avLst/>
+          </a:prstGeom>
+          <a:noFill/>
+        </p:spPr>
+        <p:txBody>
+          <a:bodyPr wrap="none" rtlCol="0">
+            <a:spAutoFit/>
+          </a:bodyPr>
+          <a:lstStyle/>
+          <a:p>
+            <a:r>
+              <a:rPr lang="da-DK" sz="600" dirty="0" err="1">
+                <a:solidFill>
+                  <a:schemeClr val="bg1"/>
+                </a:solidFill>
+              </a:rPr>
+              <a:t>Ingredients</a:t>
+            </a:r>
+            <a:endParaRPr lang="da-DK" sz="600" dirty="0">
+              <a:solidFill>
+                <a:schemeClr val="bg1"/>
+              </a:solidFill>
+            </a:endParaRPr>
+          </a:p>
+        </p:txBody>
+      </p:sp>
+      <p:pic>
+        <p:nvPicPr>
+          <p:cNvPr id="141" name="Picture 140">
+            <a:extLst>
+              <a:ext uri="{FF2B5EF4-FFF2-40B4-BE49-F238E27FC236}">
+                <a16:creationId xmlns:a16="http://schemas.microsoft.com/office/drawing/2014/main" id="{564A96BC-F7DC-4740-97BE-5E5FE9415D99}"/>
+              </a:ext>
+            </a:extLst>
+          </p:cNvPr>
+          <p:cNvPicPr>
+            <a:picLocks noChangeAspect="1"/>
+          </p:cNvPicPr>
+          <p:nvPr/>
+        </p:nvPicPr>
+        <p:blipFill>
+          <a:blip r:embed="rId20"/>
+          <a:stretch>
+            <a:fillRect/>
+          </a:stretch>
+        </p:blipFill>
+        <p:spPr>
+          <a:xfrm>
+            <a:off x="12514839" y="18312567"/>
+            <a:ext cx="1891253" cy="2619785"/>
+          </a:xfrm>
+          <a:prstGeom prst="rect">
+            <a:avLst/>
+          </a:prstGeom>
+        </p:spPr>
+      </p:pic>
+      <p:sp>
+        <p:nvSpPr>
+          <p:cNvPr id="142" name="TextBox 141">
+            <a:extLst>
+              <a:ext uri="{FF2B5EF4-FFF2-40B4-BE49-F238E27FC236}">
+                <a16:creationId xmlns:a16="http://schemas.microsoft.com/office/drawing/2014/main" id="{57B42D14-5DB9-401E-9F7C-E91975A17CAB}"/>
+              </a:ext>
+            </a:extLst>
+          </p:cNvPr>
+          <p:cNvSpPr txBox="1"/>
+          <p:nvPr/>
+        </p:nvSpPr>
+        <p:spPr>
+          <a:xfrm>
+            <a:off x="12533976" y="19038865"/>
+            <a:ext cx="1922321" cy="1200329"/>
+          </a:xfrm>
+          <a:prstGeom prst="rect">
+            <a:avLst/>
+          </a:prstGeom>
+          <a:noFill/>
+        </p:spPr>
+        <p:txBody>
+          <a:bodyPr wrap="none" rtlCol="0">
+            <a:spAutoFit/>
+          </a:bodyPr>
+          <a:lstStyle/>
+          <a:p>
+            <a:r>
+              <a:rPr lang="da-DK" sz="1200" dirty="0" err="1"/>
+              <a:t>Shoppinglister</a:t>
+            </a:r>
+            <a:r>
+              <a:rPr lang="da-DK" sz="1200" dirty="0"/>
+              <a:t>:</a:t>
+            </a:r>
+          </a:p>
+          <a:p>
+            <a:pPr marL="171450" indent="-171450">
+              <a:buFont typeface="Arial" panose="020B0604020202020204" pitchFamily="34" charset="0"/>
+              <a:buChar char="•"/>
+            </a:pPr>
+            <a:r>
+              <a:rPr lang="da-DK" sz="1200" dirty="0" err="1"/>
+              <a:t>Shoppingliste</a:t>
+            </a:r>
+            <a:r>
+              <a:rPr lang="da-DK" sz="1200" dirty="0"/>
+              <a:t> - </a:t>
+            </a:r>
+            <a:r>
+              <a:rPr lang="da-DK" sz="1200" dirty="0" err="1"/>
+              <a:t>essentials</a:t>
+            </a:r>
+            <a:endParaRPr lang="da-DK" sz="1200" dirty="0"/>
+          </a:p>
+          <a:p>
+            <a:pPr marL="171450" indent="-171450">
+              <a:buFont typeface="Arial" panose="020B0604020202020204" pitchFamily="34" charset="0"/>
+              <a:buChar char="•"/>
+            </a:pPr>
+            <a:r>
+              <a:rPr lang="da-DK" sz="1200" dirty="0" err="1"/>
+              <a:t>Shoppingliste</a:t>
+            </a:r>
+            <a:r>
+              <a:rPr lang="da-DK" sz="1200" dirty="0"/>
+              <a:t> - fest</a:t>
+            </a:r>
+          </a:p>
+          <a:p>
+            <a:pPr marL="171450" indent="-171450">
+              <a:buFont typeface="Arial" panose="020B0604020202020204" pitchFamily="34" charset="0"/>
+              <a:buChar char="•"/>
+            </a:pPr>
+            <a:r>
+              <a:rPr lang="da-DK" sz="1200" dirty="0" err="1"/>
+              <a:t>Shoppingliste</a:t>
+            </a:r>
+            <a:r>
+              <a:rPr lang="da-DK" sz="1200" dirty="0"/>
+              <a:t> - picnic</a:t>
+            </a:r>
+          </a:p>
+          <a:p>
+            <a:pPr marL="171450" indent="-171450">
+              <a:buFont typeface="Arial" panose="020B0604020202020204" pitchFamily="34" charset="0"/>
+              <a:buChar char="•"/>
+            </a:pPr>
+            <a:r>
+              <a:rPr lang="da-DK" sz="1200" dirty="0" err="1"/>
+              <a:t>Shoppingliste</a:t>
+            </a:r>
+            <a:r>
+              <a:rPr lang="da-DK" sz="1200" dirty="0"/>
+              <a:t> - rengøring</a:t>
+            </a:r>
+          </a:p>
+          <a:p>
+            <a:pPr marL="171450" indent="-171450">
+              <a:buFont typeface="Arial" panose="020B0604020202020204" pitchFamily="34" charset="0"/>
+              <a:buChar char="•"/>
+            </a:pPr>
+            <a:endParaRPr lang="da-DK" sz="1200" dirty="0"/>
+          </a:p>
+        </p:txBody>
+      </p:sp>
+      <p:sp>
+        <p:nvSpPr>
+          <p:cNvPr id="144" name="TextBox 143">
+            <a:extLst>
+              <a:ext uri="{FF2B5EF4-FFF2-40B4-BE49-F238E27FC236}">
+                <a16:creationId xmlns:a16="http://schemas.microsoft.com/office/drawing/2014/main" id="{F8C18646-4DE7-47D0-B3B3-B8D94BD68EA4}"/>
+              </a:ext>
+            </a:extLst>
+          </p:cNvPr>
+          <p:cNvSpPr txBox="1"/>
+          <p:nvPr/>
+        </p:nvSpPr>
+        <p:spPr>
+          <a:xfrm>
+            <a:off x="12506712" y="18138156"/>
+            <a:ext cx="486030" cy="184666"/>
+          </a:xfrm>
+          <a:prstGeom prst="rect">
+            <a:avLst/>
+          </a:prstGeom>
+          <a:noFill/>
+        </p:spPr>
+        <p:txBody>
+          <a:bodyPr wrap="none" rtlCol="0">
+            <a:spAutoFit/>
+          </a:bodyPr>
+          <a:lstStyle/>
+          <a:p>
+            <a:r>
+              <a:rPr lang="da-DK" sz="600" dirty="0">
+                <a:solidFill>
+                  <a:schemeClr val="bg1"/>
+                </a:solidFill>
+              </a:rPr>
+              <a:t>Inventory</a:t>
+            </a:r>
+          </a:p>
+        </p:txBody>
+      </p:sp>
+      <p:pic>
+        <p:nvPicPr>
+          <p:cNvPr id="145" name="Picture 144">
+            <a:extLst>
+              <a:ext uri="{FF2B5EF4-FFF2-40B4-BE49-F238E27FC236}">
+                <a16:creationId xmlns:a16="http://schemas.microsoft.com/office/drawing/2014/main" id="{09857F02-BE1B-46FA-B10D-B15E031964CE}"/>
+              </a:ext>
+            </a:extLst>
+          </p:cNvPr>
+          <p:cNvPicPr>
+            <a:picLocks noChangeAspect="1"/>
+          </p:cNvPicPr>
+          <p:nvPr/>
+        </p:nvPicPr>
+        <p:blipFill>
+          <a:blip r:embed="rId18"/>
+          <a:stretch>
+            <a:fillRect/>
+          </a:stretch>
+        </p:blipFill>
+        <p:spPr>
+          <a:xfrm>
+            <a:off x="12515357" y="17935675"/>
+            <a:ext cx="1899814" cy="255158"/>
+          </a:xfrm>
+          <a:prstGeom prst="rect">
+            <a:avLst/>
+          </a:prstGeom>
+        </p:spPr>
+      </p:pic>
+      <p:pic>
+        <p:nvPicPr>
+          <p:cNvPr id="3" name="Picture 2">
+            <a:extLst>
+              <a:ext uri="{FF2B5EF4-FFF2-40B4-BE49-F238E27FC236}">
+                <a16:creationId xmlns:a16="http://schemas.microsoft.com/office/drawing/2014/main" id="{76554C39-49D3-4E05-8985-B3A119AE0921}"/>
+              </a:ext>
+            </a:extLst>
+          </p:cNvPr>
+          <p:cNvPicPr>
+            <a:picLocks noChangeAspect="1"/>
+          </p:cNvPicPr>
+          <p:nvPr/>
+        </p:nvPicPr>
+        <p:blipFill>
+          <a:blip r:embed="rId22"/>
+          <a:stretch>
+            <a:fillRect/>
+          </a:stretch>
+        </p:blipFill>
+        <p:spPr>
+          <a:xfrm>
+            <a:off x="13160892" y="20385287"/>
+            <a:ext cx="600075" cy="238125"/>
+          </a:xfrm>
+          <a:prstGeom prst="rect">
+            <a:avLst/>
+          </a:prstGeom>
+        </p:spPr>
+      </p:pic>
+      <p:pic>
+        <p:nvPicPr>
+          <p:cNvPr id="146" name="Picture 4" descr="Billedresultat for android tab layout fragment">
+            <a:extLst>
+              <a:ext uri="{FF2B5EF4-FFF2-40B4-BE49-F238E27FC236}">
+                <a16:creationId xmlns:a16="http://schemas.microsoft.com/office/drawing/2014/main" id="{E7BEE008-C166-47F9-8351-0DE97CCA372D}"/>
+              </a:ext>
+            </a:extLst>
+          </p:cNvPr>
+          <p:cNvPicPr>
+            <a:picLocks noChangeAspect="1" noChangeArrowheads="1"/>
+          </p:cNvPicPr>
+          <p:nvPr/>
+        </p:nvPicPr>
+        <p:blipFill rotWithShape="1">
+          <a:blip r:embed="rId17">
+            <a:extLst>
+              <a:ext uri="{28A0092B-C50C-407E-A947-70E740481C1C}">
+                <a14:useLocalDpi xmlns:a14="http://schemas.microsoft.com/office/drawing/2010/main" val="0"/>
+              </a:ext>
+            </a:extLst>
+          </a:blip>
+          <a:srcRect l="12719" t="11809" r="12856" b="17307"/>
+          <a:stretch/>
+        </p:blipFill>
+        <p:spPr bwMode="auto">
+          <a:xfrm>
+            <a:off x="12497213" y="21037352"/>
+            <a:ext cx="1891253" cy="3114548"/>
+          </a:xfrm>
+          <a:prstGeom prst="rect">
+            <a:avLst/>
+          </a:prstGeom>
+          <a:noFill/>
+          <a:extLst>
+            <a:ext uri="{909E8E84-426E-40DD-AFC4-6F175D3DCCD1}">
+              <a14:hiddenFill xmlns:a14="http://schemas.microsoft.com/office/drawing/2010/main">
+                <a:solidFill>
+                  <a:srgbClr val="FFFFFF"/>
+                </a:solidFill>
+              </a14:hiddenFill>
+            </a:ext>
+          </a:extLst>
+        </p:spPr>
+      </p:pic>
+      <p:pic>
+        <p:nvPicPr>
+          <p:cNvPr id="150" name="Picture 149">
+            <a:extLst>
+              <a:ext uri="{FF2B5EF4-FFF2-40B4-BE49-F238E27FC236}">
+                <a16:creationId xmlns:a16="http://schemas.microsoft.com/office/drawing/2014/main" id="{1DA7EE09-21C0-46FE-B4F6-A54C055CFD2E}"/>
+              </a:ext>
+            </a:extLst>
+          </p:cNvPr>
+          <p:cNvPicPr>
+            <a:picLocks noChangeAspect="1"/>
+          </p:cNvPicPr>
+          <p:nvPr/>
+        </p:nvPicPr>
+        <p:blipFill>
+          <a:blip r:embed="rId18"/>
+          <a:stretch>
+            <a:fillRect/>
+          </a:stretch>
+        </p:blipFill>
+        <p:spPr>
+          <a:xfrm>
+            <a:off x="12497212" y="21398002"/>
+            <a:ext cx="1899814" cy="255158"/>
+          </a:xfrm>
+          <a:prstGeom prst="rect">
+            <a:avLst/>
+          </a:prstGeom>
+        </p:spPr>
+      </p:pic>
+      <p:pic>
+        <p:nvPicPr>
+          <p:cNvPr id="153" name="Picture 152">
+            <a:extLst>
+              <a:ext uri="{FF2B5EF4-FFF2-40B4-BE49-F238E27FC236}">
+                <a16:creationId xmlns:a16="http://schemas.microsoft.com/office/drawing/2014/main" id="{93605558-41CA-43C6-B5F6-5D28255D9B16}"/>
+              </a:ext>
+            </a:extLst>
+          </p:cNvPr>
+          <p:cNvPicPr>
+            <a:picLocks noChangeAspect="1"/>
+          </p:cNvPicPr>
+          <p:nvPr/>
+        </p:nvPicPr>
+        <p:blipFill>
+          <a:blip r:embed="rId19"/>
+          <a:stretch>
+            <a:fillRect/>
+          </a:stretch>
+        </p:blipFill>
+        <p:spPr>
+          <a:xfrm>
+            <a:off x="12497212" y="21632650"/>
+            <a:ext cx="1899814" cy="139152"/>
+          </a:xfrm>
+          <a:prstGeom prst="rect">
+            <a:avLst/>
+          </a:prstGeom>
+        </p:spPr>
+      </p:pic>
+      <p:sp>
+        <p:nvSpPr>
+          <p:cNvPr id="154" name="TextBox 153">
+            <a:extLst>
+              <a:ext uri="{FF2B5EF4-FFF2-40B4-BE49-F238E27FC236}">
+                <a16:creationId xmlns:a16="http://schemas.microsoft.com/office/drawing/2014/main" id="{F7BECFEE-1236-48B4-8539-6255AFDF5FED}"/>
+              </a:ext>
+            </a:extLst>
+          </p:cNvPr>
+          <p:cNvSpPr txBox="1"/>
+          <p:nvPr/>
+        </p:nvSpPr>
+        <p:spPr>
+          <a:xfrm>
+            <a:off x="12461350" y="21585512"/>
+            <a:ext cx="486030" cy="184666"/>
+          </a:xfrm>
+          <a:prstGeom prst="rect">
+            <a:avLst/>
+          </a:prstGeom>
+          <a:noFill/>
+        </p:spPr>
+        <p:txBody>
+          <a:bodyPr wrap="none" rtlCol="0">
+            <a:spAutoFit/>
+          </a:bodyPr>
+          <a:lstStyle/>
+          <a:p>
+            <a:r>
+              <a:rPr lang="da-DK" sz="600" dirty="0">
+                <a:solidFill>
+                  <a:schemeClr val="bg1"/>
+                </a:solidFill>
+              </a:rPr>
+              <a:t>Inventory</a:t>
+            </a:r>
+          </a:p>
+        </p:txBody>
+      </p:sp>
+      <p:sp>
+        <p:nvSpPr>
+          <p:cNvPr id="157" name="TextBox 156">
+            <a:extLst>
+              <a:ext uri="{FF2B5EF4-FFF2-40B4-BE49-F238E27FC236}">
+                <a16:creationId xmlns:a16="http://schemas.microsoft.com/office/drawing/2014/main" id="{1C73582C-D90B-4608-806F-826AD5C821BA}"/>
+              </a:ext>
+            </a:extLst>
+          </p:cNvPr>
+          <p:cNvSpPr txBox="1"/>
+          <p:nvPr/>
+        </p:nvSpPr>
+        <p:spPr>
+          <a:xfrm>
+            <a:off x="12945108" y="21314299"/>
+            <a:ext cx="489236" cy="184666"/>
+          </a:xfrm>
+          <a:prstGeom prst="rect">
+            <a:avLst/>
+          </a:prstGeom>
+          <a:noFill/>
+        </p:spPr>
+        <p:txBody>
+          <a:bodyPr wrap="none" rtlCol="0">
+            <a:spAutoFit/>
+          </a:bodyPr>
+          <a:lstStyle/>
+          <a:p>
+            <a:r>
+              <a:rPr lang="da-DK" sz="600" dirty="0">
+                <a:solidFill>
+                  <a:schemeClr val="bg1"/>
+                </a:solidFill>
+              </a:rPr>
+              <a:t>Essentials</a:t>
+            </a:r>
+          </a:p>
+        </p:txBody>
+      </p:sp>
+      <p:sp>
+        <p:nvSpPr>
+          <p:cNvPr id="158" name="TextBox 157">
+            <a:extLst>
+              <a:ext uri="{FF2B5EF4-FFF2-40B4-BE49-F238E27FC236}">
+                <a16:creationId xmlns:a16="http://schemas.microsoft.com/office/drawing/2014/main" id="{31591ABF-406C-4DC2-9EEA-76A17355A881}"/>
+              </a:ext>
+            </a:extLst>
+          </p:cNvPr>
+          <p:cNvSpPr txBox="1"/>
+          <p:nvPr/>
+        </p:nvSpPr>
+        <p:spPr>
+          <a:xfrm>
+            <a:off x="13433991" y="21312675"/>
+            <a:ext cx="474810" cy="184666"/>
+          </a:xfrm>
+          <a:prstGeom prst="rect">
+            <a:avLst/>
+          </a:prstGeom>
+          <a:noFill/>
+        </p:spPr>
+        <p:txBody>
+          <a:bodyPr wrap="none" rtlCol="0">
+            <a:spAutoFit/>
+          </a:bodyPr>
+          <a:lstStyle/>
+          <a:p>
+            <a:r>
+              <a:rPr lang="da-DK" sz="600" dirty="0">
+                <a:solidFill>
+                  <a:schemeClr val="bg1"/>
+                </a:solidFill>
+              </a:rPr>
+              <a:t>Shopping</a:t>
+            </a:r>
+          </a:p>
+        </p:txBody>
+      </p:sp>
+      <p:sp>
+        <p:nvSpPr>
+          <p:cNvPr id="159" name="TextBox 158">
+            <a:extLst>
+              <a:ext uri="{FF2B5EF4-FFF2-40B4-BE49-F238E27FC236}">
+                <a16:creationId xmlns:a16="http://schemas.microsoft.com/office/drawing/2014/main" id="{F59A7887-0A03-4140-A93B-D9F41759A430}"/>
+              </a:ext>
+            </a:extLst>
+          </p:cNvPr>
+          <p:cNvSpPr txBox="1"/>
+          <p:nvPr/>
+        </p:nvSpPr>
+        <p:spPr>
+          <a:xfrm>
+            <a:off x="13853498" y="21309427"/>
+            <a:ext cx="538930" cy="184666"/>
+          </a:xfrm>
+          <a:prstGeom prst="rect">
+            <a:avLst/>
+          </a:prstGeom>
+          <a:noFill/>
+        </p:spPr>
+        <p:txBody>
+          <a:bodyPr wrap="none" rtlCol="0">
+            <a:spAutoFit/>
+          </a:bodyPr>
+          <a:lstStyle/>
+          <a:p>
+            <a:r>
+              <a:rPr lang="da-DK" sz="600" dirty="0" err="1">
+                <a:solidFill>
+                  <a:schemeClr val="bg1"/>
+                </a:solidFill>
+              </a:rPr>
+              <a:t>Ingredients</a:t>
+            </a:r>
+            <a:endParaRPr lang="da-DK" sz="600" dirty="0">
+              <a:solidFill>
+                <a:schemeClr val="bg1"/>
+              </a:solidFill>
+            </a:endParaRPr>
+          </a:p>
+        </p:txBody>
+      </p:sp>
+      <p:pic>
+        <p:nvPicPr>
+          <p:cNvPr id="160" name="Picture 159">
+            <a:extLst>
+              <a:ext uri="{FF2B5EF4-FFF2-40B4-BE49-F238E27FC236}">
+                <a16:creationId xmlns:a16="http://schemas.microsoft.com/office/drawing/2014/main" id="{AEF96DBF-A6F3-460D-81BC-AE3DDC6A6965}"/>
+              </a:ext>
+            </a:extLst>
+          </p:cNvPr>
+          <p:cNvPicPr>
+            <a:picLocks noChangeAspect="1"/>
+          </p:cNvPicPr>
+          <p:nvPr/>
+        </p:nvPicPr>
+        <p:blipFill>
+          <a:blip r:embed="rId20"/>
+          <a:stretch>
+            <a:fillRect/>
+          </a:stretch>
+        </p:blipFill>
+        <p:spPr>
+          <a:xfrm>
+            <a:off x="12497212" y="21498965"/>
+            <a:ext cx="1891253" cy="2619785"/>
+          </a:xfrm>
+          <a:prstGeom prst="rect">
+            <a:avLst/>
+          </a:prstGeom>
+        </p:spPr>
+      </p:pic>
+      <p:sp>
+        <p:nvSpPr>
+          <p:cNvPr id="161" name="TextBox 160">
+            <a:extLst>
+              <a:ext uri="{FF2B5EF4-FFF2-40B4-BE49-F238E27FC236}">
+                <a16:creationId xmlns:a16="http://schemas.microsoft.com/office/drawing/2014/main" id="{08365969-EFE4-4B9C-92A0-B0973FB598FA}"/>
+              </a:ext>
+            </a:extLst>
+          </p:cNvPr>
+          <p:cNvSpPr txBox="1"/>
+          <p:nvPr/>
+        </p:nvSpPr>
+        <p:spPr>
+          <a:xfrm>
+            <a:off x="12902870" y="22108774"/>
+            <a:ext cx="885884" cy="1200329"/>
+          </a:xfrm>
+          <a:prstGeom prst="rect">
+            <a:avLst/>
+          </a:prstGeom>
+          <a:noFill/>
+        </p:spPr>
+        <p:txBody>
+          <a:bodyPr wrap="none" rtlCol="0">
+            <a:spAutoFit/>
+          </a:bodyPr>
+          <a:lstStyle/>
+          <a:p>
+            <a:r>
+              <a:rPr lang="da-DK" sz="1200" dirty="0"/>
+              <a:t>Opskrifter:</a:t>
+            </a:r>
+          </a:p>
+          <a:p>
+            <a:pPr marL="171450" indent="-171450">
+              <a:buFont typeface="Arial" panose="020B0604020202020204" pitchFamily="34" charset="0"/>
+              <a:buChar char="•"/>
+            </a:pPr>
+            <a:r>
+              <a:rPr lang="da-DK" sz="1200" dirty="0"/>
+              <a:t>Boller</a:t>
+            </a:r>
+          </a:p>
+          <a:p>
+            <a:pPr marL="171450" indent="-171450">
+              <a:buFont typeface="Arial" panose="020B0604020202020204" pitchFamily="34" charset="0"/>
+              <a:buChar char="•"/>
+            </a:pPr>
+            <a:r>
+              <a:rPr lang="da-DK" sz="1200" dirty="0"/>
+              <a:t>Rugbrød</a:t>
+            </a:r>
+          </a:p>
+          <a:p>
+            <a:pPr marL="171450" indent="-171450">
+              <a:buFont typeface="Arial" panose="020B0604020202020204" pitchFamily="34" charset="0"/>
+              <a:buChar char="•"/>
+            </a:pPr>
+            <a:r>
+              <a:rPr lang="da-DK" sz="1200" dirty="0"/>
+              <a:t>Lasagne</a:t>
+            </a:r>
+          </a:p>
+          <a:p>
+            <a:pPr marL="171450" indent="-171450">
+              <a:buFont typeface="Arial" panose="020B0604020202020204" pitchFamily="34" charset="0"/>
+              <a:buChar char="•"/>
+            </a:pPr>
+            <a:r>
+              <a:rPr lang="da-DK" sz="1200" dirty="0"/>
+              <a:t>Fondue</a:t>
+            </a:r>
+          </a:p>
+          <a:p>
+            <a:pPr marL="171450" indent="-171450">
+              <a:buFont typeface="Arial" panose="020B0604020202020204" pitchFamily="34" charset="0"/>
+              <a:buChar char="•"/>
+            </a:pPr>
+            <a:endParaRPr lang="da-DK" sz="1200" dirty="0"/>
+          </a:p>
+        </p:txBody>
+      </p:sp>
+      <p:sp>
+        <p:nvSpPr>
+          <p:cNvPr id="162" name="TextBox 161">
+            <a:extLst>
+              <a:ext uri="{FF2B5EF4-FFF2-40B4-BE49-F238E27FC236}">
+                <a16:creationId xmlns:a16="http://schemas.microsoft.com/office/drawing/2014/main" id="{AB5BAD6A-5F2D-43AA-956B-0CD4566E76A9}"/>
+              </a:ext>
+            </a:extLst>
+          </p:cNvPr>
+          <p:cNvSpPr txBox="1"/>
+          <p:nvPr/>
+        </p:nvSpPr>
+        <p:spPr>
+          <a:xfrm>
+            <a:off x="12489085" y="21324554"/>
+            <a:ext cx="486030" cy="184666"/>
+          </a:xfrm>
+          <a:prstGeom prst="rect">
+            <a:avLst/>
+          </a:prstGeom>
+          <a:noFill/>
+        </p:spPr>
+        <p:txBody>
+          <a:bodyPr wrap="none" rtlCol="0">
+            <a:spAutoFit/>
+          </a:bodyPr>
+          <a:lstStyle/>
+          <a:p>
+            <a:r>
+              <a:rPr lang="da-DK" sz="600" dirty="0">
+                <a:solidFill>
+                  <a:schemeClr val="bg1"/>
+                </a:solidFill>
+              </a:rPr>
+              <a:t>Inventory</a:t>
+            </a:r>
+          </a:p>
+        </p:txBody>
+      </p:sp>
+      <p:pic>
+        <p:nvPicPr>
+          <p:cNvPr id="163" name="Picture 162">
+            <a:extLst>
+              <a:ext uri="{FF2B5EF4-FFF2-40B4-BE49-F238E27FC236}">
+                <a16:creationId xmlns:a16="http://schemas.microsoft.com/office/drawing/2014/main" id="{5CD04074-D0C9-43AC-ACCE-86975DBDECDE}"/>
+              </a:ext>
+            </a:extLst>
+          </p:cNvPr>
+          <p:cNvPicPr>
+            <a:picLocks noChangeAspect="1"/>
+          </p:cNvPicPr>
+          <p:nvPr/>
+        </p:nvPicPr>
+        <p:blipFill>
+          <a:blip r:embed="rId18"/>
+          <a:stretch>
+            <a:fillRect/>
+          </a:stretch>
+        </p:blipFill>
+        <p:spPr>
+          <a:xfrm>
+            <a:off x="12497730" y="21122073"/>
+            <a:ext cx="1899814" cy="255158"/>
+          </a:xfrm>
+          <a:prstGeom prst="rect">
+            <a:avLst/>
+          </a:prstGeom>
+        </p:spPr>
+      </p:pic>
+      <p:pic>
+        <p:nvPicPr>
+          <p:cNvPr id="12" name="Picture 11">
+            <a:extLst>
+              <a:ext uri="{FF2B5EF4-FFF2-40B4-BE49-F238E27FC236}">
+                <a16:creationId xmlns:a16="http://schemas.microsoft.com/office/drawing/2014/main" id="{42B01639-8155-483F-A0E2-651203437B0C}"/>
+              </a:ext>
+            </a:extLst>
+          </p:cNvPr>
+          <p:cNvPicPr>
+            <a:picLocks noChangeAspect="1"/>
+          </p:cNvPicPr>
+          <p:nvPr/>
+        </p:nvPicPr>
+        <p:blipFill>
+          <a:blip r:embed="rId23"/>
+          <a:stretch>
+            <a:fillRect/>
+          </a:stretch>
+        </p:blipFill>
+        <p:spPr>
+          <a:xfrm>
+            <a:off x="13080954" y="23491403"/>
+            <a:ext cx="723900" cy="219075"/>
+          </a:xfrm>
+          <a:prstGeom prst="rect">
+            <a:avLst/>
+          </a:prstGeom>
+        </p:spPr>
+      </p:pic>
+      <p:cxnSp>
+        <p:nvCxnSpPr>
+          <p:cNvPr id="181" name="Connector: Elbow 180">
+            <a:extLst>
+              <a:ext uri="{FF2B5EF4-FFF2-40B4-BE49-F238E27FC236}">
+                <a16:creationId xmlns:a16="http://schemas.microsoft.com/office/drawing/2014/main" id="{D8AEDF3A-9CB4-457F-97D4-1F955EE1D5ED}"/>
+              </a:ext>
+            </a:extLst>
+          </p:cNvPr>
+          <p:cNvCxnSpPr>
+            <a:cxnSpLocks/>
+          </p:cNvCxnSpPr>
+          <p:nvPr/>
+        </p:nvCxnSpPr>
+        <p:spPr>
+          <a:xfrm>
+            <a:off x="13577777" y="22422797"/>
+            <a:ext cx="5869633" cy="1488403"/>
+          </a:xfrm>
+          <a:prstGeom prst="bentConnector3">
+            <a:avLst>
+              <a:gd name="adj1" fmla="val 5801"/>
+            </a:avLst>
+          </a:prstGeom>
+          <a:ln>
+            <a:tailEnd type="triangle"/>
+          </a:ln>
+        </p:spPr>
+        <p:style>
+          <a:lnRef idx="3">
+            <a:schemeClr val="dk1"/>
+          </a:lnRef>
+          <a:fillRef idx="0">
+            <a:schemeClr val="dk1"/>
+          </a:fillRef>
+          <a:effectRef idx="2">
+            <a:schemeClr val="dk1"/>
+          </a:effectRef>
+          <a:fontRef idx="minor">
+            <a:schemeClr val="tx1"/>
+          </a:fontRef>
+        </p:style>
+      </p:cxnSp>
+      <p:cxnSp>
+        <p:nvCxnSpPr>
+          <p:cNvPr id="194" name="Connector: Elbow 193">
+            <a:extLst>
+              <a:ext uri="{FF2B5EF4-FFF2-40B4-BE49-F238E27FC236}">
+                <a16:creationId xmlns:a16="http://schemas.microsoft.com/office/drawing/2014/main" id="{9904404F-F7A3-4D3A-AA95-2BA2F5368B0C}"/>
+              </a:ext>
+            </a:extLst>
+          </p:cNvPr>
+          <p:cNvCxnSpPr>
+            <a:cxnSpLocks/>
+          </p:cNvCxnSpPr>
+          <p:nvPr/>
+        </p:nvCxnSpPr>
+        <p:spPr>
+          <a:xfrm>
+            <a:off x="13786101" y="20041075"/>
+            <a:ext cx="5624929" cy="407670"/>
+          </a:xfrm>
+          <a:prstGeom prst="bentConnector3">
+            <a:avLst>
+              <a:gd name="adj1" fmla="val 664"/>
+            </a:avLst>
+          </a:prstGeom>
+          <a:ln>
+            <a:tailEnd type="triangle"/>
+          </a:ln>
+        </p:spPr>
+        <p:style>
+          <a:lnRef idx="3">
+            <a:schemeClr val="dk1"/>
+          </a:lnRef>
+          <a:fillRef idx="0">
+            <a:schemeClr val="dk1"/>
+          </a:fillRef>
+          <a:effectRef idx="2">
+            <a:schemeClr val="dk1"/>
+          </a:effectRef>
+          <a:fontRef idx="minor">
+            <a:schemeClr val="tx1"/>
+          </a:fontRef>
+        </p:style>
+      </p:cxnSp>
+      <p:sp>
+        <p:nvSpPr>
+          <p:cNvPr id="214" name="Rectangle 213">
+            <a:extLst>
+              <a:ext uri="{FF2B5EF4-FFF2-40B4-BE49-F238E27FC236}">
+                <a16:creationId xmlns:a16="http://schemas.microsoft.com/office/drawing/2014/main" id="{D7A78630-36EF-4EB8-8B68-3C5FDE5E8087}"/>
+              </a:ext>
+            </a:extLst>
+          </p:cNvPr>
+          <p:cNvSpPr/>
+          <p:nvPr/>
+        </p:nvSpPr>
+        <p:spPr>
+          <a:xfrm>
+            <a:off x="21428833" y="18504634"/>
+            <a:ext cx="3270600" cy="2617439"/>
+          </a:xfrm>
+          <a:prstGeom prst="rect">
+            <a:avLst/>
+          </a:prstGeom>
+        </p:spPr>
+        <p:style>
+          <a:lnRef idx="2">
+            <a:schemeClr val="accent1">
+              <a:shade val="50000"/>
+            </a:schemeClr>
+          </a:lnRef>
+          <a:fillRef idx="1">
+            <a:schemeClr val="accent1"/>
+          </a:fillRef>
+          <a:effectRef idx="0">
+            <a:schemeClr val="accent1"/>
+          </a:effectRef>
+          <a:fontRef idx="minor">
+            <a:schemeClr val="lt1"/>
+          </a:fontRef>
+        </p:style>
+        <p:txBody>
+          <a:bodyPr rtlCol="0" anchor="ctr"/>
+          <a:lstStyle/>
+          <a:p>
+            <a:pPr algn="ctr"/>
+            <a:endParaRPr lang="da-DK" dirty="0"/>
+          </a:p>
+        </p:txBody>
+      </p:sp>
+      <p:sp>
+        <p:nvSpPr>
+          <p:cNvPr id="215" name="TextBox 214">
+            <a:extLst>
+              <a:ext uri="{FF2B5EF4-FFF2-40B4-BE49-F238E27FC236}">
+                <a16:creationId xmlns:a16="http://schemas.microsoft.com/office/drawing/2014/main" id="{C620FB7E-759C-4871-B61F-3094806137B9}"/>
+              </a:ext>
+            </a:extLst>
+          </p:cNvPr>
+          <p:cNvSpPr txBox="1"/>
+          <p:nvPr/>
+        </p:nvSpPr>
+        <p:spPr>
+          <a:xfrm>
+            <a:off x="21394292" y="18508495"/>
+            <a:ext cx="3305141" cy="2492990"/>
+          </a:xfrm>
+          <a:prstGeom prst="rect">
+            <a:avLst/>
+          </a:prstGeom>
+          <a:noFill/>
+        </p:spPr>
+        <p:txBody>
+          <a:bodyPr wrap="square" rtlCol="0">
+            <a:spAutoFit/>
+          </a:bodyPr>
+          <a:lstStyle/>
+          <a:p>
+            <a:r>
+              <a:rPr lang="da-DK" sz="1200" b="1" dirty="0" err="1">
+                <a:solidFill>
+                  <a:schemeClr val="bg1"/>
+                </a:solidFill>
+              </a:rPr>
+              <a:t>Shoppingliste</a:t>
+            </a:r>
+            <a:r>
+              <a:rPr lang="da-DK" sz="1200" b="1" dirty="0">
+                <a:solidFill>
+                  <a:schemeClr val="bg1"/>
+                </a:solidFill>
+              </a:rPr>
+              <a:t> - rengøring</a:t>
+            </a:r>
+          </a:p>
+          <a:p>
+            <a:endParaRPr lang="da-DK" sz="1200" b="1" dirty="0">
+              <a:solidFill>
+                <a:schemeClr val="bg1"/>
+              </a:solidFill>
+            </a:endParaRPr>
+          </a:p>
+          <a:p>
+            <a:pPr marL="171450" indent="-171450">
+              <a:buFont typeface="Arial" panose="020B0604020202020204" pitchFamily="34" charset="0"/>
+              <a:buChar char="•"/>
+            </a:pPr>
+            <a:r>
+              <a:rPr lang="da-DK" sz="1200" dirty="0">
+                <a:solidFill>
+                  <a:schemeClr val="bg1"/>
+                </a:solidFill>
+              </a:rPr>
+              <a:t>Viser items på rengørings </a:t>
+            </a:r>
+            <a:r>
+              <a:rPr lang="da-DK" sz="1200" dirty="0" err="1">
+                <a:solidFill>
+                  <a:schemeClr val="bg1"/>
+                </a:solidFill>
+              </a:rPr>
+              <a:t>shoppingliste</a:t>
+            </a:r>
+            <a:endParaRPr lang="da-DK" sz="1200" dirty="0">
+              <a:solidFill>
+                <a:schemeClr val="bg1"/>
+              </a:solidFill>
+            </a:endParaRPr>
+          </a:p>
+          <a:p>
+            <a:endParaRPr lang="da-DK" sz="1200" dirty="0">
+              <a:solidFill>
+                <a:schemeClr val="bg1"/>
+              </a:solidFill>
+            </a:endParaRPr>
+          </a:p>
+          <a:p>
+            <a:pPr marL="171450" indent="-171450">
+              <a:buFont typeface="Arial" panose="020B0604020202020204" pitchFamily="34" charset="0"/>
+              <a:buChar char="•"/>
+            </a:pPr>
+            <a:r>
+              <a:rPr lang="da-DK" sz="1200" dirty="0" err="1">
+                <a:solidFill>
+                  <a:schemeClr val="bg1"/>
+                </a:solidFill>
+              </a:rPr>
+              <a:t>LongButtonPress</a:t>
+            </a:r>
+            <a:endParaRPr lang="da-DK" sz="1200" dirty="0">
+              <a:solidFill>
+                <a:schemeClr val="bg1"/>
+              </a:solidFill>
+            </a:endParaRPr>
+          </a:p>
+          <a:p>
+            <a:pPr marL="781035" lvl="1" indent="-171450">
+              <a:buFont typeface="Arial" panose="020B0604020202020204" pitchFamily="34" charset="0"/>
+              <a:buChar char="•"/>
+            </a:pPr>
+            <a:r>
+              <a:rPr lang="da-DK" sz="1200" dirty="0">
+                <a:solidFill>
+                  <a:schemeClr val="bg1"/>
+                </a:solidFill>
+              </a:rPr>
+              <a:t>Edit </a:t>
+            </a:r>
+            <a:r>
+              <a:rPr lang="da-DK" sz="1200" dirty="0" err="1">
+                <a:solidFill>
+                  <a:schemeClr val="bg1"/>
+                </a:solidFill>
+              </a:rPr>
+              <a:t>name</a:t>
+            </a:r>
+            <a:r>
+              <a:rPr lang="da-DK" sz="1200" dirty="0">
+                <a:solidFill>
+                  <a:schemeClr val="bg1"/>
+                </a:solidFill>
+              </a:rPr>
+              <a:t>, </a:t>
+            </a:r>
+            <a:r>
+              <a:rPr lang="da-DK" sz="1200" dirty="0" err="1">
+                <a:solidFill>
+                  <a:schemeClr val="bg1"/>
+                </a:solidFill>
+              </a:rPr>
+              <a:t>quantity</a:t>
+            </a:r>
+            <a:endParaRPr lang="da-DK" sz="1200" dirty="0">
+              <a:solidFill>
+                <a:schemeClr val="bg1"/>
+              </a:solidFill>
+            </a:endParaRPr>
+          </a:p>
+          <a:p>
+            <a:pPr marL="781035" lvl="1" indent="-171450">
+              <a:buFont typeface="Arial" panose="020B0604020202020204" pitchFamily="34" charset="0"/>
+              <a:buChar char="•"/>
+            </a:pPr>
+            <a:r>
+              <a:rPr lang="da-DK" sz="1200" dirty="0" err="1">
+                <a:solidFill>
+                  <a:schemeClr val="bg1"/>
+                </a:solidFill>
+              </a:rPr>
+              <a:t>Delete</a:t>
+            </a:r>
+            <a:r>
+              <a:rPr lang="da-DK" sz="1200" dirty="0">
+                <a:solidFill>
+                  <a:schemeClr val="bg1"/>
+                </a:solidFill>
+              </a:rPr>
+              <a:t> </a:t>
+            </a:r>
+            <a:r>
+              <a:rPr lang="da-DK" sz="1200" dirty="0" err="1">
+                <a:solidFill>
+                  <a:schemeClr val="bg1"/>
+                </a:solidFill>
+              </a:rPr>
+              <a:t>shoppinglist</a:t>
+            </a:r>
+            <a:endParaRPr lang="da-DK" sz="1200" dirty="0">
+              <a:solidFill>
+                <a:schemeClr val="bg1"/>
+              </a:solidFill>
+            </a:endParaRPr>
+          </a:p>
+          <a:p>
+            <a:pPr marL="781035" lvl="1" indent="-171450">
+              <a:buFont typeface="Arial" panose="020B0604020202020204" pitchFamily="34" charset="0"/>
+              <a:buChar char="•"/>
+            </a:pPr>
+            <a:endParaRPr lang="da-DK" sz="1200" dirty="0">
+              <a:solidFill>
+                <a:schemeClr val="bg1"/>
+              </a:solidFill>
+            </a:endParaRPr>
+          </a:p>
+          <a:p>
+            <a:pPr marL="171450" indent="-171450">
+              <a:buFont typeface="Arial" panose="020B0604020202020204" pitchFamily="34" charset="0"/>
+              <a:buChar char="•"/>
+            </a:pPr>
+            <a:r>
+              <a:rPr lang="da-DK" sz="1200" dirty="0">
+                <a:solidFill>
+                  <a:schemeClr val="bg1"/>
+                </a:solidFill>
+              </a:rPr>
+              <a:t>Tilføj ting – tilføj items til </a:t>
+            </a:r>
+            <a:r>
+              <a:rPr lang="da-DK" sz="1200" dirty="0" err="1">
+                <a:solidFill>
+                  <a:schemeClr val="bg1"/>
+                </a:solidFill>
+              </a:rPr>
+              <a:t>listenvha</a:t>
+            </a:r>
+            <a:r>
+              <a:rPr lang="da-DK" sz="1200" dirty="0">
+                <a:solidFill>
+                  <a:schemeClr val="bg1"/>
+                </a:solidFill>
+              </a:rPr>
+              <a:t>. </a:t>
+            </a:r>
+            <a:r>
+              <a:rPr lang="da-DK" sz="1200" dirty="0" err="1">
+                <a:solidFill>
+                  <a:schemeClr val="bg1"/>
+                </a:solidFill>
+              </a:rPr>
+              <a:t>dialogbox</a:t>
+            </a:r>
+            <a:endParaRPr lang="da-DK" sz="1200" dirty="0">
+              <a:solidFill>
+                <a:schemeClr val="bg1"/>
+              </a:solidFill>
+            </a:endParaRPr>
+          </a:p>
+          <a:p>
+            <a:pPr marL="171450" indent="-171450">
+              <a:buFont typeface="Arial" panose="020B0604020202020204" pitchFamily="34" charset="0"/>
+              <a:buChar char="•"/>
+            </a:pPr>
+            <a:r>
+              <a:rPr lang="da-DK" sz="1200" dirty="0">
+                <a:solidFill>
+                  <a:schemeClr val="bg1"/>
+                </a:solidFill>
+              </a:rPr>
+              <a:t>Tilbage </a:t>
+            </a:r>
+            <a:r>
+              <a:rPr lang="da-DK" sz="1200" dirty="0">
+                <a:solidFill>
+                  <a:schemeClr val="bg1"/>
+                </a:solidFill>
+                <a:sym typeface="Wingdings" panose="05000000000000000000" pitchFamily="2" charset="2"/>
+              </a:rPr>
+              <a:t> </a:t>
+            </a:r>
+            <a:r>
+              <a:rPr lang="da-DK" sz="1200" dirty="0" err="1">
+                <a:solidFill>
+                  <a:schemeClr val="bg1"/>
+                </a:solidFill>
+                <a:sym typeface="Wingdings" panose="05000000000000000000" pitchFamily="2" charset="2"/>
+              </a:rPr>
+              <a:t>OverviewActivity</a:t>
+            </a:r>
+            <a:endParaRPr lang="da-DK" sz="1200" dirty="0">
+              <a:solidFill>
+                <a:schemeClr val="bg1"/>
+              </a:solidFill>
+            </a:endParaRPr>
+          </a:p>
+          <a:p>
+            <a:pPr marL="171450" indent="-171450">
+              <a:buFont typeface="Arial" panose="020B0604020202020204" pitchFamily="34" charset="0"/>
+              <a:buChar char="•"/>
+            </a:pPr>
+            <a:endParaRPr lang="da-DK" sz="1200" dirty="0">
+              <a:solidFill>
+                <a:schemeClr val="bg1"/>
+              </a:solidFill>
+            </a:endParaRPr>
+          </a:p>
+          <a:p>
+            <a:pPr marL="171450" indent="-171450">
+              <a:buFont typeface="Arial" panose="020B0604020202020204" pitchFamily="34" charset="0"/>
+              <a:buChar char="•"/>
+            </a:pPr>
+            <a:endParaRPr lang="da-DK" sz="1200" dirty="0">
+              <a:solidFill>
+                <a:schemeClr val="bg1"/>
+              </a:solidFill>
+            </a:endParaRPr>
+          </a:p>
+          <a:p>
+            <a:pPr marL="171450" indent="-171450">
+              <a:buFont typeface="Arial" panose="020B0604020202020204" pitchFamily="34" charset="0"/>
+              <a:buChar char="•"/>
+            </a:pPr>
+            <a:endParaRPr lang="da-DK" sz="1200" dirty="0">
+              <a:solidFill>
+                <a:schemeClr val="bg1"/>
+              </a:solidFill>
+            </a:endParaRPr>
+          </a:p>
+        </p:txBody>
+      </p:sp>
+      <p:sp>
+        <p:nvSpPr>
+          <p:cNvPr id="216" name="Rectangle 215">
+            <a:extLst>
+              <a:ext uri="{FF2B5EF4-FFF2-40B4-BE49-F238E27FC236}">
+                <a16:creationId xmlns:a16="http://schemas.microsoft.com/office/drawing/2014/main" id="{6EA94688-C036-4A3B-A9EB-06704A28B9EC}"/>
+              </a:ext>
+            </a:extLst>
+          </p:cNvPr>
+          <p:cNvSpPr/>
+          <p:nvPr/>
+        </p:nvSpPr>
+        <p:spPr>
+          <a:xfrm>
+            <a:off x="21408782" y="21291688"/>
+            <a:ext cx="3290651" cy="3188421"/>
+          </a:xfrm>
+          <a:prstGeom prst="rect">
+            <a:avLst/>
+          </a:prstGeom>
+        </p:spPr>
+        <p:style>
+          <a:lnRef idx="2">
+            <a:schemeClr val="accent1">
+              <a:shade val="50000"/>
+            </a:schemeClr>
+          </a:lnRef>
+          <a:fillRef idx="1">
+            <a:schemeClr val="accent1"/>
+          </a:fillRef>
+          <a:effectRef idx="0">
+            <a:schemeClr val="accent1"/>
+          </a:effectRef>
+          <a:fontRef idx="minor">
+            <a:schemeClr val="lt1"/>
+          </a:fontRef>
+        </p:style>
+        <p:txBody>
+          <a:bodyPr rtlCol="0" anchor="ctr"/>
+          <a:lstStyle/>
+          <a:p>
+            <a:pPr algn="ctr"/>
+            <a:endParaRPr lang="da-DK" dirty="0"/>
+          </a:p>
+        </p:txBody>
+      </p:sp>
+      <p:sp>
+        <p:nvSpPr>
+          <p:cNvPr id="217" name="TextBox 216">
+            <a:extLst>
+              <a:ext uri="{FF2B5EF4-FFF2-40B4-BE49-F238E27FC236}">
+                <a16:creationId xmlns:a16="http://schemas.microsoft.com/office/drawing/2014/main" id="{5F20DABC-E34E-4BE4-9F15-B60804FD7398}"/>
+              </a:ext>
+            </a:extLst>
+          </p:cNvPr>
+          <p:cNvSpPr txBox="1"/>
+          <p:nvPr/>
+        </p:nvSpPr>
+        <p:spPr>
+          <a:xfrm>
+            <a:off x="21408782" y="21285363"/>
+            <a:ext cx="3290651" cy="3600986"/>
+          </a:xfrm>
+          <a:prstGeom prst="rect">
+            <a:avLst/>
+          </a:prstGeom>
+          <a:noFill/>
+        </p:spPr>
+        <p:txBody>
+          <a:bodyPr wrap="square" rtlCol="0">
+            <a:spAutoFit/>
+          </a:bodyPr>
+          <a:lstStyle/>
+          <a:p>
+            <a:r>
+              <a:rPr lang="da-DK" sz="1200" b="1" dirty="0" err="1">
+                <a:solidFill>
+                  <a:schemeClr val="bg1"/>
+                </a:solidFill>
+              </a:rPr>
+              <a:t>Ingredients</a:t>
+            </a:r>
+            <a:r>
+              <a:rPr lang="da-DK" sz="1200" b="1" dirty="0">
+                <a:solidFill>
+                  <a:schemeClr val="bg1"/>
+                </a:solidFill>
+              </a:rPr>
+              <a:t> til boller</a:t>
+            </a:r>
+          </a:p>
+          <a:p>
+            <a:endParaRPr lang="da-DK" sz="1200" b="1" dirty="0">
+              <a:solidFill>
+                <a:schemeClr val="bg1"/>
+              </a:solidFill>
+            </a:endParaRPr>
+          </a:p>
+          <a:p>
+            <a:pPr marL="171450" indent="-171450">
+              <a:buFont typeface="Arial" panose="020B0604020202020204" pitchFamily="34" charset="0"/>
+              <a:buChar char="•"/>
+            </a:pPr>
+            <a:r>
+              <a:rPr lang="da-DK" sz="1200" dirty="0">
+                <a:solidFill>
+                  <a:schemeClr val="bg1"/>
+                </a:solidFill>
+              </a:rPr>
+              <a:t>Viser items der skal bruges til at lave boller</a:t>
+            </a:r>
+          </a:p>
+          <a:p>
+            <a:endParaRPr lang="da-DK" sz="1200" dirty="0">
+              <a:solidFill>
+                <a:schemeClr val="bg1"/>
+              </a:solidFill>
+            </a:endParaRPr>
+          </a:p>
+          <a:p>
+            <a:pPr marL="171450" indent="-171450">
+              <a:buFont typeface="Arial" panose="020B0604020202020204" pitchFamily="34" charset="0"/>
+              <a:buChar char="•"/>
+            </a:pPr>
+            <a:r>
+              <a:rPr lang="da-DK" sz="1200" dirty="0" err="1">
+                <a:solidFill>
+                  <a:schemeClr val="bg1"/>
+                </a:solidFill>
+              </a:rPr>
+              <a:t>LongButtonPress</a:t>
+            </a:r>
+            <a:endParaRPr lang="da-DK" sz="1200" dirty="0">
+              <a:solidFill>
+                <a:schemeClr val="bg1"/>
+              </a:solidFill>
+            </a:endParaRPr>
+          </a:p>
+          <a:p>
+            <a:pPr marL="781035" lvl="1" indent="-171450">
+              <a:buFont typeface="Arial" panose="020B0604020202020204" pitchFamily="34" charset="0"/>
+              <a:buChar char="•"/>
+            </a:pPr>
+            <a:r>
+              <a:rPr lang="da-DK" sz="1200" dirty="0">
+                <a:solidFill>
+                  <a:schemeClr val="bg1"/>
+                </a:solidFill>
+              </a:rPr>
+              <a:t>Edit </a:t>
+            </a:r>
+            <a:r>
+              <a:rPr lang="da-DK" sz="1200" dirty="0" err="1">
+                <a:solidFill>
+                  <a:schemeClr val="bg1"/>
+                </a:solidFill>
+              </a:rPr>
+              <a:t>name</a:t>
+            </a:r>
+            <a:r>
+              <a:rPr lang="da-DK" sz="1200" dirty="0">
+                <a:solidFill>
+                  <a:schemeClr val="bg1"/>
+                </a:solidFill>
+              </a:rPr>
+              <a:t>, </a:t>
+            </a:r>
+            <a:r>
+              <a:rPr lang="da-DK" sz="1200" dirty="0" err="1">
+                <a:solidFill>
+                  <a:schemeClr val="bg1"/>
+                </a:solidFill>
+              </a:rPr>
+              <a:t>quantity</a:t>
+            </a:r>
+            <a:endParaRPr lang="da-DK" sz="1200" dirty="0">
+              <a:solidFill>
+                <a:schemeClr val="bg1"/>
+              </a:solidFill>
+            </a:endParaRPr>
+          </a:p>
+          <a:p>
+            <a:pPr marL="781035" lvl="1" indent="-171450">
+              <a:buFont typeface="Arial" panose="020B0604020202020204" pitchFamily="34" charset="0"/>
+              <a:buChar char="•"/>
+            </a:pPr>
+            <a:r>
+              <a:rPr lang="da-DK" sz="1200" dirty="0" err="1">
+                <a:solidFill>
+                  <a:schemeClr val="bg1"/>
+                </a:solidFill>
+              </a:rPr>
+              <a:t>Delete</a:t>
+            </a:r>
+            <a:r>
+              <a:rPr lang="da-DK" sz="1200" dirty="0">
+                <a:solidFill>
+                  <a:schemeClr val="bg1"/>
+                </a:solidFill>
+              </a:rPr>
+              <a:t> item</a:t>
+            </a:r>
+          </a:p>
+          <a:p>
+            <a:endParaRPr lang="da-DK" sz="1200" dirty="0">
+              <a:solidFill>
+                <a:schemeClr val="bg1"/>
+              </a:solidFill>
+            </a:endParaRPr>
+          </a:p>
+          <a:p>
+            <a:pPr marL="171450" indent="-171450">
+              <a:buFont typeface="Arial" panose="020B0604020202020204" pitchFamily="34" charset="0"/>
+              <a:buChar char="•"/>
+            </a:pPr>
+            <a:r>
+              <a:rPr lang="da-DK" sz="1200" dirty="0">
+                <a:solidFill>
+                  <a:schemeClr val="bg1"/>
+                </a:solidFill>
+              </a:rPr>
+              <a:t>Tilføj til </a:t>
+            </a:r>
+            <a:r>
+              <a:rPr lang="da-DK" sz="1200" dirty="0" err="1">
+                <a:solidFill>
+                  <a:schemeClr val="bg1"/>
+                </a:solidFill>
+              </a:rPr>
+              <a:t>shoppingliste</a:t>
+            </a:r>
+            <a:r>
+              <a:rPr lang="da-DK" sz="1200" dirty="0">
+                <a:solidFill>
+                  <a:schemeClr val="bg1"/>
+                </a:solidFill>
+              </a:rPr>
+              <a:t> – </a:t>
+            </a:r>
+            <a:r>
+              <a:rPr lang="da-DK" sz="1200" dirty="0" err="1">
+                <a:solidFill>
+                  <a:schemeClr val="bg1"/>
+                </a:solidFill>
+              </a:rPr>
+              <a:t>dropdown</a:t>
+            </a:r>
+            <a:r>
+              <a:rPr lang="da-DK" sz="1200" dirty="0">
+                <a:solidFill>
+                  <a:schemeClr val="bg1"/>
+                </a:solidFill>
+              </a:rPr>
+              <a:t> af </a:t>
+            </a:r>
+            <a:r>
+              <a:rPr lang="da-DK" sz="1200" dirty="0" err="1">
+                <a:solidFill>
+                  <a:schemeClr val="bg1"/>
+                </a:solidFill>
+              </a:rPr>
+              <a:t>shoppinglists</a:t>
+            </a:r>
+            <a:endParaRPr lang="da-DK" sz="1200" dirty="0">
+              <a:solidFill>
+                <a:schemeClr val="bg1"/>
+              </a:solidFill>
+            </a:endParaRPr>
+          </a:p>
+          <a:p>
+            <a:pPr marL="781035" lvl="1" indent="-171450">
+              <a:buFont typeface="Arial" panose="020B0604020202020204" pitchFamily="34" charset="0"/>
+              <a:buChar char="•"/>
+            </a:pPr>
+            <a:r>
+              <a:rPr lang="da-DK" sz="1200" dirty="0">
+                <a:solidFill>
+                  <a:schemeClr val="bg1"/>
+                </a:solidFill>
+              </a:rPr>
+              <a:t>Efter brugerens valg bliver der set på, hvad brugeren allerede har til rådighed af </a:t>
+            </a:r>
+            <a:r>
+              <a:rPr lang="da-DK" sz="1200" dirty="0" err="1">
+                <a:solidFill>
+                  <a:schemeClr val="bg1"/>
+                </a:solidFill>
+              </a:rPr>
+              <a:t>ingredientser</a:t>
+            </a:r>
+            <a:r>
+              <a:rPr lang="da-DK" sz="1200" dirty="0">
+                <a:solidFill>
+                  <a:schemeClr val="bg1"/>
+                </a:solidFill>
+              </a:rPr>
+              <a:t>. Resten bliver tilføjet til valgte </a:t>
+            </a:r>
+            <a:r>
+              <a:rPr lang="da-DK" sz="1200" dirty="0" err="1">
+                <a:solidFill>
+                  <a:schemeClr val="bg1"/>
+                </a:solidFill>
+              </a:rPr>
+              <a:t>shoppingliste</a:t>
+            </a:r>
+            <a:r>
+              <a:rPr lang="da-DK" sz="1200" dirty="0">
+                <a:solidFill>
+                  <a:schemeClr val="bg1"/>
+                </a:solidFill>
+              </a:rPr>
+              <a:t>.</a:t>
+            </a:r>
+          </a:p>
+          <a:p>
+            <a:pPr marL="171450" indent="-171450">
+              <a:buFont typeface="Arial" panose="020B0604020202020204" pitchFamily="34" charset="0"/>
+              <a:buChar char="•"/>
+            </a:pPr>
+            <a:r>
+              <a:rPr lang="da-DK" sz="1200" dirty="0">
+                <a:solidFill>
+                  <a:schemeClr val="bg1"/>
+                </a:solidFill>
+              </a:rPr>
+              <a:t>Tilføj ting – tilføj items til </a:t>
+            </a:r>
+            <a:r>
+              <a:rPr lang="da-DK" sz="1200" dirty="0" err="1">
+                <a:solidFill>
+                  <a:schemeClr val="bg1"/>
+                </a:solidFill>
+              </a:rPr>
+              <a:t>listenvha</a:t>
+            </a:r>
+            <a:r>
+              <a:rPr lang="da-DK" sz="1200" dirty="0">
+                <a:solidFill>
+                  <a:schemeClr val="bg1"/>
+                </a:solidFill>
+              </a:rPr>
+              <a:t>. </a:t>
+            </a:r>
+            <a:r>
+              <a:rPr lang="da-DK" sz="1200" dirty="0" err="1">
+                <a:solidFill>
+                  <a:schemeClr val="bg1"/>
+                </a:solidFill>
+              </a:rPr>
+              <a:t>Dialogbox</a:t>
+            </a:r>
+            <a:endParaRPr lang="da-DK" sz="1200" dirty="0">
+              <a:solidFill>
+                <a:schemeClr val="bg1"/>
+              </a:solidFill>
+            </a:endParaRPr>
+          </a:p>
+          <a:p>
+            <a:pPr marL="171450" indent="-171450">
+              <a:buFont typeface="Arial" panose="020B0604020202020204" pitchFamily="34" charset="0"/>
+              <a:buChar char="•"/>
+            </a:pPr>
+            <a:r>
+              <a:rPr lang="da-DK" sz="1200" dirty="0">
+                <a:solidFill>
+                  <a:schemeClr val="bg1"/>
+                </a:solidFill>
+              </a:rPr>
+              <a:t>Tilbage </a:t>
+            </a:r>
+            <a:r>
+              <a:rPr lang="da-DK" sz="1200" dirty="0">
+                <a:solidFill>
+                  <a:schemeClr val="bg1"/>
+                </a:solidFill>
+                <a:sym typeface="Wingdings" panose="05000000000000000000" pitchFamily="2" charset="2"/>
+              </a:rPr>
+              <a:t> </a:t>
+            </a:r>
+            <a:r>
+              <a:rPr lang="da-DK" sz="1200" dirty="0" err="1">
+                <a:solidFill>
+                  <a:schemeClr val="bg1"/>
+                </a:solidFill>
+                <a:sym typeface="Wingdings" panose="05000000000000000000" pitchFamily="2" charset="2"/>
+              </a:rPr>
+              <a:t>OverviewActivity</a:t>
+            </a:r>
+            <a:endParaRPr lang="da-DK" sz="1200" dirty="0">
+              <a:solidFill>
+                <a:schemeClr val="bg1"/>
+              </a:solidFill>
+            </a:endParaRPr>
+          </a:p>
+          <a:p>
+            <a:pPr marL="171450" indent="-171450">
+              <a:buFont typeface="Arial" panose="020B0604020202020204" pitchFamily="34" charset="0"/>
+              <a:buChar char="•"/>
+            </a:pPr>
+            <a:endParaRPr lang="da-DK" sz="1200" dirty="0">
+              <a:solidFill>
+                <a:schemeClr val="bg1"/>
+              </a:solidFill>
+            </a:endParaRPr>
+          </a:p>
+          <a:p>
+            <a:pPr marL="171450" indent="-171450">
+              <a:buFont typeface="Arial" panose="020B0604020202020204" pitchFamily="34" charset="0"/>
+              <a:buChar char="•"/>
+            </a:pPr>
+            <a:endParaRPr lang="da-DK" sz="1200" dirty="0">
+              <a:solidFill>
+                <a:schemeClr val="bg1"/>
+              </a:solidFill>
+            </a:endParaRPr>
+          </a:p>
+          <a:p>
+            <a:pPr marL="171450" indent="-171450">
+              <a:buFont typeface="Arial" panose="020B0604020202020204" pitchFamily="34" charset="0"/>
+              <a:buChar char="•"/>
+            </a:pPr>
+            <a:endParaRPr lang="da-DK" sz="1200" dirty="0">
+              <a:solidFill>
+                <a:schemeClr val="bg1"/>
+              </a:solidFill>
+            </a:endParaRPr>
+          </a:p>
+        </p:txBody>
+      </p:sp>
+      <p:pic>
+        <p:nvPicPr>
+          <p:cNvPr id="40" name="Picture 39">
+            <a:extLst>
+              <a:ext uri="{FF2B5EF4-FFF2-40B4-BE49-F238E27FC236}">
+                <a16:creationId xmlns:a16="http://schemas.microsoft.com/office/drawing/2014/main" id="{6E70033F-FFEF-4C41-BCD6-F75D7F19B511}"/>
+              </a:ext>
+            </a:extLst>
+          </p:cNvPr>
+          <p:cNvPicPr>
+            <a:picLocks noChangeAspect="1"/>
+          </p:cNvPicPr>
+          <p:nvPr/>
+        </p:nvPicPr>
+        <p:blipFill>
+          <a:blip r:embed="rId24"/>
+          <a:stretch>
+            <a:fillRect/>
+          </a:stretch>
+        </p:blipFill>
+        <p:spPr>
+          <a:xfrm>
+            <a:off x="19836134" y="23290833"/>
+            <a:ext cx="1066800" cy="238125"/>
+          </a:xfrm>
+          <a:prstGeom prst="rect">
+            <a:avLst/>
+          </a:prstGeom>
+        </p:spPr>
+      </p:pic>
+      <p:sp>
+        <p:nvSpPr>
+          <p:cNvPr id="218" name="Rectangle 217">
+            <a:extLst>
+              <a:ext uri="{FF2B5EF4-FFF2-40B4-BE49-F238E27FC236}">
+                <a16:creationId xmlns:a16="http://schemas.microsoft.com/office/drawing/2014/main" id="{FD88316D-189C-4D48-932E-81A25C779199}"/>
+              </a:ext>
+            </a:extLst>
+          </p:cNvPr>
+          <p:cNvSpPr/>
+          <p:nvPr/>
+        </p:nvSpPr>
+        <p:spPr>
+          <a:xfrm>
+            <a:off x="14535469" y="26879519"/>
+            <a:ext cx="2716955" cy="2664002"/>
+          </a:xfrm>
+          <a:prstGeom prst="rect">
+            <a:avLst/>
+          </a:prstGeom>
+        </p:spPr>
+        <p:style>
+          <a:lnRef idx="2">
+            <a:schemeClr val="accent1">
+              <a:shade val="50000"/>
+            </a:schemeClr>
+          </a:lnRef>
+          <a:fillRef idx="1">
+            <a:schemeClr val="accent1"/>
+          </a:fillRef>
+          <a:effectRef idx="0">
+            <a:schemeClr val="accent1"/>
+          </a:effectRef>
+          <a:fontRef idx="minor">
+            <a:schemeClr val="lt1"/>
+          </a:fontRef>
+        </p:style>
+        <p:txBody>
+          <a:bodyPr rtlCol="0" anchor="ctr"/>
+          <a:lstStyle/>
+          <a:p>
+            <a:pPr algn="ctr"/>
+            <a:endParaRPr lang="da-DK" dirty="0"/>
+          </a:p>
+        </p:txBody>
+      </p:sp>
+      <p:sp>
+        <p:nvSpPr>
+          <p:cNvPr id="219" name="TextBox 218">
+            <a:extLst>
+              <a:ext uri="{FF2B5EF4-FFF2-40B4-BE49-F238E27FC236}">
+                <a16:creationId xmlns:a16="http://schemas.microsoft.com/office/drawing/2014/main" id="{9AB0D184-ADFB-4440-9430-77439154AA4D}"/>
+              </a:ext>
+            </a:extLst>
+          </p:cNvPr>
+          <p:cNvSpPr txBox="1"/>
+          <p:nvPr/>
+        </p:nvSpPr>
+        <p:spPr>
+          <a:xfrm>
+            <a:off x="14561396" y="26985832"/>
+            <a:ext cx="2730880" cy="3231654"/>
+          </a:xfrm>
+          <a:prstGeom prst="rect">
+            <a:avLst/>
+          </a:prstGeom>
+          <a:noFill/>
+        </p:spPr>
+        <p:txBody>
+          <a:bodyPr wrap="square" rtlCol="0">
+            <a:spAutoFit/>
+          </a:bodyPr>
+          <a:lstStyle/>
+          <a:p>
+            <a:r>
+              <a:rPr lang="da-DK" sz="1200" b="1" dirty="0" err="1">
+                <a:solidFill>
+                  <a:schemeClr val="bg1"/>
+                </a:solidFill>
+              </a:rPr>
+              <a:t>NewRecipe</a:t>
+            </a:r>
+            <a:r>
+              <a:rPr lang="da-DK" sz="1200" b="1" dirty="0">
+                <a:solidFill>
+                  <a:schemeClr val="bg1"/>
+                </a:solidFill>
+              </a:rPr>
+              <a:t> Activity</a:t>
+            </a:r>
+          </a:p>
+          <a:p>
+            <a:endParaRPr lang="da-DK" sz="1200" b="1" dirty="0">
+              <a:solidFill>
+                <a:schemeClr val="bg1"/>
+              </a:solidFill>
+            </a:endParaRPr>
+          </a:p>
+          <a:p>
+            <a:pPr marL="171450" indent="-171450">
+              <a:buFont typeface="Arial" panose="020B0604020202020204" pitchFamily="34" charset="0"/>
+              <a:buChar char="•"/>
+            </a:pPr>
+            <a:r>
+              <a:rPr lang="da-DK" sz="1200" dirty="0">
+                <a:solidFill>
+                  <a:schemeClr val="bg1"/>
+                </a:solidFill>
+              </a:rPr>
+              <a:t>Viser 3 knapper</a:t>
+            </a:r>
+          </a:p>
+          <a:p>
+            <a:endParaRPr lang="da-DK" sz="1200" dirty="0">
+              <a:solidFill>
+                <a:schemeClr val="bg1"/>
+              </a:solidFill>
+            </a:endParaRPr>
+          </a:p>
+          <a:p>
+            <a:pPr marL="171450" indent="-171450">
+              <a:buFont typeface="Arial" panose="020B0604020202020204" pitchFamily="34" charset="0"/>
+              <a:buChar char="•"/>
+            </a:pPr>
+            <a:r>
+              <a:rPr lang="da-DK" sz="1200" dirty="0" err="1">
+                <a:solidFill>
+                  <a:schemeClr val="bg1"/>
+                </a:solidFill>
+              </a:rPr>
+              <a:t>LongButtonPress</a:t>
+            </a:r>
+            <a:endParaRPr lang="da-DK" sz="1200" dirty="0">
+              <a:solidFill>
+                <a:schemeClr val="bg1"/>
+              </a:solidFill>
+            </a:endParaRPr>
+          </a:p>
+          <a:p>
+            <a:pPr marL="781035" lvl="1" indent="-171450">
+              <a:buFont typeface="Arial" panose="020B0604020202020204" pitchFamily="34" charset="0"/>
+              <a:buChar char="•"/>
+            </a:pPr>
+            <a:r>
+              <a:rPr lang="da-DK" sz="1200" dirty="0">
+                <a:solidFill>
+                  <a:schemeClr val="bg1"/>
+                </a:solidFill>
+              </a:rPr>
+              <a:t>Edit </a:t>
+            </a:r>
+            <a:r>
+              <a:rPr lang="da-DK" sz="1200" dirty="0" err="1">
+                <a:solidFill>
+                  <a:schemeClr val="bg1"/>
+                </a:solidFill>
+              </a:rPr>
+              <a:t>name</a:t>
+            </a:r>
+            <a:endParaRPr lang="da-DK" sz="1200" dirty="0">
+              <a:solidFill>
+                <a:schemeClr val="bg1"/>
+              </a:solidFill>
+            </a:endParaRPr>
+          </a:p>
+          <a:p>
+            <a:pPr marL="781035" lvl="1" indent="-171450">
+              <a:buFont typeface="Arial" panose="020B0604020202020204" pitchFamily="34" charset="0"/>
+              <a:buChar char="•"/>
+            </a:pPr>
+            <a:r>
+              <a:rPr lang="da-DK" sz="1200" dirty="0" err="1">
+                <a:solidFill>
+                  <a:schemeClr val="bg1"/>
+                </a:solidFill>
+              </a:rPr>
+              <a:t>Delete</a:t>
+            </a:r>
+            <a:r>
+              <a:rPr lang="da-DK" sz="1200" dirty="0">
+                <a:solidFill>
+                  <a:schemeClr val="bg1"/>
+                </a:solidFill>
+              </a:rPr>
+              <a:t> </a:t>
+            </a:r>
+            <a:r>
+              <a:rPr lang="da-DK" sz="1200" dirty="0" err="1">
+                <a:solidFill>
+                  <a:schemeClr val="bg1"/>
+                </a:solidFill>
+              </a:rPr>
+              <a:t>ingredient</a:t>
+            </a:r>
+            <a:endParaRPr lang="da-DK" sz="1200" dirty="0">
+              <a:solidFill>
+                <a:schemeClr val="bg1"/>
+              </a:solidFill>
+            </a:endParaRPr>
+          </a:p>
+          <a:p>
+            <a:pPr lvl="1"/>
+            <a:endParaRPr lang="da-DK" sz="1200" dirty="0">
+              <a:solidFill>
+                <a:schemeClr val="bg1"/>
+              </a:solidFill>
+            </a:endParaRPr>
+          </a:p>
+          <a:p>
+            <a:pPr marL="171450" indent="-171450">
+              <a:buFont typeface="Arial" panose="020B0604020202020204" pitchFamily="34" charset="0"/>
+              <a:buChar char="•"/>
+            </a:pPr>
+            <a:r>
+              <a:rPr lang="da-DK" sz="1200" dirty="0">
+                <a:solidFill>
+                  <a:schemeClr val="bg1"/>
+                </a:solidFill>
+              </a:rPr>
+              <a:t>Ny Ingrediens </a:t>
+            </a:r>
+            <a:r>
+              <a:rPr lang="da-DK" sz="1200" dirty="0">
+                <a:solidFill>
+                  <a:schemeClr val="bg1"/>
+                </a:solidFill>
+                <a:sym typeface="Wingdings" panose="05000000000000000000" pitchFamily="2" charset="2"/>
+              </a:rPr>
+              <a:t> </a:t>
+            </a:r>
+            <a:r>
+              <a:rPr lang="da-DK" sz="1200" dirty="0" err="1">
+                <a:solidFill>
+                  <a:schemeClr val="bg1"/>
+                </a:solidFill>
+                <a:sym typeface="Wingdings" panose="05000000000000000000" pitchFamily="2" charset="2"/>
+              </a:rPr>
+              <a:t>DialogBox</a:t>
+            </a:r>
+            <a:r>
+              <a:rPr lang="da-DK" sz="1200" dirty="0">
+                <a:solidFill>
+                  <a:schemeClr val="bg1"/>
+                </a:solidFill>
+                <a:sym typeface="Wingdings" panose="05000000000000000000" pitchFamily="2" charset="2"/>
+              </a:rPr>
+              <a:t> med navn og </a:t>
+            </a:r>
+            <a:r>
+              <a:rPr lang="da-DK" sz="1200" dirty="0" err="1">
+                <a:solidFill>
+                  <a:schemeClr val="bg1"/>
+                </a:solidFill>
+                <a:sym typeface="Wingdings" panose="05000000000000000000" pitchFamily="2" charset="2"/>
+              </a:rPr>
+              <a:t>quantity</a:t>
+            </a:r>
+            <a:endParaRPr lang="da-DK" sz="1200" dirty="0">
+              <a:solidFill>
+                <a:schemeClr val="bg1"/>
+              </a:solidFill>
+              <a:sym typeface="Wingdings" panose="05000000000000000000" pitchFamily="2" charset="2"/>
+            </a:endParaRPr>
+          </a:p>
+          <a:p>
+            <a:pPr marL="171450" indent="-171450">
+              <a:buFont typeface="Arial" panose="020B0604020202020204" pitchFamily="34" charset="0"/>
+              <a:buChar char="•"/>
+            </a:pPr>
+            <a:r>
+              <a:rPr lang="da-DK" sz="1200" dirty="0">
+                <a:solidFill>
+                  <a:schemeClr val="bg1"/>
+                </a:solidFill>
+              </a:rPr>
+              <a:t>Gem (database)  </a:t>
+            </a:r>
+            <a:r>
+              <a:rPr lang="da-DK" sz="1200" dirty="0">
+                <a:solidFill>
+                  <a:schemeClr val="bg1"/>
+                </a:solidFill>
+                <a:sym typeface="Wingdings" panose="05000000000000000000" pitchFamily="2" charset="2"/>
+              </a:rPr>
+              <a:t> </a:t>
+            </a:r>
+            <a:r>
+              <a:rPr lang="da-DK" sz="1200" dirty="0" err="1">
+                <a:solidFill>
+                  <a:schemeClr val="bg1"/>
+                </a:solidFill>
+                <a:sym typeface="Wingdings" panose="05000000000000000000" pitchFamily="2" charset="2"/>
+              </a:rPr>
+              <a:t>Ingredientstab</a:t>
+            </a:r>
+            <a:endParaRPr lang="da-DK" sz="1200" dirty="0">
+              <a:solidFill>
+                <a:schemeClr val="bg1"/>
+              </a:solidFill>
+              <a:sym typeface="Wingdings" panose="05000000000000000000" pitchFamily="2" charset="2"/>
+            </a:endParaRPr>
+          </a:p>
+          <a:p>
+            <a:pPr marL="171450" indent="-171450">
+              <a:buFont typeface="Arial" panose="020B0604020202020204" pitchFamily="34" charset="0"/>
+              <a:buChar char="•"/>
+            </a:pPr>
+            <a:r>
+              <a:rPr lang="da-DK" sz="1200" dirty="0">
+                <a:solidFill>
+                  <a:schemeClr val="bg1"/>
+                </a:solidFill>
+                <a:sym typeface="Wingdings" panose="05000000000000000000" pitchFamily="2" charset="2"/>
+              </a:rPr>
+              <a:t>Annuller  </a:t>
+            </a:r>
+            <a:r>
+              <a:rPr lang="da-DK" sz="1200" dirty="0" err="1">
+                <a:solidFill>
+                  <a:schemeClr val="bg1"/>
+                </a:solidFill>
+                <a:sym typeface="Wingdings" panose="05000000000000000000" pitchFamily="2" charset="2"/>
+              </a:rPr>
+              <a:t>Ingredientstab</a:t>
+            </a:r>
+            <a:endParaRPr lang="da-DK" sz="1200" dirty="0">
+              <a:solidFill>
+                <a:schemeClr val="bg1"/>
+              </a:solidFill>
+              <a:sym typeface="Wingdings" panose="05000000000000000000" pitchFamily="2" charset="2"/>
+            </a:endParaRPr>
+          </a:p>
+          <a:p>
+            <a:pPr marL="171450" indent="-171450">
+              <a:buFont typeface="Arial" panose="020B0604020202020204" pitchFamily="34" charset="0"/>
+              <a:buChar char="•"/>
+            </a:pPr>
+            <a:endParaRPr lang="da-DK" sz="1200" dirty="0">
+              <a:solidFill>
+                <a:schemeClr val="bg1"/>
+              </a:solidFill>
+            </a:endParaRPr>
+          </a:p>
+          <a:p>
+            <a:pPr marL="171450" indent="-171450">
+              <a:buFont typeface="Arial" panose="020B0604020202020204" pitchFamily="34" charset="0"/>
+              <a:buChar char="•"/>
+            </a:pPr>
+            <a:endParaRPr lang="da-DK" sz="1200" dirty="0">
+              <a:solidFill>
+                <a:schemeClr val="bg1"/>
+              </a:solidFill>
+            </a:endParaRPr>
+          </a:p>
+          <a:p>
+            <a:pPr marL="171450" indent="-171450">
+              <a:buFont typeface="Arial" panose="020B0604020202020204" pitchFamily="34" charset="0"/>
+              <a:buChar char="•"/>
+            </a:pPr>
+            <a:endParaRPr lang="da-DK" sz="1200" dirty="0">
+              <a:solidFill>
+                <a:schemeClr val="bg1"/>
+              </a:solidFill>
+            </a:endParaRPr>
+          </a:p>
+          <a:p>
+            <a:pPr marL="171450" indent="-171450">
+              <a:buFont typeface="Arial" panose="020B0604020202020204" pitchFamily="34" charset="0"/>
+              <a:buChar char="•"/>
+            </a:pPr>
+            <a:endParaRPr lang="da-DK" sz="1200" dirty="0">
+              <a:solidFill>
+                <a:schemeClr val="bg1"/>
+              </a:solidFill>
+            </a:endParaRPr>
+          </a:p>
+          <a:p>
+            <a:pPr marL="171450" indent="-171450">
+              <a:buFont typeface="Arial" panose="020B0604020202020204" pitchFamily="34" charset="0"/>
+              <a:buChar char="•"/>
+            </a:pPr>
+            <a:endParaRPr lang="da-DK" sz="1200" dirty="0">
+              <a:solidFill>
+                <a:schemeClr val="bg1"/>
+              </a:solidFill>
+            </a:endParaRPr>
+          </a:p>
+        </p:txBody>
+      </p:sp>
+      <p:cxnSp>
+        <p:nvCxnSpPr>
+          <p:cNvPr id="232" name="Connector: Elbow 231">
+            <a:extLst>
+              <a:ext uri="{FF2B5EF4-FFF2-40B4-BE49-F238E27FC236}">
+                <a16:creationId xmlns:a16="http://schemas.microsoft.com/office/drawing/2014/main" id="{51B862C6-3E3C-4FF3-B954-6C20DE7E8D9E}"/>
+              </a:ext>
+            </a:extLst>
+          </p:cNvPr>
+          <p:cNvCxnSpPr>
+            <a:cxnSpLocks/>
+          </p:cNvCxnSpPr>
+          <p:nvPr/>
+        </p:nvCxnSpPr>
+        <p:spPr>
+          <a:xfrm rot="5400000">
+            <a:off x="11436721" y="24908448"/>
+            <a:ext cx="2969628" cy="347027"/>
+          </a:xfrm>
+          <a:prstGeom prst="bentConnector3">
+            <a:avLst>
+              <a:gd name="adj1" fmla="val -37"/>
+            </a:avLst>
+          </a:prstGeom>
+          <a:ln>
+            <a:tailEnd type="triangle"/>
+          </a:ln>
+        </p:spPr>
+        <p:style>
+          <a:lnRef idx="3">
+            <a:schemeClr val="dk1"/>
+          </a:lnRef>
+          <a:fillRef idx="0">
+            <a:schemeClr val="dk1"/>
+          </a:fillRef>
+          <a:effectRef idx="2">
+            <a:schemeClr val="dk1"/>
+          </a:effectRef>
+          <a:fontRef idx="minor">
+            <a:schemeClr val="tx1"/>
+          </a:fontRef>
+        </p:style>
+      </p:cxnSp>
+      <p:pic>
+        <p:nvPicPr>
+          <p:cNvPr id="44" name="Picture 43">
+            <a:extLst>
+              <a:ext uri="{FF2B5EF4-FFF2-40B4-BE49-F238E27FC236}">
+                <a16:creationId xmlns:a16="http://schemas.microsoft.com/office/drawing/2014/main" id="{C01E053A-9F25-4A0D-BD16-8347A1A38CB2}"/>
+              </a:ext>
+            </a:extLst>
+          </p:cNvPr>
+          <p:cNvPicPr>
+            <a:picLocks noChangeAspect="1"/>
+          </p:cNvPicPr>
+          <p:nvPr/>
+        </p:nvPicPr>
+        <p:blipFill>
+          <a:blip r:embed="rId25"/>
+          <a:stretch>
+            <a:fillRect/>
+          </a:stretch>
+        </p:blipFill>
+        <p:spPr>
+          <a:xfrm>
+            <a:off x="12604826" y="26786457"/>
+            <a:ext cx="1869415" cy="3115691"/>
+          </a:xfrm>
+          <a:prstGeom prst="rect">
+            <a:avLst/>
+          </a:prstGeom>
+        </p:spPr>
+      </p:pic>
+      <p:sp>
+        <p:nvSpPr>
+          <p:cNvPr id="233" name="TextBox 232">
+            <a:extLst>
+              <a:ext uri="{FF2B5EF4-FFF2-40B4-BE49-F238E27FC236}">
+                <a16:creationId xmlns:a16="http://schemas.microsoft.com/office/drawing/2014/main" id="{945C3C27-ABD4-4FEC-B97D-03F66A0D08BE}"/>
+              </a:ext>
+            </a:extLst>
+          </p:cNvPr>
+          <p:cNvSpPr txBox="1"/>
+          <p:nvPr/>
+        </p:nvSpPr>
+        <p:spPr>
+          <a:xfrm>
+            <a:off x="12829920" y="27708498"/>
+            <a:ext cx="1442639" cy="1569660"/>
+          </a:xfrm>
+          <a:prstGeom prst="rect">
+            <a:avLst/>
+          </a:prstGeom>
+          <a:noFill/>
+        </p:spPr>
+        <p:txBody>
+          <a:bodyPr wrap="none" rtlCol="0">
+            <a:spAutoFit/>
+          </a:bodyPr>
+          <a:lstStyle/>
+          <a:p>
+            <a:r>
+              <a:rPr lang="da-DK" sz="1200" dirty="0"/>
+              <a:t>#</a:t>
+            </a:r>
+            <a:r>
+              <a:rPr lang="da-DK" sz="1200" dirty="0" err="1"/>
+              <a:t>OpskriftNavn</a:t>
+            </a:r>
+            <a:r>
+              <a:rPr lang="da-DK" sz="1200" dirty="0"/>
+              <a:t>#</a:t>
+            </a:r>
+          </a:p>
+          <a:p>
+            <a:pPr marL="171450" indent="-171450">
+              <a:buFont typeface="Arial" panose="020B0604020202020204" pitchFamily="34" charset="0"/>
+              <a:buChar char="•"/>
+            </a:pPr>
+            <a:r>
+              <a:rPr lang="da-DK" sz="1200" dirty="0"/>
+              <a:t>Gulerødder 1 kg</a:t>
+            </a:r>
+          </a:p>
+          <a:p>
+            <a:pPr marL="171450" indent="-171450">
+              <a:buFont typeface="Arial" panose="020B0604020202020204" pitchFamily="34" charset="0"/>
+              <a:buChar char="•"/>
+            </a:pPr>
+            <a:r>
+              <a:rPr lang="da-DK" sz="1200" dirty="0"/>
+              <a:t>Pastinakker – 1kg</a:t>
+            </a:r>
+          </a:p>
+          <a:p>
+            <a:pPr marL="171450" indent="-171450">
+              <a:buFont typeface="Arial" panose="020B0604020202020204" pitchFamily="34" charset="0"/>
+              <a:buChar char="•"/>
+            </a:pPr>
+            <a:r>
+              <a:rPr lang="da-DK" sz="1200" dirty="0"/>
+              <a:t>Rødbeder – 1kg</a:t>
+            </a:r>
+          </a:p>
+          <a:p>
+            <a:pPr marL="171450" indent="-171450">
+              <a:buFont typeface="Arial" panose="020B0604020202020204" pitchFamily="34" charset="0"/>
+              <a:buChar char="•"/>
+            </a:pPr>
+            <a:r>
+              <a:rPr lang="da-DK" sz="1200" dirty="0" err="1"/>
+              <a:t>Kartoffler</a:t>
+            </a:r>
+            <a:r>
+              <a:rPr lang="da-DK" sz="1200" dirty="0"/>
+              <a:t> – 1 kg</a:t>
+            </a:r>
+          </a:p>
+          <a:p>
+            <a:pPr marL="171450" indent="-171450">
+              <a:buFont typeface="Arial" panose="020B0604020202020204" pitchFamily="34" charset="0"/>
+              <a:buChar char="•"/>
+            </a:pPr>
+            <a:r>
+              <a:rPr lang="da-DK" sz="1200" dirty="0"/>
+              <a:t>Timian – 1 pose</a:t>
+            </a:r>
+          </a:p>
+          <a:p>
+            <a:pPr marL="171450" indent="-171450">
+              <a:buFont typeface="Arial" panose="020B0604020202020204" pitchFamily="34" charset="0"/>
+              <a:buChar char="•"/>
+            </a:pPr>
+            <a:endParaRPr lang="da-DK" sz="1200" dirty="0"/>
+          </a:p>
+          <a:p>
+            <a:pPr marL="171450" indent="-171450">
+              <a:buFont typeface="Arial" panose="020B0604020202020204" pitchFamily="34" charset="0"/>
+              <a:buChar char="•"/>
+            </a:pPr>
+            <a:endParaRPr lang="da-DK" sz="1200" dirty="0"/>
+          </a:p>
+        </p:txBody>
+      </p:sp>
+      <p:sp>
+        <p:nvSpPr>
+          <p:cNvPr id="234" name="TextBox 233">
+            <a:extLst>
+              <a:ext uri="{FF2B5EF4-FFF2-40B4-BE49-F238E27FC236}">
+                <a16:creationId xmlns:a16="http://schemas.microsoft.com/office/drawing/2014/main" id="{8DE10DFC-1770-458B-A4C7-856B3D493F98}"/>
+              </a:ext>
+            </a:extLst>
+          </p:cNvPr>
+          <p:cNvSpPr txBox="1"/>
+          <p:nvPr/>
+        </p:nvSpPr>
+        <p:spPr>
+          <a:xfrm>
+            <a:off x="17377112" y="19990305"/>
+            <a:ext cx="3387081" cy="461665"/>
+          </a:xfrm>
+          <a:prstGeom prst="rect">
+            <a:avLst/>
+          </a:prstGeom>
+          <a:noFill/>
+        </p:spPr>
+        <p:txBody>
+          <a:bodyPr wrap="square" rtlCol="0">
+            <a:spAutoFit/>
+          </a:bodyPr>
+          <a:lstStyle/>
+          <a:p>
+            <a:r>
+              <a:rPr lang="da-DK" dirty="0"/>
+              <a:t>Rengøringsliste</a:t>
+            </a:r>
+          </a:p>
+        </p:txBody>
+      </p:sp>
+      <p:sp>
+        <p:nvSpPr>
+          <p:cNvPr id="235" name="TextBox 234">
+            <a:extLst>
+              <a:ext uri="{FF2B5EF4-FFF2-40B4-BE49-F238E27FC236}">
+                <a16:creationId xmlns:a16="http://schemas.microsoft.com/office/drawing/2014/main" id="{A2D6DDAA-10EC-4AB2-916C-1F466D323211}"/>
+              </a:ext>
+            </a:extLst>
+          </p:cNvPr>
+          <p:cNvSpPr txBox="1"/>
+          <p:nvPr/>
+        </p:nvSpPr>
+        <p:spPr>
+          <a:xfrm>
+            <a:off x="17317006" y="23415655"/>
+            <a:ext cx="3387081" cy="461665"/>
+          </a:xfrm>
+          <a:prstGeom prst="rect">
+            <a:avLst/>
+          </a:prstGeom>
+          <a:noFill/>
+        </p:spPr>
+        <p:txBody>
+          <a:bodyPr wrap="square" rtlCol="0">
+            <a:spAutoFit/>
+          </a:bodyPr>
+          <a:lstStyle/>
+          <a:p>
+            <a:r>
+              <a:rPr lang="da-DK" dirty="0"/>
+              <a:t>Boller liste</a:t>
+            </a:r>
+          </a:p>
+        </p:txBody>
+      </p:sp>
+      <p:sp>
+        <p:nvSpPr>
+          <p:cNvPr id="236" name="TextBox 235">
+            <a:extLst>
+              <a:ext uri="{FF2B5EF4-FFF2-40B4-BE49-F238E27FC236}">
+                <a16:creationId xmlns:a16="http://schemas.microsoft.com/office/drawing/2014/main" id="{9FCF5E13-FE7A-42A8-9D2B-3A8F9EF05F17}"/>
+              </a:ext>
+            </a:extLst>
+          </p:cNvPr>
+          <p:cNvSpPr txBox="1"/>
+          <p:nvPr/>
+        </p:nvSpPr>
+        <p:spPr>
+          <a:xfrm>
+            <a:off x="10622734" y="25477419"/>
+            <a:ext cx="4740016" cy="461665"/>
+          </a:xfrm>
+          <a:prstGeom prst="rect">
+            <a:avLst/>
+          </a:prstGeom>
+          <a:noFill/>
+        </p:spPr>
+        <p:txBody>
+          <a:bodyPr wrap="none" rtlCol="0">
+            <a:spAutoFit/>
+          </a:bodyPr>
+          <a:lstStyle/>
+          <a:p>
+            <a:r>
+              <a:rPr lang="da-DK" dirty="0"/>
+              <a:t>Tilføj opskrift </a:t>
+            </a:r>
+            <a:r>
+              <a:rPr lang="da-DK" dirty="0">
+                <a:sym typeface="Wingdings" panose="05000000000000000000" pitchFamily="2" charset="2"/>
+              </a:rPr>
+              <a:t> New </a:t>
+            </a:r>
+            <a:r>
+              <a:rPr lang="da-DK" dirty="0" err="1">
+                <a:sym typeface="Wingdings" panose="05000000000000000000" pitchFamily="2" charset="2"/>
+              </a:rPr>
+              <a:t>Recipe</a:t>
+            </a:r>
+            <a:r>
+              <a:rPr lang="da-DK" dirty="0">
+                <a:sym typeface="Wingdings" panose="05000000000000000000" pitchFamily="2" charset="2"/>
+              </a:rPr>
+              <a:t> Activity</a:t>
+            </a:r>
+            <a:endParaRPr lang="da-DK" dirty="0"/>
           </a:p>
         </p:txBody>
       </p:sp>
